--- a/Capstone2.pptx
+++ b/Capstone2.pptx
@@ -1,38 +1,38 @@
 
 <file path=ppt/presentation.xml><?xml version="1.0" encoding="utf-8"?>
-<p:presentation xmlns:a="http://schemas.openxmlformats.org/drawingml/2006/main" xmlns:r="http://schemas.openxmlformats.org/officeDocument/2006/relationships" xmlns:mc="http://schemas.openxmlformats.org/markup-compatibility/2006" xmlns:mv="urn:schemas-microsoft-com:mac:vml" xmlns:p="http://schemas.openxmlformats.org/presentationml/2006/main" xmlns:c="http://schemas.openxmlformats.org/drawingml/2006/chart" xmlns:dgm="http://schemas.openxmlformats.org/drawingml/2006/diagram" xmlns:o="urn:schemas-microsoft-com:office:office" xmlns:v="urn:schemas-microsoft-com:vml" xmlns:pvml="urn:schemas-microsoft-com:office:powerpoint" xmlns:com="http://schemas.openxmlformats.org/drawingml/2006/compatibility" xmlns:p14="http://schemas.microsoft.com/office/powerpoint/2010/main" xmlns:p15="http://schemas.microsoft.com/office/powerpoint/2012/main" xmlns:ahyp="http://schemas.microsoft.com/office/drawing/2018/hyperlinkcolor" autoCompressPictures="0" strictFirstAndLastChars="0" saveSubsetFonts="1">
+<p:presentation xmlns:a="http://schemas.openxmlformats.org/drawingml/2006/main" xmlns:r="http://schemas.openxmlformats.org/officeDocument/2006/relationships" xmlns:p="http://schemas.openxmlformats.org/presentationml/2006/main" strictFirstAndLastChars="0" saveSubsetFonts="1" autoCompressPictures="0">
   <p:sldMasterIdLst>
-    <p:sldMasterId id="2147483659" r:id="rId4"/>
+    <p:sldMasterId id="2147483659" r:id="rId1"/>
   </p:sldMasterIdLst>
   <p:notesMasterIdLst>
-    <p:notesMasterId r:id="rId5"/>
+    <p:notesMasterId r:id="rId22"/>
   </p:notesMasterIdLst>
   <p:sldIdLst>
-    <p:sldId id="256" r:id="rId6"/>
-    <p:sldId id="257" r:id="rId7"/>
-    <p:sldId id="258" r:id="rId8"/>
-    <p:sldId id="259" r:id="rId9"/>
-    <p:sldId id="260" r:id="rId10"/>
-    <p:sldId id="261" r:id="rId11"/>
-    <p:sldId id="262" r:id="rId12"/>
-    <p:sldId id="263" r:id="rId13"/>
-    <p:sldId id="264" r:id="rId14"/>
-    <p:sldId id="265" r:id="rId15"/>
-    <p:sldId id="266" r:id="rId16"/>
-    <p:sldId id="267" r:id="rId17"/>
-    <p:sldId id="268" r:id="rId18"/>
-    <p:sldId id="269" r:id="rId19"/>
-    <p:sldId id="270" r:id="rId20"/>
-    <p:sldId id="271" r:id="rId21"/>
-    <p:sldId id="272" r:id="rId22"/>
-    <p:sldId id="273" r:id="rId23"/>
-    <p:sldId id="274" r:id="rId24"/>
-    <p:sldId id="275" r:id="rId25"/>
+    <p:sldId id="256" r:id="rId2"/>
+    <p:sldId id="257" r:id="rId3"/>
+    <p:sldId id="258" r:id="rId4"/>
+    <p:sldId id="259" r:id="rId5"/>
+    <p:sldId id="260" r:id="rId6"/>
+    <p:sldId id="261" r:id="rId7"/>
+    <p:sldId id="262" r:id="rId8"/>
+    <p:sldId id="263" r:id="rId9"/>
+    <p:sldId id="264" r:id="rId10"/>
+    <p:sldId id="265" r:id="rId11"/>
+    <p:sldId id="266" r:id="rId12"/>
+    <p:sldId id="267" r:id="rId13"/>
+    <p:sldId id="268" r:id="rId14"/>
+    <p:sldId id="269" r:id="rId15"/>
+    <p:sldId id="270" r:id="rId16"/>
+    <p:sldId id="271" r:id="rId17"/>
+    <p:sldId id="272" r:id="rId18"/>
+    <p:sldId id="273" r:id="rId19"/>
+    <p:sldId id="274" r:id="rId20"/>
+    <p:sldId id="275" r:id="rId21"/>
   </p:sldIdLst>
-  <p:sldSz cy="5143500" cx="9144000"/>
+  <p:sldSz cx="9144000" cy="5143500" type="screen16x9"/>
   <p:notesSz cx="6858000" cy="9144000"/>
   <p:defaultTextStyle>
-    <a:defPPr lvl="0" marR="0" rtl="0" algn="l">
+    <a:defPPr marR="0" lvl="0" algn="l" rtl="0">
       <a:lnSpc>
         <a:spcPct val="100000"/>
       </a:lnSpc>
@@ -43,7 +43,7 @@
         <a:spcPts val="0"/>
       </a:spcAft>
     </a:defPPr>
-    <a:lvl1pPr lvl="0" marR="0" rtl="0" algn="l">
+    <a:lvl1pPr marR="0" lvl="0" algn="l" rtl="0">
       <a:lnSpc>
         <a:spcPct val="100000"/>
       </a:lnSpc>
@@ -57,7 +57,7 @@
         <a:srgbClr val="000000"/>
       </a:buClr>
       <a:buFont typeface="Arial"/>
-      <a:defRPr b="0" i="0" sz="1400" u="none" cap="none" strike="noStrike">
+      <a:defRPr sz="1400" b="0" i="0" u="none" strike="noStrike" cap="none">
         <a:solidFill>
           <a:srgbClr val="000000"/>
         </a:solidFill>
@@ -67,7 +67,7 @@
         <a:sym typeface="Arial"/>
       </a:defRPr>
     </a:lvl1pPr>
-    <a:lvl2pPr lvl="1" marR="0" rtl="0" algn="l">
+    <a:lvl2pPr marR="0" lvl="1" algn="l" rtl="0">
       <a:lnSpc>
         <a:spcPct val="100000"/>
       </a:lnSpc>
@@ -81,7 +81,7 @@
         <a:srgbClr val="000000"/>
       </a:buClr>
       <a:buFont typeface="Arial"/>
-      <a:defRPr b="0" i="0" sz="1400" u="none" cap="none" strike="noStrike">
+      <a:defRPr sz="1400" b="0" i="0" u="none" strike="noStrike" cap="none">
         <a:solidFill>
           <a:srgbClr val="000000"/>
         </a:solidFill>
@@ -91,7 +91,7 @@
         <a:sym typeface="Arial"/>
       </a:defRPr>
     </a:lvl2pPr>
-    <a:lvl3pPr lvl="2" marR="0" rtl="0" algn="l">
+    <a:lvl3pPr marR="0" lvl="2" algn="l" rtl="0">
       <a:lnSpc>
         <a:spcPct val="100000"/>
       </a:lnSpc>
@@ -105,7 +105,7 @@
         <a:srgbClr val="000000"/>
       </a:buClr>
       <a:buFont typeface="Arial"/>
-      <a:defRPr b="0" i="0" sz="1400" u="none" cap="none" strike="noStrike">
+      <a:defRPr sz="1400" b="0" i="0" u="none" strike="noStrike" cap="none">
         <a:solidFill>
           <a:srgbClr val="000000"/>
         </a:solidFill>
@@ -115,7 +115,7 @@
         <a:sym typeface="Arial"/>
       </a:defRPr>
     </a:lvl3pPr>
-    <a:lvl4pPr lvl="3" marR="0" rtl="0" algn="l">
+    <a:lvl4pPr marR="0" lvl="3" algn="l" rtl="0">
       <a:lnSpc>
         <a:spcPct val="100000"/>
       </a:lnSpc>
@@ -129,7 +129,7 @@
         <a:srgbClr val="000000"/>
       </a:buClr>
       <a:buFont typeface="Arial"/>
-      <a:defRPr b="0" i="0" sz="1400" u="none" cap="none" strike="noStrike">
+      <a:defRPr sz="1400" b="0" i="0" u="none" strike="noStrike" cap="none">
         <a:solidFill>
           <a:srgbClr val="000000"/>
         </a:solidFill>
@@ -139,7 +139,7 @@
         <a:sym typeface="Arial"/>
       </a:defRPr>
     </a:lvl4pPr>
-    <a:lvl5pPr lvl="4" marR="0" rtl="0" algn="l">
+    <a:lvl5pPr marR="0" lvl="4" algn="l" rtl="0">
       <a:lnSpc>
         <a:spcPct val="100000"/>
       </a:lnSpc>
@@ -153,7 +153,7 @@
         <a:srgbClr val="000000"/>
       </a:buClr>
       <a:buFont typeface="Arial"/>
-      <a:defRPr b="0" i="0" sz="1400" u="none" cap="none" strike="noStrike">
+      <a:defRPr sz="1400" b="0" i="0" u="none" strike="noStrike" cap="none">
         <a:solidFill>
           <a:srgbClr val="000000"/>
         </a:solidFill>
@@ -163,7 +163,7 @@
         <a:sym typeface="Arial"/>
       </a:defRPr>
     </a:lvl5pPr>
-    <a:lvl6pPr lvl="5" marR="0" rtl="0" algn="l">
+    <a:lvl6pPr marR="0" lvl="5" algn="l" rtl="0">
       <a:lnSpc>
         <a:spcPct val="100000"/>
       </a:lnSpc>
@@ -177,7 +177,7 @@
         <a:srgbClr val="000000"/>
       </a:buClr>
       <a:buFont typeface="Arial"/>
-      <a:defRPr b="0" i="0" sz="1400" u="none" cap="none" strike="noStrike">
+      <a:defRPr sz="1400" b="0" i="0" u="none" strike="noStrike" cap="none">
         <a:solidFill>
           <a:srgbClr val="000000"/>
         </a:solidFill>
@@ -187,7 +187,7 @@
         <a:sym typeface="Arial"/>
       </a:defRPr>
     </a:lvl6pPr>
-    <a:lvl7pPr lvl="6" marR="0" rtl="0" algn="l">
+    <a:lvl7pPr marR="0" lvl="6" algn="l" rtl="0">
       <a:lnSpc>
         <a:spcPct val="100000"/>
       </a:lnSpc>
@@ -201,7 +201,7 @@
         <a:srgbClr val="000000"/>
       </a:buClr>
       <a:buFont typeface="Arial"/>
-      <a:defRPr b="0" i="0" sz="1400" u="none" cap="none" strike="noStrike">
+      <a:defRPr sz="1400" b="0" i="0" u="none" strike="noStrike" cap="none">
         <a:solidFill>
           <a:srgbClr val="000000"/>
         </a:solidFill>
@@ -211,7 +211,7 @@
         <a:sym typeface="Arial"/>
       </a:defRPr>
     </a:lvl7pPr>
-    <a:lvl8pPr lvl="7" marR="0" rtl="0" algn="l">
+    <a:lvl8pPr marR="0" lvl="7" algn="l" rtl="0">
       <a:lnSpc>
         <a:spcPct val="100000"/>
       </a:lnSpc>
@@ -225,7 +225,7 @@
         <a:srgbClr val="000000"/>
       </a:buClr>
       <a:buFont typeface="Arial"/>
-      <a:defRPr b="0" i="0" sz="1400" u="none" cap="none" strike="noStrike">
+      <a:defRPr sz="1400" b="0" i="0" u="none" strike="noStrike" cap="none">
         <a:solidFill>
           <a:srgbClr val="000000"/>
         </a:solidFill>
@@ -235,7 +235,7 @@
         <a:sym typeface="Arial"/>
       </a:defRPr>
     </a:lvl8pPr>
-    <a:lvl9pPr lvl="8" marR="0" rtl="0" algn="l">
+    <a:lvl9pPr marR="0" lvl="8" algn="l" rtl="0">
       <a:lnSpc>
         <a:spcPct val="100000"/>
       </a:lnSpc>
@@ -249,7 +249,7 @@
         <a:srgbClr val="000000"/>
       </a:buClr>
       <a:buFont typeface="Arial"/>
-      <a:defRPr b="0" i="0" sz="1400" u="none" cap="none" strike="noStrike">
+      <a:defRPr sz="1400" b="0" i="0" u="none" strike="noStrike" cap="none">
         <a:solidFill>
           <a:srgbClr val="000000"/>
         </a:solidFill>
@@ -262,7 +262,7 @@
   </p:defaultTextStyle>
   <p:extLst>
     <p:ext uri="{EFAFB233-063F-42B5-8137-9DF3F51BA10A}">
-      <p15:sldGuideLst>
+      <p15:sldGuideLst xmlns:p15="http://schemas.microsoft.com/office/powerpoint/2012/main">
         <p15:guide id="1" orient="horz" pos="1620">
           <p15:clr>
             <a:srgbClr val="A4A3A4"/>
@@ -280,11 +280,16 @@
 </file>
 
 <file path=ppt/notesMasters/notesMaster1.xml><?xml version="1.0" encoding="utf-8"?>
-<p:notesMaster xmlns:a="http://schemas.openxmlformats.org/drawingml/2006/main" xmlns:r="http://schemas.openxmlformats.org/officeDocument/2006/relationships" xmlns:mc="http://schemas.openxmlformats.org/markup-compatibility/2006" xmlns:mv="urn:schemas-microsoft-com:mac:vml" xmlns:p="http://schemas.openxmlformats.org/presentationml/2006/main" xmlns:c="http://schemas.openxmlformats.org/drawingml/2006/chart" xmlns:dgm="http://schemas.openxmlformats.org/drawingml/2006/diagram" xmlns:o="urn:schemas-microsoft-com:office:office" xmlns:v="urn:schemas-microsoft-com:vml" xmlns:pvml="urn:schemas-microsoft-com:office:powerpoint" xmlns:com="http://schemas.openxmlformats.org/drawingml/2006/compatibility" xmlns:p14="http://schemas.microsoft.com/office/powerpoint/2010/main" xmlns:p15="http://schemas.microsoft.com/office/powerpoint/2012/main" xmlns:ahyp="http://schemas.microsoft.com/office/drawing/2018/hyperlinkcolor">
+<p:notesMaster xmlns:a="http://schemas.openxmlformats.org/drawingml/2006/main" xmlns:r="http://schemas.openxmlformats.org/officeDocument/2006/relationships" xmlns:p="http://schemas.openxmlformats.org/presentationml/2006/main">
   <p:cSld>
+    <p:bg>
+      <p:bgRef idx="1001">
+        <a:schemeClr val="bg1"/>
+      </p:bgRef>
+    </p:bg>
     <p:spTree>
       <p:nvGrpSpPr>
-        <p:cNvPr id="2" name="Shape 2"/>
+        <p:cNvPr id="1" name="Shape 2"/>
         <p:cNvGrpSpPr/>
         <p:nvPr/>
       </p:nvGrpSpPr>
@@ -299,9 +304,11 @@
       <p:sp>
         <p:nvSpPr>
           <p:cNvPr id="3" name="Google Shape;3;n"/>
-          <p:cNvSpPr/>
+          <p:cNvSpPr>
+            <a:spLocks noGrp="1" noRot="1" noChangeAspect="1"/>
+          </p:cNvSpPr>
           <p:nvPr>
-            <p:ph idx="2" type="sldImg"/>
+            <p:ph type="sldImg" idx="2"/>
           </p:nvPr>
         </p:nvSpPr>
         <p:spPr>
@@ -310,9 +317,13 @@
             <a:ext cx="6096075" cy="3429000"/>
           </a:xfrm>
           <a:custGeom>
-            <a:rect b="b" l="l" r="r" t="t"/>
+            <a:avLst/>
+            <a:gdLst/>
+            <a:ahLst/>
+            <a:cxnLst/>
+            <a:rect l="l" t="t" r="r" b="b"/>
             <a:pathLst>
-              <a:path extrusionOk="0" h="120000" w="120000">
+              <a:path w="120000" h="120000" extrusionOk="0">
                 <a:moveTo>
                   <a:pt x="0" y="0"/>
                 </a:moveTo>
@@ -330,23 +341,25 @@
             </a:pathLst>
           </a:custGeom>
           <a:noFill/>
-          <a:ln cap="flat" cmpd="sng" w="9525">
+          <a:ln w="9525" cap="flat" cmpd="sng">
             <a:solidFill>
               <a:srgbClr val="000000"/>
             </a:solidFill>
             <a:prstDash val="solid"/>
             <a:round/>
-            <a:headEnd len="sm" w="sm" type="none"/>
-            <a:tailEnd len="sm" w="sm" type="none"/>
+            <a:headEnd type="none" w="sm" len="sm"/>
+            <a:tailEnd type="none" w="sm" len="sm"/>
           </a:ln>
         </p:spPr>
       </p:sp>
       <p:sp>
         <p:nvSpPr>
           <p:cNvPr id="4" name="Google Shape;4;n"/>
-          <p:cNvSpPr txBox="1"/>
+          <p:cNvSpPr txBox="1">
+            <a:spLocks noGrp="1"/>
+          </p:cNvSpPr>
           <p:nvPr>
-            <p:ph idx="1" type="body"/>
+            <p:ph type="body" idx="1"/>
           </p:nvPr>
         </p:nvSpPr>
         <p:spPr>
@@ -363,11 +376,11 @@
           </a:ln>
         </p:spPr>
         <p:txBody>
-          <a:bodyPr anchorCtr="0" anchor="t" bIns="91425" lIns="91425" spcFirstLastPara="1" rIns="91425" wrap="square" tIns="91425">
+          <a:bodyPr spcFirstLastPara="1" wrap="square" lIns="91425" tIns="91425" rIns="91425" bIns="91425" anchor="t" anchorCtr="0">
             <a:noAutofit/>
           </a:bodyPr>
           <a:lstStyle>
-            <a:lvl1pPr indent="-298450" lvl="0" marL="457200">
+            <a:lvl1pPr marL="457200" lvl="0" indent="-298450">
               <a:spcBef>
                 <a:spcPts val="0"/>
               </a:spcBef>
@@ -378,7 +391,7 @@
               <a:buChar char="●"/>
               <a:defRPr sz="1100"/>
             </a:lvl1pPr>
-            <a:lvl2pPr indent="-298450" lvl="1" marL="914400">
+            <a:lvl2pPr marL="914400" lvl="1" indent="-298450">
               <a:spcBef>
                 <a:spcPts val="0"/>
               </a:spcBef>
@@ -389,7 +402,7 @@
               <a:buChar char="○"/>
               <a:defRPr sz="1100"/>
             </a:lvl2pPr>
-            <a:lvl3pPr indent="-298450" lvl="2" marL="1371600">
+            <a:lvl3pPr marL="1371600" lvl="2" indent="-298450">
               <a:spcBef>
                 <a:spcPts val="0"/>
               </a:spcBef>
@@ -400,7 +413,7 @@
               <a:buChar char="■"/>
               <a:defRPr sz="1100"/>
             </a:lvl3pPr>
-            <a:lvl4pPr indent="-298450" lvl="3" marL="1828800">
+            <a:lvl4pPr marL="1828800" lvl="3" indent="-298450">
               <a:spcBef>
                 <a:spcPts val="0"/>
               </a:spcBef>
@@ -411,7 +424,7 @@
               <a:buChar char="●"/>
               <a:defRPr sz="1100"/>
             </a:lvl4pPr>
-            <a:lvl5pPr indent="-298450" lvl="4" marL="2286000">
+            <a:lvl5pPr marL="2286000" lvl="4" indent="-298450">
               <a:spcBef>
                 <a:spcPts val="0"/>
               </a:spcBef>
@@ -422,7 +435,7 @@
               <a:buChar char="○"/>
               <a:defRPr sz="1100"/>
             </a:lvl5pPr>
-            <a:lvl6pPr indent="-298450" lvl="5" marL="2743200">
+            <a:lvl6pPr marL="2743200" lvl="5" indent="-298450">
               <a:spcBef>
                 <a:spcPts val="0"/>
               </a:spcBef>
@@ -433,7 +446,7 @@
               <a:buChar char="■"/>
               <a:defRPr sz="1100"/>
             </a:lvl6pPr>
-            <a:lvl7pPr indent="-298450" lvl="6" marL="3200400">
+            <a:lvl7pPr marL="3200400" lvl="6" indent="-298450">
               <a:spcBef>
                 <a:spcPts val="0"/>
               </a:spcBef>
@@ -444,7 +457,7 @@
               <a:buChar char="●"/>
               <a:defRPr sz="1100"/>
             </a:lvl7pPr>
-            <a:lvl8pPr indent="-298450" lvl="7" marL="3657600">
+            <a:lvl8pPr marL="3657600" lvl="7" indent="-298450">
               <a:spcBef>
                 <a:spcPts val="0"/>
               </a:spcBef>
@@ -455,7 +468,7 @@
               <a:buChar char="○"/>
               <a:defRPr sz="1100"/>
             </a:lvl8pPr>
-            <a:lvl9pPr indent="-298450" lvl="8" marL="4114800">
+            <a:lvl9pPr marL="4114800" lvl="8" indent="-298450">
               <a:spcBef>
                 <a:spcPts val="0"/>
               </a:spcBef>
@@ -467,14 +480,16 @@
               <a:defRPr sz="1100"/>
             </a:lvl9pPr>
           </a:lstStyle>
-          <a:p/>
+          <a:p>
+            <a:endParaRPr/>
+          </a:p>
         </p:txBody>
       </p:sp>
     </p:spTree>
   </p:cSld>
-  <p:clrMap accent1="accent1" accent2="accent2" accent3="accent3" accent4="accent4" accent5="accent5" accent6="accent6" bg1="lt1" bg2="dk2" tx1="dk1" tx2="lt2" folHlink="folHlink" hlink="hlink"/>
+  <p:clrMap bg1="lt1" tx1="dk1" bg2="dk2" tx2="lt2" accent1="accent1" accent2="accent2" accent3="accent3" accent4="accent4" accent5="accent5" accent6="accent6" hlink="hlink" folHlink="folHlink"/>
   <p:notesStyle>
-    <a:defPPr lvl="0" marR="0" rtl="0" algn="l">
+    <a:defPPr marR="0" lvl="0" algn="l" rtl="0">
       <a:lnSpc>
         <a:spcPct val="100000"/>
       </a:lnSpc>
@@ -485,7 +500,7 @@
         <a:spcPts val="0"/>
       </a:spcAft>
     </a:defPPr>
-    <a:lvl1pPr lvl="0" marR="0" rtl="0" algn="l">
+    <a:lvl1pPr marR="0" lvl="0" algn="l" rtl="0">
       <a:lnSpc>
         <a:spcPct val="100000"/>
       </a:lnSpc>
@@ -499,7 +514,7 @@
         <a:srgbClr val="000000"/>
       </a:buClr>
       <a:buFont typeface="Arial"/>
-      <a:defRPr b="0" i="0" sz="1400" u="none" cap="none" strike="noStrike">
+      <a:defRPr sz="1400" b="0" i="0" u="none" strike="noStrike" cap="none">
         <a:solidFill>
           <a:srgbClr val="000000"/>
         </a:solidFill>
@@ -509,7 +524,7 @@
         <a:sym typeface="Arial"/>
       </a:defRPr>
     </a:lvl1pPr>
-    <a:lvl2pPr lvl="1" marR="0" rtl="0" algn="l">
+    <a:lvl2pPr marR="0" lvl="1" algn="l" rtl="0">
       <a:lnSpc>
         <a:spcPct val="100000"/>
       </a:lnSpc>
@@ -523,7 +538,7 @@
         <a:srgbClr val="000000"/>
       </a:buClr>
       <a:buFont typeface="Arial"/>
-      <a:defRPr b="0" i="0" sz="1400" u="none" cap="none" strike="noStrike">
+      <a:defRPr sz="1400" b="0" i="0" u="none" strike="noStrike" cap="none">
         <a:solidFill>
           <a:srgbClr val="000000"/>
         </a:solidFill>
@@ -533,7 +548,7 @@
         <a:sym typeface="Arial"/>
       </a:defRPr>
     </a:lvl2pPr>
-    <a:lvl3pPr lvl="2" marR="0" rtl="0" algn="l">
+    <a:lvl3pPr marR="0" lvl="2" algn="l" rtl="0">
       <a:lnSpc>
         <a:spcPct val="100000"/>
       </a:lnSpc>
@@ -547,7 +562,7 @@
         <a:srgbClr val="000000"/>
       </a:buClr>
       <a:buFont typeface="Arial"/>
-      <a:defRPr b="0" i="0" sz="1400" u="none" cap="none" strike="noStrike">
+      <a:defRPr sz="1400" b="0" i="0" u="none" strike="noStrike" cap="none">
         <a:solidFill>
           <a:srgbClr val="000000"/>
         </a:solidFill>
@@ -557,7 +572,7 @@
         <a:sym typeface="Arial"/>
       </a:defRPr>
     </a:lvl3pPr>
-    <a:lvl4pPr lvl="3" marR="0" rtl="0" algn="l">
+    <a:lvl4pPr marR="0" lvl="3" algn="l" rtl="0">
       <a:lnSpc>
         <a:spcPct val="100000"/>
       </a:lnSpc>
@@ -571,7 +586,7 @@
         <a:srgbClr val="000000"/>
       </a:buClr>
       <a:buFont typeface="Arial"/>
-      <a:defRPr b="0" i="0" sz="1400" u="none" cap="none" strike="noStrike">
+      <a:defRPr sz="1400" b="0" i="0" u="none" strike="noStrike" cap="none">
         <a:solidFill>
           <a:srgbClr val="000000"/>
         </a:solidFill>
@@ -581,7 +596,7 @@
         <a:sym typeface="Arial"/>
       </a:defRPr>
     </a:lvl4pPr>
-    <a:lvl5pPr lvl="4" marR="0" rtl="0" algn="l">
+    <a:lvl5pPr marR="0" lvl="4" algn="l" rtl="0">
       <a:lnSpc>
         <a:spcPct val="100000"/>
       </a:lnSpc>
@@ -595,7 +610,7 @@
         <a:srgbClr val="000000"/>
       </a:buClr>
       <a:buFont typeface="Arial"/>
-      <a:defRPr b="0" i="0" sz="1400" u="none" cap="none" strike="noStrike">
+      <a:defRPr sz="1400" b="0" i="0" u="none" strike="noStrike" cap="none">
         <a:solidFill>
           <a:srgbClr val="000000"/>
         </a:solidFill>
@@ -605,7 +620,7 @@
         <a:sym typeface="Arial"/>
       </a:defRPr>
     </a:lvl5pPr>
-    <a:lvl6pPr lvl="5" marR="0" rtl="0" algn="l">
+    <a:lvl6pPr marR="0" lvl="5" algn="l" rtl="0">
       <a:lnSpc>
         <a:spcPct val="100000"/>
       </a:lnSpc>
@@ -619,7 +634,7 @@
         <a:srgbClr val="000000"/>
       </a:buClr>
       <a:buFont typeface="Arial"/>
-      <a:defRPr b="0" i="0" sz="1400" u="none" cap="none" strike="noStrike">
+      <a:defRPr sz="1400" b="0" i="0" u="none" strike="noStrike" cap="none">
         <a:solidFill>
           <a:srgbClr val="000000"/>
         </a:solidFill>
@@ -629,7 +644,7 @@
         <a:sym typeface="Arial"/>
       </a:defRPr>
     </a:lvl6pPr>
-    <a:lvl7pPr lvl="6" marR="0" rtl="0" algn="l">
+    <a:lvl7pPr marR="0" lvl="6" algn="l" rtl="0">
       <a:lnSpc>
         <a:spcPct val="100000"/>
       </a:lnSpc>
@@ -643,7 +658,7 @@
         <a:srgbClr val="000000"/>
       </a:buClr>
       <a:buFont typeface="Arial"/>
-      <a:defRPr b="0" i="0" sz="1400" u="none" cap="none" strike="noStrike">
+      <a:defRPr sz="1400" b="0" i="0" u="none" strike="noStrike" cap="none">
         <a:solidFill>
           <a:srgbClr val="000000"/>
         </a:solidFill>
@@ -653,7 +668,7 @@
         <a:sym typeface="Arial"/>
       </a:defRPr>
     </a:lvl7pPr>
-    <a:lvl8pPr lvl="7" marR="0" rtl="0" algn="l">
+    <a:lvl8pPr marR="0" lvl="7" algn="l" rtl="0">
       <a:lnSpc>
         <a:spcPct val="100000"/>
       </a:lnSpc>
@@ -667,7 +682,7 @@
         <a:srgbClr val="000000"/>
       </a:buClr>
       <a:buFont typeface="Arial"/>
-      <a:defRPr b="0" i="0" sz="1400" u="none" cap="none" strike="noStrike">
+      <a:defRPr sz="1400" b="0" i="0" u="none" strike="noStrike" cap="none">
         <a:solidFill>
           <a:srgbClr val="000000"/>
         </a:solidFill>
@@ -677,7 +692,7 @@
         <a:sym typeface="Arial"/>
       </a:defRPr>
     </a:lvl8pPr>
-    <a:lvl9pPr lvl="8" marR="0" rtl="0" algn="l">
+    <a:lvl9pPr marR="0" lvl="8" algn="l" rtl="0">
       <a:lnSpc>
         <a:spcPct val="100000"/>
       </a:lnSpc>
@@ -691,7 +706,7 @@
         <a:srgbClr val="000000"/>
       </a:buClr>
       <a:buFont typeface="Arial"/>
-      <a:defRPr b="0" i="0" sz="1400" u="none" cap="none" strike="noStrike">
+      <a:defRPr sz="1400" b="0" i="0" u="none" strike="noStrike" cap="none">
         <a:solidFill>
           <a:srgbClr val="000000"/>
         </a:solidFill>
@@ -706,11 +721,11 @@
 </file>
 
 <file path=ppt/notesSlides/notesSlide1.xml><?xml version="1.0" encoding="utf-8"?>
-<p:notes xmlns:a="http://schemas.openxmlformats.org/drawingml/2006/main" xmlns:r="http://schemas.openxmlformats.org/officeDocument/2006/relationships" xmlns:mc="http://schemas.openxmlformats.org/markup-compatibility/2006" xmlns:mv="urn:schemas-microsoft-com:mac:vml" xmlns:p="http://schemas.openxmlformats.org/presentationml/2006/main" xmlns:c="http://schemas.openxmlformats.org/drawingml/2006/chart" xmlns:dgm="http://schemas.openxmlformats.org/drawingml/2006/diagram" xmlns:o="urn:schemas-microsoft-com:office:office" xmlns:v="urn:schemas-microsoft-com:vml" xmlns:pvml="urn:schemas-microsoft-com:office:powerpoint" xmlns:com="http://schemas.openxmlformats.org/drawingml/2006/compatibility" xmlns:p14="http://schemas.microsoft.com/office/powerpoint/2010/main" xmlns:p15="http://schemas.microsoft.com/office/powerpoint/2012/main" xmlns:ahyp="http://schemas.microsoft.com/office/drawing/2018/hyperlinkcolor" showMasterPhAnim="0" showMasterSp="0">
+<p:notes xmlns:a="http://schemas.openxmlformats.org/drawingml/2006/main" xmlns:r="http://schemas.openxmlformats.org/officeDocument/2006/relationships" xmlns:p="http://schemas.openxmlformats.org/presentationml/2006/main" showMasterSp="0" showMasterPhAnim="0">
   <p:cSld>
     <p:spTree>
       <p:nvGrpSpPr>
-        <p:cNvPr id="50" name="Shape 50"/>
+        <p:cNvPr id="1" name="Shape 50"/>
         <p:cNvGrpSpPr/>
         <p:nvPr/>
       </p:nvGrpSpPr>
@@ -725,20 +740,26 @@
       <p:sp>
         <p:nvSpPr>
           <p:cNvPr id="51" name="Google Shape;51;p:notes"/>
-          <p:cNvSpPr/>
+          <p:cNvSpPr>
+            <a:spLocks noGrp="1" noRot="1" noChangeAspect="1"/>
+          </p:cNvSpPr>
           <p:nvPr>
-            <p:ph idx="2" type="sldImg"/>
+            <p:ph type="sldImg" idx="2"/>
           </p:nvPr>
         </p:nvSpPr>
         <p:spPr>
           <a:xfrm>
-            <a:off x="381300" y="685800"/>
-            <a:ext cx="6096075" cy="3429000"/>
+            <a:off x="381000" y="685800"/>
+            <a:ext cx="6096000" cy="3429000"/>
           </a:xfrm>
           <a:custGeom>
-            <a:rect b="b" l="l" r="r" t="t"/>
+            <a:avLst/>
+            <a:gdLst/>
+            <a:ahLst/>
+            <a:cxnLst/>
+            <a:rect l="l" t="t" r="r" b="b"/>
             <a:pathLst>
-              <a:path extrusionOk="0" h="120000" w="120000">
+              <a:path w="120000" h="120000" extrusionOk="0">
                 <a:moveTo>
                   <a:pt x="0" y="0"/>
                 </a:moveTo>
@@ -760,9 +781,11 @@
       <p:sp>
         <p:nvSpPr>
           <p:cNvPr id="52" name="Google Shape;52;p:notes"/>
-          <p:cNvSpPr txBox="1"/>
+          <p:cNvSpPr txBox="1">
+            <a:spLocks noGrp="1"/>
+          </p:cNvSpPr>
           <p:nvPr>
-            <p:ph idx="1" type="body"/>
+            <p:ph type="body" idx="1"/>
           </p:nvPr>
         </p:nvSpPr>
         <p:spPr>
@@ -775,23 +798,20 @@
           </a:prstGeom>
         </p:spPr>
         <p:txBody>
-          <a:bodyPr anchorCtr="0" anchor="t" bIns="91425" lIns="91425" spcFirstLastPara="1" rIns="91425" wrap="square" tIns="91425">
+          <a:bodyPr spcFirstLastPara="1" wrap="square" lIns="91425" tIns="91425" rIns="91425" bIns="91425" anchor="t" anchorCtr="0">
             <a:noAutofit/>
           </a:bodyPr>
           <a:lstStyle/>
           <a:p>
-            <a:pPr indent="0" lvl="0" marL="0" rtl="0" algn="l">
-              <a:spcBef>
-                <a:spcPts val="0"/>
-              </a:spcBef>
-              <a:spcAft>
-                <a:spcPts val="0"/>
-              </a:spcAft>
-              <a:buNone/>
-            </a:pPr>
-            <a:r>
-              <a:t/>
-            </a:r>
+            <a:pPr marL="0" lvl="0" indent="0" algn="l" rtl="0">
+              <a:spcBef>
+                <a:spcPts val="0"/>
+              </a:spcBef>
+              <a:spcAft>
+                <a:spcPts val="0"/>
+              </a:spcAft>
+              <a:buNone/>
+            </a:pPr>
             <a:endParaRPr/>
           </a:p>
         </p:txBody>
@@ -805,11 +825,11 @@
 </file>
 
 <file path=ppt/notesSlides/notesSlide10.xml><?xml version="1.0" encoding="utf-8"?>
-<p:notes xmlns:a="http://schemas.openxmlformats.org/drawingml/2006/main" xmlns:r="http://schemas.openxmlformats.org/officeDocument/2006/relationships" xmlns:mc="http://schemas.openxmlformats.org/markup-compatibility/2006" xmlns:mv="urn:schemas-microsoft-com:mac:vml" xmlns:p="http://schemas.openxmlformats.org/presentationml/2006/main" xmlns:c="http://schemas.openxmlformats.org/drawingml/2006/chart" xmlns:dgm="http://schemas.openxmlformats.org/drawingml/2006/diagram" xmlns:o="urn:schemas-microsoft-com:office:office" xmlns:v="urn:schemas-microsoft-com:vml" xmlns:pvml="urn:schemas-microsoft-com:office:powerpoint" xmlns:com="http://schemas.openxmlformats.org/drawingml/2006/compatibility" xmlns:p14="http://schemas.microsoft.com/office/powerpoint/2010/main" xmlns:p15="http://schemas.microsoft.com/office/powerpoint/2012/main" xmlns:ahyp="http://schemas.microsoft.com/office/drawing/2018/hyperlinkcolor" showMasterPhAnim="0" showMasterSp="0">
+<p:notes xmlns:a="http://schemas.openxmlformats.org/drawingml/2006/main" xmlns:r="http://schemas.openxmlformats.org/officeDocument/2006/relationships" xmlns:p="http://schemas.openxmlformats.org/presentationml/2006/main" showMasterSp="0" showMasterPhAnim="0">
   <p:cSld>
     <p:spTree>
       <p:nvGrpSpPr>
-        <p:cNvPr id="106" name="Shape 106"/>
+        <p:cNvPr id="1" name="Shape 106"/>
         <p:cNvGrpSpPr/>
         <p:nvPr/>
       </p:nvGrpSpPr>
@@ -824,20 +844,26 @@
       <p:sp>
         <p:nvSpPr>
           <p:cNvPr id="107" name="Google Shape;107;ge88ae3acfc_0_88:notes"/>
-          <p:cNvSpPr/>
+          <p:cNvSpPr>
+            <a:spLocks noGrp="1" noRot="1" noChangeAspect="1"/>
+          </p:cNvSpPr>
           <p:nvPr>
-            <p:ph idx="2" type="sldImg"/>
+            <p:ph type="sldImg" idx="2"/>
           </p:nvPr>
         </p:nvSpPr>
         <p:spPr>
           <a:xfrm>
-            <a:off x="381300" y="685800"/>
+            <a:off x="381000" y="685800"/>
             <a:ext cx="6096000" cy="3429000"/>
           </a:xfrm>
           <a:custGeom>
-            <a:rect b="b" l="l" r="r" t="t"/>
+            <a:avLst/>
+            <a:gdLst/>
+            <a:ahLst/>
+            <a:cxnLst/>
+            <a:rect l="l" t="t" r="r" b="b"/>
             <a:pathLst>
-              <a:path extrusionOk="0" h="120000" w="120000">
+              <a:path w="120000" h="120000" extrusionOk="0">
                 <a:moveTo>
                   <a:pt x="0" y="0"/>
                 </a:moveTo>
@@ -859,9 +885,11 @@
       <p:sp>
         <p:nvSpPr>
           <p:cNvPr id="108" name="Google Shape;108;ge88ae3acfc_0_88:notes"/>
-          <p:cNvSpPr txBox="1"/>
+          <p:cNvSpPr txBox="1">
+            <a:spLocks noGrp="1"/>
+          </p:cNvSpPr>
           <p:nvPr>
-            <p:ph idx="1" type="body"/>
+            <p:ph type="body" idx="1"/>
           </p:nvPr>
         </p:nvSpPr>
         <p:spPr>
@@ -874,23 +902,20 @@
           </a:prstGeom>
         </p:spPr>
         <p:txBody>
-          <a:bodyPr anchorCtr="0" anchor="t" bIns="91425" lIns="91425" spcFirstLastPara="1" rIns="91425" wrap="square" tIns="91425">
+          <a:bodyPr spcFirstLastPara="1" wrap="square" lIns="91425" tIns="91425" rIns="91425" bIns="91425" anchor="t" anchorCtr="0">
             <a:noAutofit/>
           </a:bodyPr>
           <a:lstStyle/>
           <a:p>
-            <a:pPr indent="0" lvl="0" marL="0" rtl="0" algn="l">
-              <a:spcBef>
-                <a:spcPts val="0"/>
-              </a:spcBef>
-              <a:spcAft>
-                <a:spcPts val="0"/>
-              </a:spcAft>
-              <a:buNone/>
-            </a:pPr>
-            <a:r>
-              <a:t/>
-            </a:r>
+            <a:pPr marL="0" lvl="0" indent="0" algn="l" rtl="0">
+              <a:spcBef>
+                <a:spcPts val="0"/>
+              </a:spcBef>
+              <a:spcAft>
+                <a:spcPts val="0"/>
+              </a:spcAft>
+              <a:buNone/>
+            </a:pPr>
             <a:endParaRPr/>
           </a:p>
         </p:txBody>
@@ -904,11 +929,11 @@
 </file>
 
 <file path=ppt/notesSlides/notesSlide11.xml><?xml version="1.0" encoding="utf-8"?>
-<p:notes xmlns:a="http://schemas.openxmlformats.org/drawingml/2006/main" xmlns:r="http://schemas.openxmlformats.org/officeDocument/2006/relationships" xmlns:mc="http://schemas.openxmlformats.org/markup-compatibility/2006" xmlns:mv="urn:schemas-microsoft-com:mac:vml" xmlns:p="http://schemas.openxmlformats.org/presentationml/2006/main" xmlns:c="http://schemas.openxmlformats.org/drawingml/2006/chart" xmlns:dgm="http://schemas.openxmlformats.org/drawingml/2006/diagram" xmlns:o="urn:schemas-microsoft-com:office:office" xmlns:v="urn:schemas-microsoft-com:vml" xmlns:pvml="urn:schemas-microsoft-com:office:powerpoint" xmlns:com="http://schemas.openxmlformats.org/drawingml/2006/compatibility" xmlns:p14="http://schemas.microsoft.com/office/powerpoint/2010/main" xmlns:p15="http://schemas.microsoft.com/office/powerpoint/2012/main" xmlns:ahyp="http://schemas.microsoft.com/office/drawing/2018/hyperlinkcolor" showMasterPhAnim="0" showMasterSp="0">
+<p:notes xmlns:a="http://schemas.openxmlformats.org/drawingml/2006/main" xmlns:r="http://schemas.openxmlformats.org/officeDocument/2006/relationships" xmlns:p="http://schemas.openxmlformats.org/presentationml/2006/main" showMasterSp="0" showMasterPhAnim="0">
   <p:cSld>
     <p:spTree>
       <p:nvGrpSpPr>
-        <p:cNvPr id="112" name="Shape 112"/>
+        <p:cNvPr id="1" name="Shape 112"/>
         <p:cNvGrpSpPr/>
         <p:nvPr/>
       </p:nvGrpSpPr>
@@ -923,20 +948,26 @@
       <p:sp>
         <p:nvSpPr>
           <p:cNvPr id="113" name="Google Shape;113;ge88ae3acfc_0_105:notes"/>
-          <p:cNvSpPr/>
+          <p:cNvSpPr>
+            <a:spLocks noGrp="1" noRot="1" noChangeAspect="1"/>
+          </p:cNvSpPr>
           <p:nvPr>
-            <p:ph idx="2" type="sldImg"/>
+            <p:ph type="sldImg" idx="2"/>
           </p:nvPr>
         </p:nvSpPr>
         <p:spPr>
           <a:xfrm>
-            <a:off x="381300" y="685800"/>
+            <a:off x="381000" y="685800"/>
             <a:ext cx="6096000" cy="3429000"/>
           </a:xfrm>
           <a:custGeom>
-            <a:rect b="b" l="l" r="r" t="t"/>
+            <a:avLst/>
+            <a:gdLst/>
+            <a:ahLst/>
+            <a:cxnLst/>
+            <a:rect l="l" t="t" r="r" b="b"/>
             <a:pathLst>
-              <a:path extrusionOk="0" h="120000" w="120000">
+              <a:path w="120000" h="120000" extrusionOk="0">
                 <a:moveTo>
                   <a:pt x="0" y="0"/>
                 </a:moveTo>
@@ -958,9 +989,11 @@
       <p:sp>
         <p:nvSpPr>
           <p:cNvPr id="114" name="Google Shape;114;ge88ae3acfc_0_105:notes"/>
-          <p:cNvSpPr txBox="1"/>
+          <p:cNvSpPr txBox="1">
+            <a:spLocks noGrp="1"/>
+          </p:cNvSpPr>
           <p:nvPr>
-            <p:ph idx="1" type="body"/>
+            <p:ph type="body" idx="1"/>
           </p:nvPr>
         </p:nvSpPr>
         <p:spPr>
@@ -973,23 +1006,20 @@
           </a:prstGeom>
         </p:spPr>
         <p:txBody>
-          <a:bodyPr anchorCtr="0" anchor="t" bIns="91425" lIns="91425" spcFirstLastPara="1" rIns="91425" wrap="square" tIns="91425">
+          <a:bodyPr spcFirstLastPara="1" wrap="square" lIns="91425" tIns="91425" rIns="91425" bIns="91425" anchor="t" anchorCtr="0">
             <a:noAutofit/>
           </a:bodyPr>
           <a:lstStyle/>
           <a:p>
-            <a:pPr indent="0" lvl="0" marL="0" rtl="0" algn="l">
-              <a:spcBef>
-                <a:spcPts val="0"/>
-              </a:spcBef>
-              <a:spcAft>
-                <a:spcPts val="0"/>
-              </a:spcAft>
-              <a:buNone/>
-            </a:pPr>
-            <a:r>
-              <a:t/>
-            </a:r>
+            <a:pPr marL="0" lvl="0" indent="0" algn="l" rtl="0">
+              <a:spcBef>
+                <a:spcPts val="0"/>
+              </a:spcBef>
+              <a:spcAft>
+                <a:spcPts val="0"/>
+              </a:spcAft>
+              <a:buNone/>
+            </a:pPr>
             <a:endParaRPr/>
           </a:p>
         </p:txBody>
@@ -1003,11 +1033,11 @@
 </file>
 
 <file path=ppt/notesSlides/notesSlide12.xml><?xml version="1.0" encoding="utf-8"?>
-<p:notes xmlns:a="http://schemas.openxmlformats.org/drawingml/2006/main" xmlns:r="http://schemas.openxmlformats.org/officeDocument/2006/relationships" xmlns:mc="http://schemas.openxmlformats.org/markup-compatibility/2006" xmlns:mv="urn:schemas-microsoft-com:mac:vml" xmlns:p="http://schemas.openxmlformats.org/presentationml/2006/main" xmlns:c="http://schemas.openxmlformats.org/drawingml/2006/chart" xmlns:dgm="http://schemas.openxmlformats.org/drawingml/2006/diagram" xmlns:o="urn:schemas-microsoft-com:office:office" xmlns:v="urn:schemas-microsoft-com:vml" xmlns:pvml="urn:schemas-microsoft-com:office:powerpoint" xmlns:com="http://schemas.openxmlformats.org/drawingml/2006/compatibility" xmlns:p14="http://schemas.microsoft.com/office/powerpoint/2010/main" xmlns:p15="http://schemas.microsoft.com/office/powerpoint/2012/main" xmlns:ahyp="http://schemas.microsoft.com/office/drawing/2018/hyperlinkcolor" showMasterPhAnim="0" showMasterSp="0">
+<p:notes xmlns:a="http://schemas.openxmlformats.org/drawingml/2006/main" xmlns:r="http://schemas.openxmlformats.org/officeDocument/2006/relationships" xmlns:p="http://schemas.openxmlformats.org/presentationml/2006/main" showMasterSp="0" showMasterPhAnim="0">
   <p:cSld>
     <p:spTree>
       <p:nvGrpSpPr>
-        <p:cNvPr id="118" name="Shape 118"/>
+        <p:cNvPr id="1" name="Shape 118"/>
         <p:cNvGrpSpPr/>
         <p:nvPr/>
       </p:nvGrpSpPr>
@@ -1022,20 +1052,26 @@
       <p:sp>
         <p:nvSpPr>
           <p:cNvPr id="119" name="Google Shape;119;ge88ae3acfc_0_33:notes"/>
-          <p:cNvSpPr/>
+          <p:cNvSpPr>
+            <a:spLocks noGrp="1" noRot="1" noChangeAspect="1"/>
+          </p:cNvSpPr>
           <p:nvPr>
-            <p:ph idx="2" type="sldImg"/>
+            <p:ph type="sldImg" idx="2"/>
           </p:nvPr>
         </p:nvSpPr>
         <p:spPr>
           <a:xfrm>
-            <a:off x="381300" y="685800"/>
+            <a:off x="381000" y="685800"/>
             <a:ext cx="6096000" cy="3429000"/>
           </a:xfrm>
           <a:custGeom>
-            <a:rect b="b" l="l" r="r" t="t"/>
+            <a:avLst/>
+            <a:gdLst/>
+            <a:ahLst/>
+            <a:cxnLst/>
+            <a:rect l="l" t="t" r="r" b="b"/>
             <a:pathLst>
-              <a:path extrusionOk="0" h="120000" w="120000">
+              <a:path w="120000" h="120000" extrusionOk="0">
                 <a:moveTo>
                   <a:pt x="0" y="0"/>
                 </a:moveTo>
@@ -1057,9 +1093,11 @@
       <p:sp>
         <p:nvSpPr>
           <p:cNvPr id="120" name="Google Shape;120;ge88ae3acfc_0_33:notes"/>
-          <p:cNvSpPr txBox="1"/>
+          <p:cNvSpPr txBox="1">
+            <a:spLocks noGrp="1"/>
+          </p:cNvSpPr>
           <p:nvPr>
-            <p:ph idx="1" type="body"/>
+            <p:ph type="body" idx="1"/>
           </p:nvPr>
         </p:nvSpPr>
         <p:spPr>
@@ -1072,23 +1110,20 @@
           </a:prstGeom>
         </p:spPr>
         <p:txBody>
-          <a:bodyPr anchorCtr="0" anchor="t" bIns="91425" lIns="91425" spcFirstLastPara="1" rIns="91425" wrap="square" tIns="91425">
+          <a:bodyPr spcFirstLastPara="1" wrap="square" lIns="91425" tIns="91425" rIns="91425" bIns="91425" anchor="t" anchorCtr="0">
             <a:noAutofit/>
           </a:bodyPr>
           <a:lstStyle/>
           <a:p>
-            <a:pPr indent="0" lvl="0" marL="0" rtl="0" algn="l">
-              <a:spcBef>
-                <a:spcPts val="0"/>
-              </a:spcBef>
-              <a:spcAft>
-                <a:spcPts val="0"/>
-              </a:spcAft>
-              <a:buNone/>
-            </a:pPr>
-            <a:r>
-              <a:t/>
-            </a:r>
+            <a:pPr marL="0" lvl="0" indent="0" algn="l" rtl="0">
+              <a:spcBef>
+                <a:spcPts val="0"/>
+              </a:spcBef>
+              <a:spcAft>
+                <a:spcPts val="0"/>
+              </a:spcAft>
+              <a:buNone/>
+            </a:pPr>
             <a:endParaRPr/>
           </a:p>
         </p:txBody>
@@ -1102,11 +1137,11 @@
 </file>
 
 <file path=ppt/notesSlides/notesSlide13.xml><?xml version="1.0" encoding="utf-8"?>
-<p:notes xmlns:a="http://schemas.openxmlformats.org/drawingml/2006/main" xmlns:r="http://schemas.openxmlformats.org/officeDocument/2006/relationships" xmlns:mc="http://schemas.openxmlformats.org/markup-compatibility/2006" xmlns:mv="urn:schemas-microsoft-com:mac:vml" xmlns:p="http://schemas.openxmlformats.org/presentationml/2006/main" xmlns:c="http://schemas.openxmlformats.org/drawingml/2006/chart" xmlns:dgm="http://schemas.openxmlformats.org/drawingml/2006/diagram" xmlns:o="urn:schemas-microsoft-com:office:office" xmlns:v="urn:schemas-microsoft-com:vml" xmlns:pvml="urn:schemas-microsoft-com:office:powerpoint" xmlns:com="http://schemas.openxmlformats.org/drawingml/2006/compatibility" xmlns:p14="http://schemas.microsoft.com/office/powerpoint/2010/main" xmlns:p15="http://schemas.microsoft.com/office/powerpoint/2012/main" xmlns:ahyp="http://schemas.microsoft.com/office/drawing/2018/hyperlinkcolor" showMasterPhAnim="0" showMasterSp="0">
+<p:notes xmlns:a="http://schemas.openxmlformats.org/drawingml/2006/main" xmlns:r="http://schemas.openxmlformats.org/officeDocument/2006/relationships" xmlns:p="http://schemas.openxmlformats.org/presentationml/2006/main" showMasterSp="0" showMasterPhAnim="0">
   <p:cSld>
     <p:spTree>
       <p:nvGrpSpPr>
-        <p:cNvPr id="128" name="Shape 128"/>
+        <p:cNvPr id="1" name="Shape 128"/>
         <p:cNvGrpSpPr/>
         <p:nvPr/>
       </p:nvGrpSpPr>
@@ -1121,20 +1156,26 @@
       <p:sp>
         <p:nvSpPr>
           <p:cNvPr id="129" name="Google Shape;129;ge88ae3acfc_0_28:notes"/>
-          <p:cNvSpPr/>
+          <p:cNvSpPr>
+            <a:spLocks noGrp="1" noRot="1" noChangeAspect="1"/>
+          </p:cNvSpPr>
           <p:nvPr>
-            <p:ph idx="2" type="sldImg"/>
+            <p:ph type="sldImg" idx="2"/>
           </p:nvPr>
         </p:nvSpPr>
         <p:spPr>
           <a:xfrm>
-            <a:off x="381300" y="685800"/>
+            <a:off x="381000" y="685800"/>
             <a:ext cx="6096000" cy="3429000"/>
           </a:xfrm>
           <a:custGeom>
-            <a:rect b="b" l="l" r="r" t="t"/>
+            <a:avLst/>
+            <a:gdLst/>
+            <a:ahLst/>
+            <a:cxnLst/>
+            <a:rect l="l" t="t" r="r" b="b"/>
             <a:pathLst>
-              <a:path extrusionOk="0" h="120000" w="120000">
+              <a:path w="120000" h="120000" extrusionOk="0">
                 <a:moveTo>
                   <a:pt x="0" y="0"/>
                 </a:moveTo>
@@ -1156,9 +1197,11 @@
       <p:sp>
         <p:nvSpPr>
           <p:cNvPr id="130" name="Google Shape;130;ge88ae3acfc_0_28:notes"/>
-          <p:cNvSpPr txBox="1"/>
+          <p:cNvSpPr txBox="1">
+            <a:spLocks noGrp="1"/>
+          </p:cNvSpPr>
           <p:nvPr>
-            <p:ph idx="1" type="body"/>
+            <p:ph type="body" idx="1"/>
           </p:nvPr>
         </p:nvSpPr>
         <p:spPr>
@@ -1171,23 +1214,20 @@
           </a:prstGeom>
         </p:spPr>
         <p:txBody>
-          <a:bodyPr anchorCtr="0" anchor="t" bIns="91425" lIns="91425" spcFirstLastPara="1" rIns="91425" wrap="square" tIns="91425">
+          <a:bodyPr spcFirstLastPara="1" wrap="square" lIns="91425" tIns="91425" rIns="91425" bIns="91425" anchor="t" anchorCtr="0">
             <a:noAutofit/>
           </a:bodyPr>
           <a:lstStyle/>
           <a:p>
-            <a:pPr indent="0" lvl="0" marL="0" rtl="0" algn="l">
-              <a:spcBef>
-                <a:spcPts val="0"/>
-              </a:spcBef>
-              <a:spcAft>
-                <a:spcPts val="0"/>
-              </a:spcAft>
-              <a:buNone/>
-            </a:pPr>
-            <a:r>
-              <a:t/>
-            </a:r>
+            <a:pPr marL="0" lvl="0" indent="0" algn="l" rtl="0">
+              <a:spcBef>
+                <a:spcPts val="0"/>
+              </a:spcBef>
+              <a:spcAft>
+                <a:spcPts val="0"/>
+              </a:spcAft>
+              <a:buNone/>
+            </a:pPr>
             <a:endParaRPr/>
           </a:p>
         </p:txBody>
@@ -1201,11 +1241,11 @@
 </file>
 
 <file path=ppt/notesSlides/notesSlide14.xml><?xml version="1.0" encoding="utf-8"?>
-<p:notes xmlns:a="http://schemas.openxmlformats.org/drawingml/2006/main" xmlns:r="http://schemas.openxmlformats.org/officeDocument/2006/relationships" xmlns:mc="http://schemas.openxmlformats.org/markup-compatibility/2006" xmlns:mv="urn:schemas-microsoft-com:mac:vml" xmlns:p="http://schemas.openxmlformats.org/presentationml/2006/main" xmlns:c="http://schemas.openxmlformats.org/drawingml/2006/chart" xmlns:dgm="http://schemas.openxmlformats.org/drawingml/2006/diagram" xmlns:o="urn:schemas-microsoft-com:office:office" xmlns:v="urn:schemas-microsoft-com:vml" xmlns:pvml="urn:schemas-microsoft-com:office:powerpoint" xmlns:com="http://schemas.openxmlformats.org/drawingml/2006/compatibility" xmlns:p14="http://schemas.microsoft.com/office/powerpoint/2010/main" xmlns:p15="http://schemas.microsoft.com/office/powerpoint/2012/main" xmlns:ahyp="http://schemas.microsoft.com/office/drawing/2018/hyperlinkcolor" showMasterPhAnim="0" showMasterSp="0">
+<p:notes xmlns:a="http://schemas.openxmlformats.org/drawingml/2006/main" xmlns:r="http://schemas.openxmlformats.org/officeDocument/2006/relationships" xmlns:p="http://schemas.openxmlformats.org/presentationml/2006/main" showMasterSp="0" showMasterPhAnim="0">
   <p:cSld>
     <p:spTree>
       <p:nvGrpSpPr>
-        <p:cNvPr id="138" name="Shape 138"/>
+        <p:cNvPr id="1" name="Shape 138"/>
         <p:cNvGrpSpPr/>
         <p:nvPr/>
       </p:nvGrpSpPr>
@@ -1220,20 +1260,26 @@
       <p:sp>
         <p:nvSpPr>
           <p:cNvPr id="139" name="Google Shape;139;ge88ae3acfc_0_49:notes"/>
-          <p:cNvSpPr/>
+          <p:cNvSpPr>
+            <a:spLocks noGrp="1" noRot="1" noChangeAspect="1"/>
+          </p:cNvSpPr>
           <p:nvPr>
-            <p:ph idx="2" type="sldImg"/>
+            <p:ph type="sldImg" idx="2"/>
           </p:nvPr>
         </p:nvSpPr>
         <p:spPr>
           <a:xfrm>
-            <a:off x="381300" y="685800"/>
+            <a:off x="381000" y="685800"/>
             <a:ext cx="6096000" cy="3429000"/>
           </a:xfrm>
           <a:custGeom>
-            <a:rect b="b" l="l" r="r" t="t"/>
+            <a:avLst/>
+            <a:gdLst/>
+            <a:ahLst/>
+            <a:cxnLst/>
+            <a:rect l="l" t="t" r="r" b="b"/>
             <a:pathLst>
-              <a:path extrusionOk="0" h="120000" w="120000">
+              <a:path w="120000" h="120000" extrusionOk="0">
                 <a:moveTo>
                   <a:pt x="0" y="0"/>
                 </a:moveTo>
@@ -1255,9 +1301,11 @@
       <p:sp>
         <p:nvSpPr>
           <p:cNvPr id="140" name="Google Shape;140;ge88ae3acfc_0_49:notes"/>
-          <p:cNvSpPr txBox="1"/>
+          <p:cNvSpPr txBox="1">
+            <a:spLocks noGrp="1"/>
+          </p:cNvSpPr>
           <p:nvPr>
-            <p:ph idx="1" type="body"/>
+            <p:ph type="body" idx="1"/>
           </p:nvPr>
         </p:nvSpPr>
         <p:spPr>
@@ -1270,23 +1318,20 @@
           </a:prstGeom>
         </p:spPr>
         <p:txBody>
-          <a:bodyPr anchorCtr="0" anchor="t" bIns="91425" lIns="91425" spcFirstLastPara="1" rIns="91425" wrap="square" tIns="91425">
+          <a:bodyPr spcFirstLastPara="1" wrap="square" lIns="91425" tIns="91425" rIns="91425" bIns="91425" anchor="t" anchorCtr="0">
             <a:noAutofit/>
           </a:bodyPr>
           <a:lstStyle/>
           <a:p>
-            <a:pPr indent="0" lvl="0" marL="0" rtl="0" algn="l">
-              <a:spcBef>
-                <a:spcPts val="0"/>
-              </a:spcBef>
-              <a:spcAft>
-                <a:spcPts val="0"/>
-              </a:spcAft>
-              <a:buNone/>
-            </a:pPr>
-            <a:r>
-              <a:t/>
-            </a:r>
+            <a:pPr marL="0" lvl="0" indent="0" algn="l" rtl="0">
+              <a:spcBef>
+                <a:spcPts val="0"/>
+              </a:spcBef>
+              <a:spcAft>
+                <a:spcPts val="0"/>
+              </a:spcAft>
+              <a:buNone/>
+            </a:pPr>
             <a:endParaRPr/>
           </a:p>
         </p:txBody>
@@ -1300,11 +1345,11 @@
 </file>
 
 <file path=ppt/notesSlides/notesSlide15.xml><?xml version="1.0" encoding="utf-8"?>
-<p:notes xmlns:a="http://schemas.openxmlformats.org/drawingml/2006/main" xmlns:r="http://schemas.openxmlformats.org/officeDocument/2006/relationships" xmlns:mc="http://schemas.openxmlformats.org/markup-compatibility/2006" xmlns:mv="urn:schemas-microsoft-com:mac:vml" xmlns:p="http://schemas.openxmlformats.org/presentationml/2006/main" xmlns:c="http://schemas.openxmlformats.org/drawingml/2006/chart" xmlns:dgm="http://schemas.openxmlformats.org/drawingml/2006/diagram" xmlns:o="urn:schemas-microsoft-com:office:office" xmlns:v="urn:schemas-microsoft-com:vml" xmlns:pvml="urn:schemas-microsoft-com:office:powerpoint" xmlns:com="http://schemas.openxmlformats.org/drawingml/2006/compatibility" xmlns:p14="http://schemas.microsoft.com/office/powerpoint/2010/main" xmlns:p15="http://schemas.microsoft.com/office/powerpoint/2012/main" xmlns:ahyp="http://schemas.microsoft.com/office/drawing/2018/hyperlinkcolor" showMasterPhAnim="0" showMasterSp="0">
+<p:notes xmlns:a="http://schemas.openxmlformats.org/drawingml/2006/main" xmlns:r="http://schemas.openxmlformats.org/officeDocument/2006/relationships" xmlns:p="http://schemas.openxmlformats.org/presentationml/2006/main" showMasterSp="0" showMasterPhAnim="0">
   <p:cSld>
     <p:spTree>
       <p:nvGrpSpPr>
-        <p:cNvPr id="144" name="Shape 144"/>
+        <p:cNvPr id="1" name="Shape 144"/>
         <p:cNvGrpSpPr/>
         <p:nvPr/>
       </p:nvGrpSpPr>
@@ -1319,20 +1364,26 @@
       <p:sp>
         <p:nvSpPr>
           <p:cNvPr id="145" name="Google Shape;145;ge88ae3acfc_0_64:notes"/>
-          <p:cNvSpPr/>
+          <p:cNvSpPr>
+            <a:spLocks noGrp="1" noRot="1" noChangeAspect="1"/>
+          </p:cNvSpPr>
           <p:nvPr>
-            <p:ph idx="2" type="sldImg"/>
+            <p:ph type="sldImg" idx="2"/>
           </p:nvPr>
         </p:nvSpPr>
         <p:spPr>
           <a:xfrm>
-            <a:off x="381300" y="685800"/>
+            <a:off x="381000" y="685800"/>
             <a:ext cx="6096000" cy="3429000"/>
           </a:xfrm>
           <a:custGeom>
-            <a:rect b="b" l="l" r="r" t="t"/>
+            <a:avLst/>
+            <a:gdLst/>
+            <a:ahLst/>
+            <a:cxnLst/>
+            <a:rect l="l" t="t" r="r" b="b"/>
             <a:pathLst>
-              <a:path extrusionOk="0" h="120000" w="120000">
+              <a:path w="120000" h="120000" extrusionOk="0">
                 <a:moveTo>
                   <a:pt x="0" y="0"/>
                 </a:moveTo>
@@ -1354,9 +1405,11 @@
       <p:sp>
         <p:nvSpPr>
           <p:cNvPr id="146" name="Google Shape;146;ge88ae3acfc_0_64:notes"/>
-          <p:cNvSpPr txBox="1"/>
+          <p:cNvSpPr txBox="1">
+            <a:spLocks noGrp="1"/>
+          </p:cNvSpPr>
           <p:nvPr>
-            <p:ph idx="1" type="body"/>
+            <p:ph type="body" idx="1"/>
           </p:nvPr>
         </p:nvSpPr>
         <p:spPr>
@@ -1369,23 +1422,20 @@
           </a:prstGeom>
         </p:spPr>
         <p:txBody>
-          <a:bodyPr anchorCtr="0" anchor="t" bIns="91425" lIns="91425" spcFirstLastPara="1" rIns="91425" wrap="square" tIns="91425">
+          <a:bodyPr spcFirstLastPara="1" wrap="square" lIns="91425" tIns="91425" rIns="91425" bIns="91425" anchor="t" anchorCtr="0">
             <a:noAutofit/>
           </a:bodyPr>
           <a:lstStyle/>
           <a:p>
-            <a:pPr indent="0" lvl="0" marL="0" rtl="0" algn="l">
-              <a:spcBef>
-                <a:spcPts val="0"/>
-              </a:spcBef>
-              <a:spcAft>
-                <a:spcPts val="0"/>
-              </a:spcAft>
-              <a:buNone/>
-            </a:pPr>
-            <a:r>
-              <a:t/>
-            </a:r>
+            <a:pPr marL="0" lvl="0" indent="0" algn="l" rtl="0">
+              <a:spcBef>
+                <a:spcPts val="0"/>
+              </a:spcBef>
+              <a:spcAft>
+                <a:spcPts val="0"/>
+              </a:spcAft>
+              <a:buNone/>
+            </a:pPr>
             <a:endParaRPr/>
           </a:p>
         </p:txBody>
@@ -1399,11 +1449,11 @@
 </file>
 
 <file path=ppt/notesSlides/notesSlide16.xml><?xml version="1.0" encoding="utf-8"?>
-<p:notes xmlns:a="http://schemas.openxmlformats.org/drawingml/2006/main" xmlns:r="http://schemas.openxmlformats.org/officeDocument/2006/relationships" xmlns:mc="http://schemas.openxmlformats.org/markup-compatibility/2006" xmlns:mv="urn:schemas-microsoft-com:mac:vml" xmlns:p="http://schemas.openxmlformats.org/presentationml/2006/main" xmlns:c="http://schemas.openxmlformats.org/drawingml/2006/chart" xmlns:dgm="http://schemas.openxmlformats.org/drawingml/2006/diagram" xmlns:o="urn:schemas-microsoft-com:office:office" xmlns:v="urn:schemas-microsoft-com:vml" xmlns:pvml="urn:schemas-microsoft-com:office:powerpoint" xmlns:com="http://schemas.openxmlformats.org/drawingml/2006/compatibility" xmlns:p14="http://schemas.microsoft.com/office/powerpoint/2010/main" xmlns:p15="http://schemas.microsoft.com/office/powerpoint/2012/main" xmlns:ahyp="http://schemas.microsoft.com/office/drawing/2018/hyperlinkcolor" showMasterPhAnim="0" showMasterSp="0">
+<p:notes xmlns:a="http://schemas.openxmlformats.org/drawingml/2006/main" xmlns:r="http://schemas.openxmlformats.org/officeDocument/2006/relationships" xmlns:p="http://schemas.openxmlformats.org/presentationml/2006/main" showMasterSp="0" showMasterPhAnim="0">
   <p:cSld>
     <p:spTree>
       <p:nvGrpSpPr>
-        <p:cNvPr id="151" name="Shape 151"/>
+        <p:cNvPr id="1" name="Shape 151"/>
         <p:cNvGrpSpPr/>
         <p:nvPr/>
       </p:nvGrpSpPr>
@@ -1418,20 +1468,26 @@
       <p:sp>
         <p:nvSpPr>
           <p:cNvPr id="152" name="Google Shape;152;ge88ae3acfc_0_22:notes"/>
-          <p:cNvSpPr/>
+          <p:cNvSpPr>
+            <a:spLocks noGrp="1" noRot="1" noChangeAspect="1"/>
+          </p:cNvSpPr>
           <p:nvPr>
-            <p:ph idx="2" type="sldImg"/>
+            <p:ph type="sldImg" idx="2"/>
           </p:nvPr>
         </p:nvSpPr>
         <p:spPr>
           <a:xfrm>
-            <a:off x="381300" y="685800"/>
+            <a:off x="381000" y="685800"/>
             <a:ext cx="6096000" cy="3429000"/>
           </a:xfrm>
           <a:custGeom>
-            <a:rect b="b" l="l" r="r" t="t"/>
+            <a:avLst/>
+            <a:gdLst/>
+            <a:ahLst/>
+            <a:cxnLst/>
+            <a:rect l="l" t="t" r="r" b="b"/>
             <a:pathLst>
-              <a:path extrusionOk="0" h="120000" w="120000">
+              <a:path w="120000" h="120000" extrusionOk="0">
                 <a:moveTo>
                   <a:pt x="0" y="0"/>
                 </a:moveTo>
@@ -1453,9 +1509,11 @@
       <p:sp>
         <p:nvSpPr>
           <p:cNvPr id="153" name="Google Shape;153;ge88ae3acfc_0_22:notes"/>
-          <p:cNvSpPr txBox="1"/>
+          <p:cNvSpPr txBox="1">
+            <a:spLocks noGrp="1"/>
+          </p:cNvSpPr>
           <p:nvPr>
-            <p:ph idx="1" type="body"/>
+            <p:ph type="body" idx="1"/>
           </p:nvPr>
         </p:nvSpPr>
         <p:spPr>
@@ -1468,23 +1526,20 @@
           </a:prstGeom>
         </p:spPr>
         <p:txBody>
-          <a:bodyPr anchorCtr="0" anchor="t" bIns="91425" lIns="91425" spcFirstLastPara="1" rIns="91425" wrap="square" tIns="91425">
+          <a:bodyPr spcFirstLastPara="1" wrap="square" lIns="91425" tIns="91425" rIns="91425" bIns="91425" anchor="t" anchorCtr="0">
             <a:noAutofit/>
           </a:bodyPr>
           <a:lstStyle/>
           <a:p>
-            <a:pPr indent="0" lvl="0" marL="0" rtl="0" algn="l">
-              <a:spcBef>
-                <a:spcPts val="0"/>
-              </a:spcBef>
-              <a:spcAft>
-                <a:spcPts val="0"/>
-              </a:spcAft>
-              <a:buNone/>
-            </a:pPr>
-            <a:r>
-              <a:t/>
-            </a:r>
+            <a:pPr marL="0" lvl="0" indent="0" algn="l" rtl="0">
+              <a:spcBef>
+                <a:spcPts val="0"/>
+              </a:spcBef>
+              <a:spcAft>
+                <a:spcPts val="0"/>
+              </a:spcAft>
+              <a:buNone/>
+            </a:pPr>
             <a:endParaRPr/>
           </a:p>
         </p:txBody>
@@ -1498,11 +1553,11 @@
 </file>
 
 <file path=ppt/notesSlides/notesSlide17.xml><?xml version="1.0" encoding="utf-8"?>
-<p:notes xmlns:a="http://schemas.openxmlformats.org/drawingml/2006/main" xmlns:r="http://schemas.openxmlformats.org/officeDocument/2006/relationships" xmlns:mc="http://schemas.openxmlformats.org/markup-compatibility/2006" xmlns:mv="urn:schemas-microsoft-com:mac:vml" xmlns:p="http://schemas.openxmlformats.org/presentationml/2006/main" xmlns:c="http://schemas.openxmlformats.org/drawingml/2006/chart" xmlns:dgm="http://schemas.openxmlformats.org/drawingml/2006/diagram" xmlns:o="urn:schemas-microsoft-com:office:office" xmlns:v="urn:schemas-microsoft-com:vml" xmlns:pvml="urn:schemas-microsoft-com:office:powerpoint" xmlns:com="http://schemas.openxmlformats.org/drawingml/2006/compatibility" xmlns:p14="http://schemas.microsoft.com/office/powerpoint/2010/main" xmlns:p15="http://schemas.microsoft.com/office/powerpoint/2012/main" xmlns:ahyp="http://schemas.microsoft.com/office/drawing/2018/hyperlinkcolor" showMasterPhAnim="0" showMasterSp="0">
+<p:notes xmlns:a="http://schemas.openxmlformats.org/drawingml/2006/main" xmlns:r="http://schemas.openxmlformats.org/officeDocument/2006/relationships" xmlns:p="http://schemas.openxmlformats.org/presentationml/2006/main" showMasterSp="0" showMasterPhAnim="0">
   <p:cSld>
     <p:spTree>
       <p:nvGrpSpPr>
-        <p:cNvPr id="157" name="Shape 157"/>
+        <p:cNvPr id="1" name="Shape 157"/>
         <p:cNvGrpSpPr/>
         <p:nvPr/>
       </p:nvGrpSpPr>
@@ -1517,20 +1572,26 @@
       <p:sp>
         <p:nvSpPr>
           <p:cNvPr id="158" name="Google Shape;158;ge88ae3acfc_0_75:notes"/>
-          <p:cNvSpPr/>
+          <p:cNvSpPr>
+            <a:spLocks noGrp="1" noRot="1" noChangeAspect="1"/>
+          </p:cNvSpPr>
           <p:nvPr>
-            <p:ph idx="2" type="sldImg"/>
+            <p:ph type="sldImg" idx="2"/>
           </p:nvPr>
         </p:nvSpPr>
         <p:spPr>
           <a:xfrm>
-            <a:off x="381300" y="685800"/>
+            <a:off x="381000" y="685800"/>
             <a:ext cx="6096000" cy="3429000"/>
           </a:xfrm>
           <a:custGeom>
-            <a:rect b="b" l="l" r="r" t="t"/>
+            <a:avLst/>
+            <a:gdLst/>
+            <a:ahLst/>
+            <a:cxnLst/>
+            <a:rect l="l" t="t" r="r" b="b"/>
             <a:pathLst>
-              <a:path extrusionOk="0" h="120000" w="120000">
+              <a:path w="120000" h="120000" extrusionOk="0">
                 <a:moveTo>
                   <a:pt x="0" y="0"/>
                 </a:moveTo>
@@ -1552,9 +1613,11 @@
       <p:sp>
         <p:nvSpPr>
           <p:cNvPr id="159" name="Google Shape;159;ge88ae3acfc_0_75:notes"/>
-          <p:cNvSpPr txBox="1"/>
+          <p:cNvSpPr txBox="1">
+            <a:spLocks noGrp="1"/>
+          </p:cNvSpPr>
           <p:nvPr>
-            <p:ph idx="1" type="body"/>
+            <p:ph type="body" idx="1"/>
           </p:nvPr>
         </p:nvSpPr>
         <p:spPr>
@@ -1567,23 +1630,20 @@
           </a:prstGeom>
         </p:spPr>
         <p:txBody>
-          <a:bodyPr anchorCtr="0" anchor="t" bIns="91425" lIns="91425" spcFirstLastPara="1" rIns="91425" wrap="square" tIns="91425">
+          <a:bodyPr spcFirstLastPara="1" wrap="square" lIns="91425" tIns="91425" rIns="91425" bIns="91425" anchor="t" anchorCtr="0">
             <a:noAutofit/>
           </a:bodyPr>
           <a:lstStyle/>
           <a:p>
-            <a:pPr indent="0" lvl="0" marL="0" rtl="0" algn="l">
-              <a:spcBef>
-                <a:spcPts val="0"/>
-              </a:spcBef>
-              <a:spcAft>
-                <a:spcPts val="0"/>
-              </a:spcAft>
-              <a:buNone/>
-            </a:pPr>
-            <a:r>
-              <a:t/>
-            </a:r>
+            <a:pPr marL="0" lvl="0" indent="0" algn="l" rtl="0">
+              <a:spcBef>
+                <a:spcPts val="0"/>
+              </a:spcBef>
+              <a:spcAft>
+                <a:spcPts val="0"/>
+              </a:spcAft>
+              <a:buNone/>
+            </a:pPr>
             <a:endParaRPr/>
           </a:p>
         </p:txBody>
@@ -1597,11 +1657,11 @@
 </file>
 
 <file path=ppt/notesSlides/notesSlide18.xml><?xml version="1.0" encoding="utf-8"?>
-<p:notes xmlns:a="http://schemas.openxmlformats.org/drawingml/2006/main" xmlns:r="http://schemas.openxmlformats.org/officeDocument/2006/relationships" xmlns:mc="http://schemas.openxmlformats.org/markup-compatibility/2006" xmlns:mv="urn:schemas-microsoft-com:mac:vml" xmlns:p="http://schemas.openxmlformats.org/presentationml/2006/main" xmlns:c="http://schemas.openxmlformats.org/drawingml/2006/chart" xmlns:dgm="http://schemas.openxmlformats.org/drawingml/2006/diagram" xmlns:o="urn:schemas-microsoft-com:office:office" xmlns:v="urn:schemas-microsoft-com:vml" xmlns:pvml="urn:schemas-microsoft-com:office:powerpoint" xmlns:com="http://schemas.openxmlformats.org/drawingml/2006/compatibility" xmlns:p14="http://schemas.microsoft.com/office/powerpoint/2010/main" xmlns:p15="http://schemas.microsoft.com/office/powerpoint/2012/main" xmlns:ahyp="http://schemas.microsoft.com/office/drawing/2018/hyperlinkcolor" showMasterPhAnim="0" showMasterSp="0">
+<p:notes xmlns:a="http://schemas.openxmlformats.org/drawingml/2006/main" xmlns:r="http://schemas.openxmlformats.org/officeDocument/2006/relationships" xmlns:p="http://schemas.openxmlformats.org/presentationml/2006/main" showMasterSp="0" showMasterPhAnim="0">
   <p:cSld>
     <p:spTree>
       <p:nvGrpSpPr>
-        <p:cNvPr id="163" name="Shape 163"/>
+        <p:cNvPr id="1" name="Shape 163"/>
         <p:cNvGrpSpPr/>
         <p:nvPr/>
       </p:nvGrpSpPr>
@@ -1616,20 +1676,26 @@
       <p:sp>
         <p:nvSpPr>
           <p:cNvPr id="164" name="Google Shape;164;ge88ae3acfc_0_80:notes"/>
-          <p:cNvSpPr/>
+          <p:cNvSpPr>
+            <a:spLocks noGrp="1" noRot="1" noChangeAspect="1"/>
+          </p:cNvSpPr>
           <p:nvPr>
-            <p:ph idx="2" type="sldImg"/>
+            <p:ph type="sldImg" idx="2"/>
           </p:nvPr>
         </p:nvSpPr>
         <p:spPr>
           <a:xfrm>
-            <a:off x="381300" y="685800"/>
+            <a:off x="381000" y="685800"/>
             <a:ext cx="6096000" cy="3429000"/>
           </a:xfrm>
           <a:custGeom>
-            <a:rect b="b" l="l" r="r" t="t"/>
+            <a:avLst/>
+            <a:gdLst/>
+            <a:ahLst/>
+            <a:cxnLst/>
+            <a:rect l="l" t="t" r="r" b="b"/>
             <a:pathLst>
-              <a:path extrusionOk="0" h="120000" w="120000">
+              <a:path w="120000" h="120000" extrusionOk="0">
                 <a:moveTo>
                   <a:pt x="0" y="0"/>
                 </a:moveTo>
@@ -1651,9 +1717,11 @@
       <p:sp>
         <p:nvSpPr>
           <p:cNvPr id="165" name="Google Shape;165;ge88ae3acfc_0_80:notes"/>
-          <p:cNvSpPr txBox="1"/>
+          <p:cNvSpPr txBox="1">
+            <a:spLocks noGrp="1"/>
+          </p:cNvSpPr>
           <p:nvPr>
-            <p:ph idx="1" type="body"/>
+            <p:ph type="body" idx="1"/>
           </p:nvPr>
         </p:nvSpPr>
         <p:spPr>
@@ -1666,23 +1734,20 @@
           </a:prstGeom>
         </p:spPr>
         <p:txBody>
-          <a:bodyPr anchorCtr="0" anchor="t" bIns="91425" lIns="91425" spcFirstLastPara="1" rIns="91425" wrap="square" tIns="91425">
+          <a:bodyPr spcFirstLastPara="1" wrap="square" lIns="91425" tIns="91425" rIns="91425" bIns="91425" anchor="t" anchorCtr="0">
             <a:noAutofit/>
           </a:bodyPr>
           <a:lstStyle/>
           <a:p>
-            <a:pPr indent="0" lvl="0" marL="0" rtl="0" algn="l">
-              <a:spcBef>
-                <a:spcPts val="0"/>
-              </a:spcBef>
-              <a:spcAft>
-                <a:spcPts val="0"/>
-              </a:spcAft>
-              <a:buNone/>
-            </a:pPr>
-            <a:r>
-              <a:t/>
-            </a:r>
+            <a:pPr marL="0" lvl="0" indent="0" algn="l" rtl="0">
+              <a:spcBef>
+                <a:spcPts val="0"/>
+              </a:spcBef>
+              <a:spcAft>
+                <a:spcPts val="0"/>
+              </a:spcAft>
+              <a:buNone/>
+            </a:pPr>
             <a:endParaRPr/>
           </a:p>
         </p:txBody>
@@ -1696,11 +1761,11 @@
 </file>
 
 <file path=ppt/notesSlides/notesSlide19.xml><?xml version="1.0" encoding="utf-8"?>
-<p:notes xmlns:a="http://schemas.openxmlformats.org/drawingml/2006/main" xmlns:r="http://schemas.openxmlformats.org/officeDocument/2006/relationships" xmlns:mc="http://schemas.openxmlformats.org/markup-compatibility/2006" xmlns:mv="urn:schemas-microsoft-com:mac:vml" xmlns:p="http://schemas.openxmlformats.org/presentationml/2006/main" xmlns:c="http://schemas.openxmlformats.org/drawingml/2006/chart" xmlns:dgm="http://schemas.openxmlformats.org/drawingml/2006/diagram" xmlns:o="urn:schemas-microsoft-com:office:office" xmlns:v="urn:schemas-microsoft-com:vml" xmlns:pvml="urn:schemas-microsoft-com:office:powerpoint" xmlns:com="http://schemas.openxmlformats.org/drawingml/2006/compatibility" xmlns:p14="http://schemas.microsoft.com/office/powerpoint/2010/main" xmlns:p15="http://schemas.microsoft.com/office/powerpoint/2012/main" xmlns:ahyp="http://schemas.microsoft.com/office/drawing/2018/hyperlinkcolor" showMasterPhAnim="0" showMasterSp="0">
+<p:notes xmlns:a="http://schemas.openxmlformats.org/drawingml/2006/main" xmlns:r="http://schemas.openxmlformats.org/officeDocument/2006/relationships" xmlns:p="http://schemas.openxmlformats.org/presentationml/2006/main" showMasterSp="0" showMasterPhAnim="0">
   <p:cSld>
     <p:spTree>
       <p:nvGrpSpPr>
-        <p:cNvPr id="170" name="Shape 170"/>
+        <p:cNvPr id="1" name="Shape 170"/>
         <p:cNvGrpSpPr/>
         <p:nvPr/>
       </p:nvGrpSpPr>
@@ -1715,20 +1780,26 @@
       <p:sp>
         <p:nvSpPr>
           <p:cNvPr id="171" name="Google Shape;171;ge88ae3acfc_0_69:notes"/>
-          <p:cNvSpPr/>
+          <p:cNvSpPr>
+            <a:spLocks noGrp="1" noRot="1" noChangeAspect="1"/>
+          </p:cNvSpPr>
           <p:nvPr>
-            <p:ph idx="2" type="sldImg"/>
+            <p:ph type="sldImg" idx="2"/>
           </p:nvPr>
         </p:nvSpPr>
         <p:spPr>
           <a:xfrm>
-            <a:off x="381300" y="685800"/>
+            <a:off x="381000" y="685800"/>
             <a:ext cx="6096000" cy="3429000"/>
           </a:xfrm>
           <a:custGeom>
-            <a:rect b="b" l="l" r="r" t="t"/>
+            <a:avLst/>
+            <a:gdLst/>
+            <a:ahLst/>
+            <a:cxnLst/>
+            <a:rect l="l" t="t" r="r" b="b"/>
             <a:pathLst>
-              <a:path extrusionOk="0" h="120000" w="120000">
+              <a:path w="120000" h="120000" extrusionOk="0">
                 <a:moveTo>
                   <a:pt x="0" y="0"/>
                 </a:moveTo>
@@ -1750,9 +1821,11 @@
       <p:sp>
         <p:nvSpPr>
           <p:cNvPr id="172" name="Google Shape;172;ge88ae3acfc_0_69:notes"/>
-          <p:cNvSpPr txBox="1"/>
+          <p:cNvSpPr txBox="1">
+            <a:spLocks noGrp="1"/>
+          </p:cNvSpPr>
           <p:nvPr>
-            <p:ph idx="1" type="body"/>
+            <p:ph type="body" idx="1"/>
           </p:nvPr>
         </p:nvSpPr>
         <p:spPr>
@@ -1765,23 +1838,20 @@
           </a:prstGeom>
         </p:spPr>
         <p:txBody>
-          <a:bodyPr anchorCtr="0" anchor="t" bIns="91425" lIns="91425" spcFirstLastPara="1" rIns="91425" wrap="square" tIns="91425">
+          <a:bodyPr spcFirstLastPara="1" wrap="square" lIns="91425" tIns="91425" rIns="91425" bIns="91425" anchor="t" anchorCtr="0">
             <a:noAutofit/>
           </a:bodyPr>
           <a:lstStyle/>
           <a:p>
-            <a:pPr indent="0" lvl="0" marL="0" rtl="0" algn="l">
-              <a:spcBef>
-                <a:spcPts val="0"/>
-              </a:spcBef>
-              <a:spcAft>
-                <a:spcPts val="0"/>
-              </a:spcAft>
-              <a:buNone/>
-            </a:pPr>
-            <a:r>
-              <a:t/>
-            </a:r>
+            <a:pPr marL="0" lvl="0" indent="0" algn="l" rtl="0">
+              <a:spcBef>
+                <a:spcPts val="0"/>
+              </a:spcBef>
+              <a:spcAft>
+                <a:spcPts val="0"/>
+              </a:spcAft>
+              <a:buNone/>
+            </a:pPr>
             <a:endParaRPr/>
           </a:p>
         </p:txBody>
@@ -1795,11 +1865,11 @@
 </file>
 
 <file path=ppt/notesSlides/notesSlide2.xml><?xml version="1.0" encoding="utf-8"?>
-<p:notes xmlns:a="http://schemas.openxmlformats.org/drawingml/2006/main" xmlns:r="http://schemas.openxmlformats.org/officeDocument/2006/relationships" xmlns:mc="http://schemas.openxmlformats.org/markup-compatibility/2006" xmlns:mv="urn:schemas-microsoft-com:mac:vml" xmlns:p="http://schemas.openxmlformats.org/presentationml/2006/main" xmlns:c="http://schemas.openxmlformats.org/drawingml/2006/chart" xmlns:dgm="http://schemas.openxmlformats.org/drawingml/2006/diagram" xmlns:o="urn:schemas-microsoft-com:office:office" xmlns:v="urn:schemas-microsoft-com:vml" xmlns:pvml="urn:schemas-microsoft-com:office:powerpoint" xmlns:com="http://schemas.openxmlformats.org/drawingml/2006/compatibility" xmlns:p14="http://schemas.microsoft.com/office/powerpoint/2010/main" xmlns:p15="http://schemas.microsoft.com/office/powerpoint/2012/main" xmlns:ahyp="http://schemas.microsoft.com/office/drawing/2018/hyperlinkcolor" showMasterPhAnim="0" showMasterSp="0">
+<p:notes xmlns:a="http://schemas.openxmlformats.org/drawingml/2006/main" xmlns:r="http://schemas.openxmlformats.org/officeDocument/2006/relationships" xmlns:p="http://schemas.openxmlformats.org/presentationml/2006/main" showMasterSp="0" showMasterPhAnim="0">
   <p:cSld>
     <p:spTree>
       <p:nvGrpSpPr>
-        <p:cNvPr id="55" name="Shape 55"/>
+        <p:cNvPr id="1" name="Shape 55"/>
         <p:cNvGrpSpPr/>
         <p:nvPr/>
       </p:nvGrpSpPr>
@@ -1814,20 +1884,26 @@
       <p:sp>
         <p:nvSpPr>
           <p:cNvPr id="56" name="Google Shape;56;ge88ae3acfc_0_0:notes"/>
-          <p:cNvSpPr/>
+          <p:cNvSpPr>
+            <a:spLocks noGrp="1" noRot="1" noChangeAspect="1"/>
+          </p:cNvSpPr>
           <p:nvPr>
-            <p:ph idx="2" type="sldImg"/>
+            <p:ph type="sldImg" idx="2"/>
           </p:nvPr>
         </p:nvSpPr>
         <p:spPr>
           <a:xfrm>
-            <a:off x="381300" y="685800"/>
+            <a:off x="381000" y="685800"/>
             <a:ext cx="6096000" cy="3429000"/>
           </a:xfrm>
           <a:custGeom>
-            <a:rect b="b" l="l" r="r" t="t"/>
+            <a:avLst/>
+            <a:gdLst/>
+            <a:ahLst/>
+            <a:cxnLst/>
+            <a:rect l="l" t="t" r="r" b="b"/>
             <a:pathLst>
-              <a:path extrusionOk="0" h="120000" w="120000">
+              <a:path w="120000" h="120000" extrusionOk="0">
                 <a:moveTo>
                   <a:pt x="0" y="0"/>
                 </a:moveTo>
@@ -1849,9 +1925,11 @@
       <p:sp>
         <p:nvSpPr>
           <p:cNvPr id="57" name="Google Shape;57;ge88ae3acfc_0_0:notes"/>
-          <p:cNvSpPr txBox="1"/>
+          <p:cNvSpPr txBox="1">
+            <a:spLocks noGrp="1"/>
+          </p:cNvSpPr>
           <p:nvPr>
-            <p:ph idx="1" type="body"/>
+            <p:ph type="body" idx="1"/>
           </p:nvPr>
         </p:nvSpPr>
         <p:spPr>
@@ -1864,23 +1942,20 @@
           </a:prstGeom>
         </p:spPr>
         <p:txBody>
-          <a:bodyPr anchorCtr="0" anchor="t" bIns="91425" lIns="91425" spcFirstLastPara="1" rIns="91425" wrap="square" tIns="91425">
+          <a:bodyPr spcFirstLastPara="1" wrap="square" lIns="91425" tIns="91425" rIns="91425" bIns="91425" anchor="t" anchorCtr="0">
             <a:noAutofit/>
           </a:bodyPr>
           <a:lstStyle/>
           <a:p>
-            <a:pPr indent="0" lvl="0" marL="0" rtl="0" algn="l">
-              <a:spcBef>
-                <a:spcPts val="0"/>
-              </a:spcBef>
-              <a:spcAft>
-                <a:spcPts val="0"/>
-              </a:spcAft>
-              <a:buNone/>
-            </a:pPr>
-            <a:r>
-              <a:t/>
-            </a:r>
+            <a:pPr marL="0" lvl="0" indent="0" algn="l" rtl="0">
+              <a:spcBef>
+                <a:spcPts val="0"/>
+              </a:spcBef>
+              <a:spcAft>
+                <a:spcPts val="0"/>
+              </a:spcAft>
+              <a:buNone/>
+            </a:pPr>
             <a:endParaRPr/>
           </a:p>
         </p:txBody>
@@ -1894,11 +1969,11 @@
 </file>
 
 <file path=ppt/notesSlides/notesSlide20.xml><?xml version="1.0" encoding="utf-8"?>
-<p:notes xmlns:a="http://schemas.openxmlformats.org/drawingml/2006/main" xmlns:r="http://schemas.openxmlformats.org/officeDocument/2006/relationships" xmlns:mc="http://schemas.openxmlformats.org/markup-compatibility/2006" xmlns:mv="urn:schemas-microsoft-com:mac:vml" xmlns:p="http://schemas.openxmlformats.org/presentationml/2006/main" xmlns:c="http://schemas.openxmlformats.org/drawingml/2006/chart" xmlns:dgm="http://schemas.openxmlformats.org/drawingml/2006/diagram" xmlns:o="urn:schemas-microsoft-com:office:office" xmlns:v="urn:schemas-microsoft-com:vml" xmlns:pvml="urn:schemas-microsoft-com:office:powerpoint" xmlns:com="http://schemas.openxmlformats.org/drawingml/2006/compatibility" xmlns:p14="http://schemas.microsoft.com/office/powerpoint/2010/main" xmlns:p15="http://schemas.microsoft.com/office/powerpoint/2012/main" xmlns:ahyp="http://schemas.microsoft.com/office/drawing/2018/hyperlinkcolor" showMasterPhAnim="0" showMasterSp="0">
+<p:notes xmlns:a="http://schemas.openxmlformats.org/drawingml/2006/main" xmlns:r="http://schemas.openxmlformats.org/officeDocument/2006/relationships" xmlns:p="http://schemas.openxmlformats.org/presentationml/2006/main" showMasterSp="0" showMasterPhAnim="0">
   <p:cSld>
     <p:spTree>
       <p:nvGrpSpPr>
-        <p:cNvPr id="176" name="Shape 176"/>
+        <p:cNvPr id="1" name="Shape 176"/>
         <p:cNvGrpSpPr/>
         <p:nvPr/>
       </p:nvGrpSpPr>
@@ -1913,20 +1988,26 @@
       <p:sp>
         <p:nvSpPr>
           <p:cNvPr id="177" name="Google Shape;177;gead659ba06_0_5:notes"/>
-          <p:cNvSpPr/>
+          <p:cNvSpPr>
+            <a:spLocks noGrp="1" noRot="1" noChangeAspect="1"/>
+          </p:cNvSpPr>
           <p:nvPr>
-            <p:ph idx="2" type="sldImg"/>
+            <p:ph type="sldImg" idx="2"/>
           </p:nvPr>
         </p:nvSpPr>
         <p:spPr>
           <a:xfrm>
-            <a:off x="381300" y="685800"/>
+            <a:off x="381000" y="685800"/>
             <a:ext cx="6096000" cy="3429000"/>
           </a:xfrm>
           <a:custGeom>
-            <a:rect b="b" l="l" r="r" t="t"/>
+            <a:avLst/>
+            <a:gdLst/>
+            <a:ahLst/>
+            <a:cxnLst/>
+            <a:rect l="l" t="t" r="r" b="b"/>
             <a:pathLst>
-              <a:path extrusionOk="0" h="120000" w="120000">
+              <a:path w="120000" h="120000" extrusionOk="0">
                 <a:moveTo>
                   <a:pt x="0" y="0"/>
                 </a:moveTo>
@@ -1948,9 +2029,11 @@
       <p:sp>
         <p:nvSpPr>
           <p:cNvPr id="178" name="Google Shape;178;gead659ba06_0_5:notes"/>
-          <p:cNvSpPr txBox="1"/>
+          <p:cNvSpPr txBox="1">
+            <a:spLocks noGrp="1"/>
+          </p:cNvSpPr>
           <p:nvPr>
-            <p:ph idx="1" type="body"/>
+            <p:ph type="body" idx="1"/>
           </p:nvPr>
         </p:nvSpPr>
         <p:spPr>
@@ -1963,23 +2046,20 @@
           </a:prstGeom>
         </p:spPr>
         <p:txBody>
-          <a:bodyPr anchorCtr="0" anchor="t" bIns="91425" lIns="91425" spcFirstLastPara="1" rIns="91425" wrap="square" tIns="91425">
+          <a:bodyPr spcFirstLastPara="1" wrap="square" lIns="91425" tIns="91425" rIns="91425" bIns="91425" anchor="t" anchorCtr="0">
             <a:noAutofit/>
           </a:bodyPr>
           <a:lstStyle/>
           <a:p>
-            <a:pPr indent="0" lvl="0" marL="0" rtl="0" algn="l">
-              <a:spcBef>
-                <a:spcPts val="0"/>
-              </a:spcBef>
-              <a:spcAft>
-                <a:spcPts val="0"/>
-              </a:spcAft>
-              <a:buNone/>
-            </a:pPr>
-            <a:r>
-              <a:t/>
-            </a:r>
+            <a:pPr marL="0" lvl="0" indent="0" algn="l" rtl="0">
+              <a:spcBef>
+                <a:spcPts val="0"/>
+              </a:spcBef>
+              <a:spcAft>
+                <a:spcPts val="0"/>
+              </a:spcAft>
+              <a:buNone/>
+            </a:pPr>
             <a:endParaRPr/>
           </a:p>
         </p:txBody>
@@ -1993,11 +2073,11 @@
 </file>
 
 <file path=ppt/notesSlides/notesSlide3.xml><?xml version="1.0" encoding="utf-8"?>
-<p:notes xmlns:a="http://schemas.openxmlformats.org/drawingml/2006/main" xmlns:r="http://schemas.openxmlformats.org/officeDocument/2006/relationships" xmlns:mc="http://schemas.openxmlformats.org/markup-compatibility/2006" xmlns:mv="urn:schemas-microsoft-com:mac:vml" xmlns:p="http://schemas.openxmlformats.org/presentationml/2006/main" xmlns:c="http://schemas.openxmlformats.org/drawingml/2006/chart" xmlns:dgm="http://schemas.openxmlformats.org/drawingml/2006/diagram" xmlns:o="urn:schemas-microsoft-com:office:office" xmlns:v="urn:schemas-microsoft-com:vml" xmlns:pvml="urn:schemas-microsoft-com:office:powerpoint" xmlns:com="http://schemas.openxmlformats.org/drawingml/2006/compatibility" xmlns:p14="http://schemas.microsoft.com/office/powerpoint/2010/main" xmlns:p15="http://schemas.microsoft.com/office/powerpoint/2012/main" xmlns:ahyp="http://schemas.microsoft.com/office/drawing/2018/hyperlinkcolor" showMasterPhAnim="0" showMasterSp="0">
+<p:notes xmlns:a="http://schemas.openxmlformats.org/drawingml/2006/main" xmlns:r="http://schemas.openxmlformats.org/officeDocument/2006/relationships" xmlns:p="http://schemas.openxmlformats.org/presentationml/2006/main" showMasterSp="0" showMasterPhAnim="0">
   <p:cSld>
     <p:spTree>
       <p:nvGrpSpPr>
-        <p:cNvPr id="63" name="Shape 63"/>
+        <p:cNvPr id="1" name="Shape 63"/>
         <p:cNvGrpSpPr/>
         <p:nvPr/>
       </p:nvGrpSpPr>
@@ -2012,20 +2092,26 @@
       <p:sp>
         <p:nvSpPr>
           <p:cNvPr id="64" name="Google Shape;64;ge88ae3acfc_0_5:notes"/>
-          <p:cNvSpPr/>
+          <p:cNvSpPr>
+            <a:spLocks noGrp="1" noRot="1" noChangeAspect="1"/>
+          </p:cNvSpPr>
           <p:nvPr>
-            <p:ph idx="2" type="sldImg"/>
+            <p:ph type="sldImg" idx="2"/>
           </p:nvPr>
         </p:nvSpPr>
         <p:spPr>
           <a:xfrm>
-            <a:off x="381300" y="685800"/>
+            <a:off x="381000" y="685800"/>
             <a:ext cx="6096000" cy="3429000"/>
           </a:xfrm>
           <a:custGeom>
-            <a:rect b="b" l="l" r="r" t="t"/>
+            <a:avLst/>
+            <a:gdLst/>
+            <a:ahLst/>
+            <a:cxnLst/>
+            <a:rect l="l" t="t" r="r" b="b"/>
             <a:pathLst>
-              <a:path extrusionOk="0" h="120000" w="120000">
+              <a:path w="120000" h="120000" extrusionOk="0">
                 <a:moveTo>
                   <a:pt x="0" y="0"/>
                 </a:moveTo>
@@ -2047,9 +2133,11 @@
       <p:sp>
         <p:nvSpPr>
           <p:cNvPr id="65" name="Google Shape;65;ge88ae3acfc_0_5:notes"/>
-          <p:cNvSpPr txBox="1"/>
+          <p:cNvSpPr txBox="1">
+            <a:spLocks noGrp="1"/>
+          </p:cNvSpPr>
           <p:nvPr>
-            <p:ph idx="1" type="body"/>
+            <p:ph type="body" idx="1"/>
           </p:nvPr>
         </p:nvSpPr>
         <p:spPr>
@@ -2062,23 +2150,20 @@
           </a:prstGeom>
         </p:spPr>
         <p:txBody>
-          <a:bodyPr anchorCtr="0" anchor="t" bIns="91425" lIns="91425" spcFirstLastPara="1" rIns="91425" wrap="square" tIns="91425">
+          <a:bodyPr spcFirstLastPara="1" wrap="square" lIns="91425" tIns="91425" rIns="91425" bIns="91425" anchor="t" anchorCtr="0">
             <a:noAutofit/>
           </a:bodyPr>
           <a:lstStyle/>
           <a:p>
-            <a:pPr indent="0" lvl="0" marL="0" rtl="0" algn="l">
-              <a:spcBef>
-                <a:spcPts val="0"/>
-              </a:spcBef>
-              <a:spcAft>
-                <a:spcPts val="0"/>
-              </a:spcAft>
-              <a:buNone/>
-            </a:pPr>
-            <a:r>
-              <a:t/>
-            </a:r>
+            <a:pPr marL="0" lvl="0" indent="0" algn="l" rtl="0">
+              <a:spcBef>
+                <a:spcPts val="0"/>
+              </a:spcBef>
+              <a:spcAft>
+                <a:spcPts val="0"/>
+              </a:spcAft>
+              <a:buNone/>
+            </a:pPr>
             <a:endParaRPr/>
           </a:p>
         </p:txBody>
@@ -2092,11 +2177,11 @@
 </file>
 
 <file path=ppt/notesSlides/notesSlide4.xml><?xml version="1.0" encoding="utf-8"?>
-<p:notes xmlns:a="http://schemas.openxmlformats.org/drawingml/2006/main" xmlns:r="http://schemas.openxmlformats.org/officeDocument/2006/relationships" xmlns:mc="http://schemas.openxmlformats.org/markup-compatibility/2006" xmlns:mv="urn:schemas-microsoft-com:mac:vml" xmlns:p="http://schemas.openxmlformats.org/presentationml/2006/main" xmlns:c="http://schemas.openxmlformats.org/drawingml/2006/chart" xmlns:dgm="http://schemas.openxmlformats.org/drawingml/2006/diagram" xmlns:o="urn:schemas-microsoft-com:office:office" xmlns:v="urn:schemas-microsoft-com:vml" xmlns:pvml="urn:schemas-microsoft-com:office:powerpoint" xmlns:com="http://schemas.openxmlformats.org/drawingml/2006/compatibility" xmlns:p14="http://schemas.microsoft.com/office/powerpoint/2010/main" xmlns:p15="http://schemas.microsoft.com/office/powerpoint/2012/main" xmlns:ahyp="http://schemas.microsoft.com/office/drawing/2018/hyperlinkcolor" showMasterPhAnim="0" showMasterSp="0">
+<p:notes xmlns:a="http://schemas.openxmlformats.org/drawingml/2006/main" xmlns:r="http://schemas.openxmlformats.org/officeDocument/2006/relationships" xmlns:p="http://schemas.openxmlformats.org/presentationml/2006/main" showMasterSp="0" showMasterPhAnim="0">
   <p:cSld>
     <p:spTree>
       <p:nvGrpSpPr>
-        <p:cNvPr id="70" name="Shape 70"/>
+        <p:cNvPr id="1" name="Shape 70"/>
         <p:cNvGrpSpPr/>
         <p:nvPr/>
       </p:nvGrpSpPr>
@@ -2111,20 +2196,26 @@
       <p:sp>
         <p:nvSpPr>
           <p:cNvPr id="71" name="Google Shape;71;g790869932f5804f1_0:notes"/>
-          <p:cNvSpPr/>
+          <p:cNvSpPr>
+            <a:spLocks noGrp="1" noRot="1" noChangeAspect="1"/>
+          </p:cNvSpPr>
           <p:nvPr>
-            <p:ph idx="2" type="sldImg"/>
+            <p:ph type="sldImg" idx="2"/>
           </p:nvPr>
         </p:nvSpPr>
         <p:spPr>
           <a:xfrm>
-            <a:off x="381300" y="685800"/>
+            <a:off x="381000" y="685800"/>
             <a:ext cx="6096000" cy="3429000"/>
           </a:xfrm>
           <a:custGeom>
-            <a:rect b="b" l="l" r="r" t="t"/>
+            <a:avLst/>
+            <a:gdLst/>
+            <a:ahLst/>
+            <a:cxnLst/>
+            <a:rect l="l" t="t" r="r" b="b"/>
             <a:pathLst>
-              <a:path extrusionOk="0" h="120000" w="120000">
+              <a:path w="120000" h="120000" extrusionOk="0">
                 <a:moveTo>
                   <a:pt x="0" y="0"/>
                 </a:moveTo>
@@ -2146,9 +2237,11 @@
       <p:sp>
         <p:nvSpPr>
           <p:cNvPr id="72" name="Google Shape;72;g790869932f5804f1_0:notes"/>
-          <p:cNvSpPr txBox="1"/>
+          <p:cNvSpPr txBox="1">
+            <a:spLocks noGrp="1"/>
+          </p:cNvSpPr>
           <p:nvPr>
-            <p:ph idx="1" type="body"/>
+            <p:ph type="body" idx="1"/>
           </p:nvPr>
         </p:nvSpPr>
         <p:spPr>
@@ -2161,23 +2254,20 @@
           </a:prstGeom>
         </p:spPr>
         <p:txBody>
-          <a:bodyPr anchorCtr="0" anchor="t" bIns="91425" lIns="91425" spcFirstLastPara="1" rIns="91425" wrap="square" tIns="91425">
+          <a:bodyPr spcFirstLastPara="1" wrap="square" lIns="91425" tIns="91425" rIns="91425" bIns="91425" anchor="t" anchorCtr="0">
             <a:noAutofit/>
           </a:bodyPr>
           <a:lstStyle/>
           <a:p>
-            <a:pPr indent="0" lvl="0" marL="0" rtl="0" algn="l">
-              <a:spcBef>
-                <a:spcPts val="0"/>
-              </a:spcBef>
-              <a:spcAft>
-                <a:spcPts val="0"/>
-              </a:spcAft>
-              <a:buNone/>
-            </a:pPr>
-            <a:r>
-              <a:t/>
-            </a:r>
+            <a:pPr marL="0" lvl="0" indent="0" algn="l" rtl="0">
+              <a:spcBef>
+                <a:spcPts val="0"/>
+              </a:spcBef>
+              <a:spcAft>
+                <a:spcPts val="0"/>
+              </a:spcAft>
+              <a:buNone/>
+            </a:pPr>
             <a:endParaRPr/>
           </a:p>
         </p:txBody>
@@ -2191,11 +2281,11 @@
 </file>
 
 <file path=ppt/notesSlides/notesSlide5.xml><?xml version="1.0" encoding="utf-8"?>
-<p:notes xmlns:a="http://schemas.openxmlformats.org/drawingml/2006/main" xmlns:r="http://schemas.openxmlformats.org/officeDocument/2006/relationships" xmlns:mc="http://schemas.openxmlformats.org/markup-compatibility/2006" xmlns:mv="urn:schemas-microsoft-com:mac:vml" xmlns:p="http://schemas.openxmlformats.org/presentationml/2006/main" xmlns:c="http://schemas.openxmlformats.org/drawingml/2006/chart" xmlns:dgm="http://schemas.openxmlformats.org/drawingml/2006/diagram" xmlns:o="urn:schemas-microsoft-com:office:office" xmlns:v="urn:schemas-microsoft-com:vml" xmlns:pvml="urn:schemas-microsoft-com:office:powerpoint" xmlns:com="http://schemas.openxmlformats.org/drawingml/2006/compatibility" xmlns:p14="http://schemas.microsoft.com/office/powerpoint/2010/main" xmlns:p15="http://schemas.microsoft.com/office/powerpoint/2012/main" xmlns:ahyp="http://schemas.microsoft.com/office/drawing/2018/hyperlinkcolor" showMasterPhAnim="0" showMasterSp="0">
+<p:notes xmlns:a="http://schemas.openxmlformats.org/drawingml/2006/main" xmlns:r="http://schemas.openxmlformats.org/officeDocument/2006/relationships" xmlns:p="http://schemas.openxmlformats.org/presentationml/2006/main" showMasterSp="0" showMasterPhAnim="0">
   <p:cSld>
     <p:spTree>
       <p:nvGrpSpPr>
-        <p:cNvPr id="76" name="Shape 76"/>
+        <p:cNvPr id="1" name="Shape 76"/>
         <p:cNvGrpSpPr/>
         <p:nvPr/>
       </p:nvGrpSpPr>
@@ -2210,20 +2300,26 @@
       <p:sp>
         <p:nvSpPr>
           <p:cNvPr id="77" name="Google Shape;77;ge88ae3acfc_0_93:notes"/>
-          <p:cNvSpPr/>
+          <p:cNvSpPr>
+            <a:spLocks noGrp="1" noRot="1" noChangeAspect="1"/>
+          </p:cNvSpPr>
           <p:nvPr>
-            <p:ph idx="2" type="sldImg"/>
+            <p:ph type="sldImg" idx="2"/>
           </p:nvPr>
         </p:nvSpPr>
         <p:spPr>
           <a:xfrm>
-            <a:off x="381300" y="685800"/>
+            <a:off x="381000" y="685800"/>
             <a:ext cx="6096000" cy="3429000"/>
           </a:xfrm>
           <a:custGeom>
-            <a:rect b="b" l="l" r="r" t="t"/>
+            <a:avLst/>
+            <a:gdLst/>
+            <a:ahLst/>
+            <a:cxnLst/>
+            <a:rect l="l" t="t" r="r" b="b"/>
             <a:pathLst>
-              <a:path extrusionOk="0" h="120000" w="120000">
+              <a:path w="120000" h="120000" extrusionOk="0">
                 <a:moveTo>
                   <a:pt x="0" y="0"/>
                 </a:moveTo>
@@ -2245,9 +2341,11 @@
       <p:sp>
         <p:nvSpPr>
           <p:cNvPr id="78" name="Google Shape;78;ge88ae3acfc_0_93:notes"/>
-          <p:cNvSpPr txBox="1"/>
+          <p:cNvSpPr txBox="1">
+            <a:spLocks noGrp="1"/>
+          </p:cNvSpPr>
           <p:nvPr>
-            <p:ph idx="1" type="body"/>
+            <p:ph type="body" idx="1"/>
           </p:nvPr>
         </p:nvSpPr>
         <p:spPr>
@@ -2260,23 +2358,20 @@
           </a:prstGeom>
         </p:spPr>
         <p:txBody>
-          <a:bodyPr anchorCtr="0" anchor="t" bIns="91425" lIns="91425" spcFirstLastPara="1" rIns="91425" wrap="square" tIns="91425">
+          <a:bodyPr spcFirstLastPara="1" wrap="square" lIns="91425" tIns="91425" rIns="91425" bIns="91425" anchor="t" anchorCtr="0">
             <a:noAutofit/>
           </a:bodyPr>
           <a:lstStyle/>
           <a:p>
-            <a:pPr indent="0" lvl="0" marL="0" rtl="0" algn="l">
-              <a:spcBef>
-                <a:spcPts val="0"/>
-              </a:spcBef>
-              <a:spcAft>
-                <a:spcPts val="0"/>
-              </a:spcAft>
-              <a:buNone/>
-            </a:pPr>
-            <a:r>
-              <a:t/>
-            </a:r>
+            <a:pPr marL="0" lvl="0" indent="0" algn="l" rtl="0">
+              <a:spcBef>
+                <a:spcPts val="0"/>
+              </a:spcBef>
+              <a:spcAft>
+                <a:spcPts val="0"/>
+              </a:spcAft>
+              <a:buNone/>
+            </a:pPr>
             <a:endParaRPr/>
           </a:p>
         </p:txBody>
@@ -2290,11 +2385,11 @@
 </file>
 
 <file path=ppt/notesSlides/notesSlide6.xml><?xml version="1.0" encoding="utf-8"?>
-<p:notes xmlns:a="http://schemas.openxmlformats.org/drawingml/2006/main" xmlns:r="http://schemas.openxmlformats.org/officeDocument/2006/relationships" xmlns:mc="http://schemas.openxmlformats.org/markup-compatibility/2006" xmlns:mv="urn:schemas-microsoft-com:mac:vml" xmlns:p="http://schemas.openxmlformats.org/presentationml/2006/main" xmlns:c="http://schemas.openxmlformats.org/drawingml/2006/chart" xmlns:dgm="http://schemas.openxmlformats.org/drawingml/2006/diagram" xmlns:o="urn:schemas-microsoft-com:office:office" xmlns:v="urn:schemas-microsoft-com:vml" xmlns:pvml="urn:schemas-microsoft-com:office:powerpoint" xmlns:com="http://schemas.openxmlformats.org/drawingml/2006/compatibility" xmlns:p14="http://schemas.microsoft.com/office/powerpoint/2010/main" xmlns:p15="http://schemas.microsoft.com/office/powerpoint/2012/main" xmlns:ahyp="http://schemas.microsoft.com/office/drawing/2018/hyperlinkcolor" showMasterPhAnim="0" showMasterSp="0">
+<p:notes xmlns:a="http://schemas.openxmlformats.org/drawingml/2006/main" xmlns:r="http://schemas.openxmlformats.org/officeDocument/2006/relationships" xmlns:p="http://schemas.openxmlformats.org/presentationml/2006/main" showMasterSp="0" showMasterPhAnim="0">
   <p:cSld>
     <p:spTree>
       <p:nvGrpSpPr>
-        <p:cNvPr id="82" name="Shape 82"/>
+        <p:cNvPr id="1" name="Shape 82"/>
         <p:cNvGrpSpPr/>
         <p:nvPr/>
       </p:nvGrpSpPr>
@@ -2309,20 +2404,26 @@
       <p:sp>
         <p:nvSpPr>
           <p:cNvPr id="83" name="Google Shape;83;ge88ae3acfc_0_40:notes"/>
-          <p:cNvSpPr/>
+          <p:cNvSpPr>
+            <a:spLocks noGrp="1" noRot="1" noChangeAspect="1"/>
+          </p:cNvSpPr>
           <p:nvPr>
-            <p:ph idx="2" type="sldImg"/>
+            <p:ph type="sldImg" idx="2"/>
           </p:nvPr>
         </p:nvSpPr>
         <p:spPr>
           <a:xfrm>
-            <a:off x="381300" y="685800"/>
+            <a:off x="381000" y="685800"/>
             <a:ext cx="6096000" cy="3429000"/>
           </a:xfrm>
           <a:custGeom>
-            <a:rect b="b" l="l" r="r" t="t"/>
+            <a:avLst/>
+            <a:gdLst/>
+            <a:ahLst/>
+            <a:cxnLst/>
+            <a:rect l="l" t="t" r="r" b="b"/>
             <a:pathLst>
-              <a:path extrusionOk="0" h="120000" w="120000">
+              <a:path w="120000" h="120000" extrusionOk="0">
                 <a:moveTo>
                   <a:pt x="0" y="0"/>
                 </a:moveTo>
@@ -2344,9 +2445,11 @@
       <p:sp>
         <p:nvSpPr>
           <p:cNvPr id="84" name="Google Shape;84;ge88ae3acfc_0_40:notes"/>
-          <p:cNvSpPr txBox="1"/>
+          <p:cNvSpPr txBox="1">
+            <a:spLocks noGrp="1"/>
+          </p:cNvSpPr>
           <p:nvPr>
-            <p:ph idx="1" type="body"/>
+            <p:ph type="body" idx="1"/>
           </p:nvPr>
         </p:nvSpPr>
         <p:spPr>
@@ -2359,23 +2462,20 @@
           </a:prstGeom>
         </p:spPr>
         <p:txBody>
-          <a:bodyPr anchorCtr="0" anchor="t" bIns="91425" lIns="91425" spcFirstLastPara="1" rIns="91425" wrap="square" tIns="91425">
+          <a:bodyPr spcFirstLastPara="1" wrap="square" lIns="91425" tIns="91425" rIns="91425" bIns="91425" anchor="t" anchorCtr="0">
             <a:noAutofit/>
           </a:bodyPr>
           <a:lstStyle/>
           <a:p>
-            <a:pPr indent="0" lvl="0" marL="0" rtl="0" algn="l">
-              <a:spcBef>
-                <a:spcPts val="0"/>
-              </a:spcBef>
-              <a:spcAft>
-                <a:spcPts val="0"/>
-              </a:spcAft>
-              <a:buNone/>
-            </a:pPr>
-            <a:r>
-              <a:t/>
-            </a:r>
+            <a:pPr marL="0" lvl="0" indent="0" algn="l" rtl="0">
+              <a:spcBef>
+                <a:spcPts val="0"/>
+              </a:spcBef>
+              <a:spcAft>
+                <a:spcPts val="0"/>
+              </a:spcAft>
+              <a:buNone/>
+            </a:pPr>
             <a:endParaRPr/>
           </a:p>
         </p:txBody>
@@ -2389,11 +2489,11 @@
 </file>
 
 <file path=ppt/notesSlides/notesSlide7.xml><?xml version="1.0" encoding="utf-8"?>
-<p:notes xmlns:a="http://schemas.openxmlformats.org/drawingml/2006/main" xmlns:r="http://schemas.openxmlformats.org/officeDocument/2006/relationships" xmlns:mc="http://schemas.openxmlformats.org/markup-compatibility/2006" xmlns:mv="urn:schemas-microsoft-com:mac:vml" xmlns:p="http://schemas.openxmlformats.org/presentationml/2006/main" xmlns:c="http://schemas.openxmlformats.org/drawingml/2006/chart" xmlns:dgm="http://schemas.openxmlformats.org/drawingml/2006/diagram" xmlns:o="urn:schemas-microsoft-com:office:office" xmlns:v="urn:schemas-microsoft-com:vml" xmlns:pvml="urn:schemas-microsoft-com:office:powerpoint" xmlns:com="http://schemas.openxmlformats.org/drawingml/2006/compatibility" xmlns:p14="http://schemas.microsoft.com/office/powerpoint/2010/main" xmlns:p15="http://schemas.microsoft.com/office/powerpoint/2012/main" xmlns:ahyp="http://schemas.microsoft.com/office/drawing/2018/hyperlinkcolor" showMasterPhAnim="0" showMasterSp="0">
+<p:notes xmlns:a="http://schemas.openxmlformats.org/drawingml/2006/main" xmlns:r="http://schemas.openxmlformats.org/officeDocument/2006/relationships" xmlns:p="http://schemas.openxmlformats.org/presentationml/2006/main" showMasterSp="0" showMasterPhAnim="0">
   <p:cSld>
     <p:spTree>
       <p:nvGrpSpPr>
-        <p:cNvPr id="88" name="Shape 88"/>
+        <p:cNvPr id="1" name="Shape 88"/>
         <p:cNvGrpSpPr/>
         <p:nvPr/>
       </p:nvGrpSpPr>
@@ -2408,20 +2508,26 @@
       <p:sp>
         <p:nvSpPr>
           <p:cNvPr id="89" name="Google Shape;89;ge88ae3acfc_0_58:notes"/>
-          <p:cNvSpPr/>
+          <p:cNvSpPr>
+            <a:spLocks noGrp="1" noRot="1" noChangeAspect="1"/>
+          </p:cNvSpPr>
           <p:nvPr>
-            <p:ph idx="2" type="sldImg"/>
+            <p:ph type="sldImg" idx="2"/>
           </p:nvPr>
         </p:nvSpPr>
         <p:spPr>
           <a:xfrm>
-            <a:off x="381300" y="685800"/>
+            <a:off x="381000" y="685800"/>
             <a:ext cx="6096000" cy="3429000"/>
           </a:xfrm>
           <a:custGeom>
-            <a:rect b="b" l="l" r="r" t="t"/>
+            <a:avLst/>
+            <a:gdLst/>
+            <a:ahLst/>
+            <a:cxnLst/>
+            <a:rect l="l" t="t" r="r" b="b"/>
             <a:pathLst>
-              <a:path extrusionOk="0" h="120000" w="120000">
+              <a:path w="120000" h="120000" extrusionOk="0">
                 <a:moveTo>
                   <a:pt x="0" y="0"/>
                 </a:moveTo>
@@ -2443,9 +2549,11 @@
       <p:sp>
         <p:nvSpPr>
           <p:cNvPr id="90" name="Google Shape;90;ge88ae3acfc_0_58:notes"/>
-          <p:cNvSpPr txBox="1"/>
+          <p:cNvSpPr txBox="1">
+            <a:spLocks noGrp="1"/>
+          </p:cNvSpPr>
           <p:nvPr>
-            <p:ph idx="1" type="body"/>
+            <p:ph type="body" idx="1"/>
           </p:nvPr>
         </p:nvSpPr>
         <p:spPr>
@@ -2458,23 +2566,20 @@
           </a:prstGeom>
         </p:spPr>
         <p:txBody>
-          <a:bodyPr anchorCtr="0" anchor="t" bIns="91425" lIns="91425" spcFirstLastPara="1" rIns="91425" wrap="square" tIns="91425">
+          <a:bodyPr spcFirstLastPara="1" wrap="square" lIns="91425" tIns="91425" rIns="91425" bIns="91425" anchor="t" anchorCtr="0">
             <a:noAutofit/>
           </a:bodyPr>
           <a:lstStyle/>
           <a:p>
-            <a:pPr indent="0" lvl="0" marL="0" rtl="0" algn="l">
-              <a:spcBef>
-                <a:spcPts val="0"/>
-              </a:spcBef>
-              <a:spcAft>
-                <a:spcPts val="0"/>
-              </a:spcAft>
-              <a:buNone/>
-            </a:pPr>
-            <a:r>
-              <a:t/>
-            </a:r>
+            <a:pPr marL="0" lvl="0" indent="0" algn="l" rtl="0">
+              <a:spcBef>
+                <a:spcPts val="0"/>
+              </a:spcBef>
+              <a:spcAft>
+                <a:spcPts val="0"/>
+              </a:spcAft>
+              <a:buNone/>
+            </a:pPr>
             <a:endParaRPr/>
           </a:p>
         </p:txBody>
@@ -2488,11 +2593,11 @@
 </file>
 
 <file path=ppt/notesSlides/notesSlide8.xml><?xml version="1.0" encoding="utf-8"?>
-<p:notes xmlns:a="http://schemas.openxmlformats.org/drawingml/2006/main" xmlns:r="http://schemas.openxmlformats.org/officeDocument/2006/relationships" xmlns:mc="http://schemas.openxmlformats.org/markup-compatibility/2006" xmlns:mv="urn:schemas-microsoft-com:mac:vml" xmlns:p="http://schemas.openxmlformats.org/presentationml/2006/main" xmlns:c="http://schemas.openxmlformats.org/drawingml/2006/chart" xmlns:dgm="http://schemas.openxmlformats.org/drawingml/2006/diagram" xmlns:o="urn:schemas-microsoft-com:office:office" xmlns:v="urn:schemas-microsoft-com:vml" xmlns:pvml="urn:schemas-microsoft-com:office:powerpoint" xmlns:com="http://schemas.openxmlformats.org/drawingml/2006/compatibility" xmlns:p14="http://schemas.microsoft.com/office/powerpoint/2010/main" xmlns:p15="http://schemas.microsoft.com/office/powerpoint/2012/main" xmlns:ahyp="http://schemas.microsoft.com/office/drawing/2018/hyperlinkcolor" showMasterPhAnim="0" showMasterSp="0">
+<p:notes xmlns:a="http://schemas.openxmlformats.org/drawingml/2006/main" xmlns:r="http://schemas.openxmlformats.org/officeDocument/2006/relationships" xmlns:p="http://schemas.openxmlformats.org/presentationml/2006/main" showMasterSp="0" showMasterPhAnim="0">
   <p:cSld>
     <p:spTree>
       <p:nvGrpSpPr>
-        <p:cNvPr id="94" name="Shape 94"/>
+        <p:cNvPr id="1" name="Shape 94"/>
         <p:cNvGrpSpPr/>
         <p:nvPr/>
       </p:nvGrpSpPr>
@@ -2507,20 +2612,26 @@
       <p:sp>
         <p:nvSpPr>
           <p:cNvPr id="95" name="Google Shape;95;ge88ae3acfc_0_17:notes"/>
-          <p:cNvSpPr/>
+          <p:cNvSpPr>
+            <a:spLocks noGrp="1" noRot="1" noChangeAspect="1"/>
+          </p:cNvSpPr>
           <p:nvPr>
-            <p:ph idx="2" type="sldImg"/>
+            <p:ph type="sldImg" idx="2"/>
           </p:nvPr>
         </p:nvSpPr>
         <p:spPr>
           <a:xfrm>
-            <a:off x="381300" y="685800"/>
+            <a:off x="381000" y="685800"/>
             <a:ext cx="6096000" cy="3429000"/>
           </a:xfrm>
           <a:custGeom>
-            <a:rect b="b" l="l" r="r" t="t"/>
+            <a:avLst/>
+            <a:gdLst/>
+            <a:ahLst/>
+            <a:cxnLst/>
+            <a:rect l="l" t="t" r="r" b="b"/>
             <a:pathLst>
-              <a:path extrusionOk="0" h="120000" w="120000">
+              <a:path w="120000" h="120000" extrusionOk="0">
                 <a:moveTo>
                   <a:pt x="0" y="0"/>
                 </a:moveTo>
@@ -2542,9 +2653,11 @@
       <p:sp>
         <p:nvSpPr>
           <p:cNvPr id="96" name="Google Shape;96;ge88ae3acfc_0_17:notes"/>
-          <p:cNvSpPr txBox="1"/>
+          <p:cNvSpPr txBox="1">
+            <a:spLocks noGrp="1"/>
+          </p:cNvSpPr>
           <p:nvPr>
-            <p:ph idx="1" type="body"/>
+            <p:ph type="body" idx="1"/>
           </p:nvPr>
         </p:nvSpPr>
         <p:spPr>
@@ -2557,23 +2670,20 @@
           </a:prstGeom>
         </p:spPr>
         <p:txBody>
-          <a:bodyPr anchorCtr="0" anchor="t" bIns="91425" lIns="91425" spcFirstLastPara="1" rIns="91425" wrap="square" tIns="91425">
+          <a:bodyPr spcFirstLastPara="1" wrap="square" lIns="91425" tIns="91425" rIns="91425" bIns="91425" anchor="t" anchorCtr="0">
             <a:noAutofit/>
           </a:bodyPr>
           <a:lstStyle/>
           <a:p>
-            <a:pPr indent="0" lvl="0" marL="0" rtl="0" algn="l">
-              <a:spcBef>
-                <a:spcPts val="0"/>
-              </a:spcBef>
-              <a:spcAft>
-                <a:spcPts val="0"/>
-              </a:spcAft>
-              <a:buNone/>
-            </a:pPr>
-            <a:r>
-              <a:t/>
-            </a:r>
+            <a:pPr marL="0" lvl="0" indent="0" algn="l" rtl="0">
+              <a:spcBef>
+                <a:spcPts val="0"/>
+              </a:spcBef>
+              <a:spcAft>
+                <a:spcPts val="0"/>
+              </a:spcAft>
+              <a:buNone/>
+            </a:pPr>
             <a:endParaRPr/>
           </a:p>
         </p:txBody>
@@ -2587,11 +2697,11 @@
 </file>
 
 <file path=ppt/notesSlides/notesSlide9.xml><?xml version="1.0" encoding="utf-8"?>
-<p:notes xmlns:a="http://schemas.openxmlformats.org/drawingml/2006/main" xmlns:r="http://schemas.openxmlformats.org/officeDocument/2006/relationships" xmlns:mc="http://schemas.openxmlformats.org/markup-compatibility/2006" xmlns:mv="urn:schemas-microsoft-com:mac:vml" xmlns:p="http://schemas.openxmlformats.org/presentationml/2006/main" xmlns:c="http://schemas.openxmlformats.org/drawingml/2006/chart" xmlns:dgm="http://schemas.openxmlformats.org/drawingml/2006/diagram" xmlns:o="urn:schemas-microsoft-com:office:office" xmlns:v="urn:schemas-microsoft-com:vml" xmlns:pvml="urn:schemas-microsoft-com:office:powerpoint" xmlns:com="http://schemas.openxmlformats.org/drawingml/2006/compatibility" xmlns:p14="http://schemas.microsoft.com/office/powerpoint/2010/main" xmlns:p15="http://schemas.microsoft.com/office/powerpoint/2012/main" xmlns:ahyp="http://schemas.microsoft.com/office/drawing/2018/hyperlinkcolor" showMasterPhAnim="0" showMasterSp="0">
+<p:notes xmlns:a="http://schemas.openxmlformats.org/drawingml/2006/main" xmlns:r="http://schemas.openxmlformats.org/officeDocument/2006/relationships" xmlns:p="http://schemas.openxmlformats.org/presentationml/2006/main" showMasterSp="0" showMasterPhAnim="0">
   <p:cSld>
     <p:spTree>
       <p:nvGrpSpPr>
-        <p:cNvPr id="100" name="Shape 100"/>
+        <p:cNvPr id="1" name="Shape 100"/>
         <p:cNvGrpSpPr/>
         <p:nvPr/>
       </p:nvGrpSpPr>
@@ -2606,20 +2716,26 @@
       <p:sp>
         <p:nvSpPr>
           <p:cNvPr id="101" name="Google Shape;101;ge88ae3acfc_0_11:notes"/>
-          <p:cNvSpPr/>
+          <p:cNvSpPr>
+            <a:spLocks noGrp="1" noRot="1" noChangeAspect="1"/>
+          </p:cNvSpPr>
           <p:nvPr>
-            <p:ph idx="2" type="sldImg"/>
+            <p:ph type="sldImg" idx="2"/>
           </p:nvPr>
         </p:nvSpPr>
         <p:spPr>
           <a:xfrm>
-            <a:off x="381300" y="685800"/>
+            <a:off x="381000" y="685800"/>
             <a:ext cx="6096000" cy="3429000"/>
           </a:xfrm>
           <a:custGeom>
-            <a:rect b="b" l="l" r="r" t="t"/>
+            <a:avLst/>
+            <a:gdLst/>
+            <a:ahLst/>
+            <a:cxnLst/>
+            <a:rect l="l" t="t" r="r" b="b"/>
             <a:pathLst>
-              <a:path extrusionOk="0" h="120000" w="120000">
+              <a:path w="120000" h="120000" extrusionOk="0">
                 <a:moveTo>
                   <a:pt x="0" y="0"/>
                 </a:moveTo>
@@ -2641,9 +2757,11 @@
       <p:sp>
         <p:nvSpPr>
           <p:cNvPr id="102" name="Google Shape;102;ge88ae3acfc_0_11:notes"/>
-          <p:cNvSpPr txBox="1"/>
+          <p:cNvSpPr txBox="1">
+            <a:spLocks noGrp="1"/>
+          </p:cNvSpPr>
           <p:nvPr>
-            <p:ph idx="1" type="body"/>
+            <p:ph type="body" idx="1"/>
           </p:nvPr>
         </p:nvSpPr>
         <p:spPr>
@@ -2656,23 +2774,20 @@
           </a:prstGeom>
         </p:spPr>
         <p:txBody>
-          <a:bodyPr anchorCtr="0" anchor="t" bIns="91425" lIns="91425" spcFirstLastPara="1" rIns="91425" wrap="square" tIns="91425">
+          <a:bodyPr spcFirstLastPara="1" wrap="square" lIns="91425" tIns="91425" rIns="91425" bIns="91425" anchor="t" anchorCtr="0">
             <a:noAutofit/>
           </a:bodyPr>
           <a:lstStyle/>
           <a:p>
-            <a:pPr indent="0" lvl="0" marL="0" rtl="0" algn="l">
-              <a:spcBef>
-                <a:spcPts val="0"/>
-              </a:spcBef>
-              <a:spcAft>
-                <a:spcPts val="0"/>
-              </a:spcAft>
-              <a:buNone/>
-            </a:pPr>
-            <a:r>
-              <a:t/>
-            </a:r>
+            <a:pPr marL="0" lvl="0" indent="0" algn="l" rtl="0">
+              <a:spcBef>
+                <a:spcPts val="0"/>
+              </a:spcBef>
+              <a:spcAft>
+                <a:spcPts val="0"/>
+              </a:spcAft>
+              <a:buNone/>
+            </a:pPr>
             <a:endParaRPr/>
           </a:p>
         </p:txBody>
@@ -2686,11 +2801,11 @@
 </file>
 
 <file path=ppt/slideLayouts/slideLayout1.xml><?xml version="1.0" encoding="utf-8"?>
-<p:sldLayout xmlns:a="http://schemas.openxmlformats.org/drawingml/2006/main" xmlns:r="http://schemas.openxmlformats.org/officeDocument/2006/relationships" xmlns:mc="http://schemas.openxmlformats.org/markup-compatibility/2006" xmlns:mv="urn:schemas-microsoft-com:mac:vml" xmlns:p="http://schemas.openxmlformats.org/presentationml/2006/main" xmlns:c="http://schemas.openxmlformats.org/drawingml/2006/chart" xmlns:dgm="http://schemas.openxmlformats.org/drawingml/2006/diagram" xmlns:o="urn:schemas-microsoft-com:office:office" xmlns:v="urn:schemas-microsoft-com:vml" xmlns:pvml="urn:schemas-microsoft-com:office:powerpoint" xmlns:com="http://schemas.openxmlformats.org/drawingml/2006/compatibility" xmlns:p14="http://schemas.microsoft.com/office/powerpoint/2010/main" xmlns:p15="http://schemas.microsoft.com/office/powerpoint/2012/main" xmlns:ahyp="http://schemas.microsoft.com/office/drawing/2018/hyperlinkcolor" matchingName="Title slide" type="title">
+<p:sldLayout xmlns:a="http://schemas.openxmlformats.org/drawingml/2006/main" xmlns:r="http://schemas.openxmlformats.org/officeDocument/2006/relationships" xmlns:p="http://schemas.openxmlformats.org/presentationml/2006/main" matchingName="Title slide" type="title">
   <p:cSld name="TITLE">
     <p:spTree>
       <p:nvGrpSpPr>
-        <p:cNvPr id="9" name="Shape 9"/>
+        <p:cNvPr id="1" name="Shape 9"/>
         <p:cNvGrpSpPr/>
         <p:nvPr/>
       </p:nvGrpSpPr>
@@ -2705,7 +2820,9 @@
       <p:sp>
         <p:nvSpPr>
           <p:cNvPr id="10" name="Google Shape;10;p2"/>
-          <p:cNvSpPr txBox="1"/>
+          <p:cNvSpPr txBox="1">
+            <a:spLocks noGrp="1"/>
+          </p:cNvSpPr>
           <p:nvPr>
             <p:ph type="ctrTitle"/>
           </p:nvPr>
@@ -2720,7 +2837,7 @@
           </a:prstGeom>
         </p:spPr>
         <p:txBody>
-          <a:bodyPr anchorCtr="0" anchor="b" bIns="91425" lIns="91425" spcFirstLastPara="1" rIns="91425" wrap="square" tIns="91425">
+          <a:bodyPr spcFirstLastPara="1" wrap="square" lIns="91425" tIns="91425" rIns="91425" bIns="91425" anchor="b" anchorCtr="0">
             <a:normAutofit/>
           </a:bodyPr>
           <a:lstStyle>
@@ -2824,15 +2941,19 @@
               <a:defRPr sz="5200"/>
             </a:lvl9pPr>
           </a:lstStyle>
-          <a:p/>
+          <a:p>
+            <a:endParaRPr/>
+          </a:p>
         </p:txBody>
       </p:sp>
       <p:sp>
         <p:nvSpPr>
           <p:cNvPr id="11" name="Google Shape;11;p2"/>
-          <p:cNvSpPr txBox="1"/>
+          <p:cNvSpPr txBox="1">
+            <a:spLocks noGrp="1"/>
+          </p:cNvSpPr>
           <p:nvPr>
-            <p:ph idx="1" type="subTitle"/>
+            <p:ph type="subTitle" idx="1"/>
           </p:nvPr>
         </p:nvSpPr>
         <p:spPr>
@@ -2845,7 +2966,7 @@
           </a:prstGeom>
         </p:spPr>
         <p:txBody>
-          <a:bodyPr anchorCtr="0" anchor="t" bIns="91425" lIns="91425" spcFirstLastPara="1" rIns="91425" wrap="square" tIns="91425">
+          <a:bodyPr spcFirstLastPara="1" wrap="square" lIns="91425" tIns="91425" rIns="91425" bIns="91425" anchor="t" anchorCtr="0">
             <a:normAutofit/>
           </a:bodyPr>
           <a:lstStyle>
@@ -2976,15 +3097,19 @@
               <a:defRPr sz="2800"/>
             </a:lvl9pPr>
           </a:lstStyle>
-          <a:p/>
+          <a:p>
+            <a:endParaRPr/>
+          </a:p>
         </p:txBody>
       </p:sp>
       <p:sp>
         <p:nvSpPr>
           <p:cNvPr id="12" name="Google Shape;12;p2"/>
-          <p:cNvSpPr txBox="1"/>
+          <p:cNvSpPr txBox="1">
+            <a:spLocks noGrp="1"/>
+          </p:cNvSpPr>
           <p:nvPr>
-            <p:ph idx="12" type="sldNum"/>
+            <p:ph type="sldNum" idx="12"/>
           </p:nvPr>
         </p:nvSpPr>
         <p:spPr>
@@ -2997,7 +3122,7 @@
           </a:prstGeom>
         </p:spPr>
         <p:txBody>
-          <a:bodyPr anchorCtr="0" anchor="ctr" bIns="91425" lIns="91425" spcFirstLastPara="1" rIns="91425" wrap="square" tIns="91425">
+          <a:bodyPr spcFirstLastPara="1" wrap="square" lIns="91425" tIns="91425" rIns="91425" bIns="91425" anchor="ctr" anchorCtr="0">
             <a:normAutofit/>
           </a:bodyPr>
           <a:lstStyle>
@@ -3039,7 +3164,7 @@
             </a:lvl9pPr>
           </a:lstStyle>
           <a:p>
-            <a:pPr indent="0" lvl="0" marL="0" rtl="0" algn="r">
+            <a:pPr marL="0" lvl="0" indent="0" algn="r" rtl="0">
               <a:spcBef>
                 <a:spcPts val="0"/>
               </a:spcBef>
@@ -3065,11 +3190,11 @@
 </file>
 
 <file path=ppt/slideLayouts/slideLayout10.xml><?xml version="1.0" encoding="utf-8"?>
-<p:sldLayout xmlns:a="http://schemas.openxmlformats.org/drawingml/2006/main" xmlns:r="http://schemas.openxmlformats.org/officeDocument/2006/relationships" xmlns:mc="http://schemas.openxmlformats.org/markup-compatibility/2006" xmlns:mv="urn:schemas-microsoft-com:mac:vml" xmlns:p="http://schemas.openxmlformats.org/presentationml/2006/main" xmlns:c="http://schemas.openxmlformats.org/drawingml/2006/chart" xmlns:dgm="http://schemas.openxmlformats.org/drawingml/2006/diagram" xmlns:o="urn:schemas-microsoft-com:office:office" xmlns:v="urn:schemas-microsoft-com:vml" xmlns:pvml="urn:schemas-microsoft-com:office:powerpoint" xmlns:com="http://schemas.openxmlformats.org/drawingml/2006/compatibility" xmlns:p14="http://schemas.microsoft.com/office/powerpoint/2010/main" xmlns:p15="http://schemas.microsoft.com/office/powerpoint/2012/main" xmlns:ahyp="http://schemas.microsoft.com/office/drawing/2018/hyperlinkcolor" matchingName="Big number">
+<p:sldLayout xmlns:a="http://schemas.openxmlformats.org/drawingml/2006/main" xmlns:r="http://schemas.openxmlformats.org/officeDocument/2006/relationships" xmlns:p="http://schemas.openxmlformats.org/presentationml/2006/main" matchingName="Big number">
   <p:cSld name="BIG_NUMBER">
     <p:spTree>
       <p:nvGrpSpPr>
-        <p:cNvPr id="44" name="Shape 44"/>
+        <p:cNvPr id="1" name="Shape 44"/>
         <p:cNvGrpSpPr/>
         <p:nvPr/>
       </p:nvGrpSpPr>
@@ -3084,9 +3209,11 @@
       <p:sp>
         <p:nvSpPr>
           <p:cNvPr id="45" name="Google Shape;45;p11"/>
-          <p:cNvSpPr txBox="1"/>
+          <p:cNvSpPr txBox="1">
+            <a:spLocks noGrp="1"/>
+          </p:cNvSpPr>
           <p:nvPr>
-            <p:ph hasCustomPrompt="1" type="title"/>
+            <p:ph type="title" hasCustomPrompt="1"/>
           </p:nvPr>
         </p:nvSpPr>
         <p:spPr>
@@ -3099,7 +3226,7 @@
           </a:prstGeom>
         </p:spPr>
         <p:txBody>
-          <a:bodyPr anchorCtr="0" anchor="b" bIns="91425" lIns="91425" spcFirstLastPara="1" rIns="91425" wrap="square" tIns="91425">
+          <a:bodyPr spcFirstLastPara="1" wrap="square" lIns="91425" tIns="91425" rIns="91425" bIns="91425" anchor="b" anchorCtr="0">
             <a:normAutofit/>
           </a:bodyPr>
           <a:lstStyle>
@@ -3213,9 +3340,11 @@
       <p:sp>
         <p:nvSpPr>
           <p:cNvPr id="46" name="Google Shape;46;p11"/>
-          <p:cNvSpPr txBox="1"/>
+          <p:cNvSpPr txBox="1">
+            <a:spLocks noGrp="1"/>
+          </p:cNvSpPr>
           <p:nvPr>
-            <p:ph idx="1" type="body"/>
+            <p:ph type="body" idx="1"/>
           </p:nvPr>
         </p:nvSpPr>
         <p:spPr>
@@ -3228,11 +3357,11 @@
           </a:prstGeom>
         </p:spPr>
         <p:txBody>
-          <a:bodyPr anchorCtr="0" anchor="t" bIns="91425" lIns="91425" spcFirstLastPara="1" rIns="91425" wrap="square" tIns="91425">
+          <a:bodyPr spcFirstLastPara="1" wrap="square" lIns="91425" tIns="91425" rIns="91425" bIns="91425" anchor="t" anchorCtr="0">
             <a:normAutofit/>
           </a:bodyPr>
           <a:lstStyle>
-            <a:lvl1pPr indent="-342900" lvl="0" marL="457200" algn="ctr">
+            <a:lvl1pPr marL="457200" lvl="0" indent="-342900" algn="ctr">
               <a:spcBef>
                 <a:spcPts val="0"/>
               </a:spcBef>
@@ -3243,7 +3372,7 @@
               <a:buChar char="●"/>
               <a:defRPr/>
             </a:lvl1pPr>
-            <a:lvl2pPr indent="-317500" lvl="1" marL="914400" algn="ctr">
+            <a:lvl2pPr marL="914400" lvl="1" indent="-317500" algn="ctr">
               <a:spcBef>
                 <a:spcPts val="0"/>
               </a:spcBef>
@@ -3254,7 +3383,7 @@
               <a:buChar char="○"/>
               <a:defRPr/>
             </a:lvl2pPr>
-            <a:lvl3pPr indent="-317500" lvl="2" marL="1371600" algn="ctr">
+            <a:lvl3pPr marL="1371600" lvl="2" indent="-317500" algn="ctr">
               <a:spcBef>
                 <a:spcPts val="0"/>
               </a:spcBef>
@@ -3265,7 +3394,7 @@
               <a:buChar char="■"/>
               <a:defRPr/>
             </a:lvl3pPr>
-            <a:lvl4pPr indent="-317500" lvl="3" marL="1828800" algn="ctr">
+            <a:lvl4pPr marL="1828800" lvl="3" indent="-317500" algn="ctr">
               <a:spcBef>
                 <a:spcPts val="0"/>
               </a:spcBef>
@@ -3276,7 +3405,7 @@
               <a:buChar char="●"/>
               <a:defRPr/>
             </a:lvl4pPr>
-            <a:lvl5pPr indent="-317500" lvl="4" marL="2286000" algn="ctr">
+            <a:lvl5pPr marL="2286000" lvl="4" indent="-317500" algn="ctr">
               <a:spcBef>
                 <a:spcPts val="0"/>
               </a:spcBef>
@@ -3287,7 +3416,7 @@
               <a:buChar char="○"/>
               <a:defRPr/>
             </a:lvl5pPr>
-            <a:lvl6pPr indent="-317500" lvl="5" marL="2743200" algn="ctr">
+            <a:lvl6pPr marL="2743200" lvl="5" indent="-317500" algn="ctr">
               <a:spcBef>
                 <a:spcPts val="0"/>
               </a:spcBef>
@@ -3298,7 +3427,7 @@
               <a:buChar char="■"/>
               <a:defRPr/>
             </a:lvl6pPr>
-            <a:lvl7pPr indent="-317500" lvl="6" marL="3200400" algn="ctr">
+            <a:lvl7pPr marL="3200400" lvl="6" indent="-317500" algn="ctr">
               <a:spcBef>
                 <a:spcPts val="0"/>
               </a:spcBef>
@@ -3309,7 +3438,7 @@
               <a:buChar char="●"/>
               <a:defRPr/>
             </a:lvl7pPr>
-            <a:lvl8pPr indent="-317500" lvl="7" marL="3657600" algn="ctr">
+            <a:lvl8pPr marL="3657600" lvl="7" indent="-317500" algn="ctr">
               <a:spcBef>
                 <a:spcPts val="0"/>
               </a:spcBef>
@@ -3320,7 +3449,7 @@
               <a:buChar char="○"/>
               <a:defRPr/>
             </a:lvl8pPr>
-            <a:lvl9pPr indent="-317500" lvl="8" marL="4114800" algn="ctr">
+            <a:lvl9pPr marL="4114800" lvl="8" indent="-317500" algn="ctr">
               <a:spcBef>
                 <a:spcPts val="0"/>
               </a:spcBef>
@@ -3332,15 +3461,19 @@
               <a:defRPr/>
             </a:lvl9pPr>
           </a:lstStyle>
-          <a:p/>
+          <a:p>
+            <a:endParaRPr/>
+          </a:p>
         </p:txBody>
       </p:sp>
       <p:sp>
         <p:nvSpPr>
           <p:cNvPr id="47" name="Google Shape;47;p11"/>
-          <p:cNvSpPr txBox="1"/>
+          <p:cNvSpPr txBox="1">
+            <a:spLocks noGrp="1"/>
+          </p:cNvSpPr>
           <p:nvPr>
-            <p:ph idx="12" type="sldNum"/>
+            <p:ph type="sldNum" idx="12"/>
           </p:nvPr>
         </p:nvSpPr>
         <p:spPr>
@@ -3353,7 +3486,7 @@
           </a:prstGeom>
         </p:spPr>
         <p:txBody>
-          <a:bodyPr anchorCtr="0" anchor="ctr" bIns="91425" lIns="91425" spcFirstLastPara="1" rIns="91425" wrap="square" tIns="91425">
+          <a:bodyPr spcFirstLastPara="1" wrap="square" lIns="91425" tIns="91425" rIns="91425" bIns="91425" anchor="ctr" anchorCtr="0">
             <a:normAutofit/>
           </a:bodyPr>
           <a:lstStyle>
@@ -3395,7 +3528,7 @@
             </a:lvl9pPr>
           </a:lstStyle>
           <a:p>
-            <a:pPr indent="0" lvl="0" marL="0" rtl="0" algn="r">
+            <a:pPr marL="0" lvl="0" indent="0" algn="r" rtl="0">
               <a:spcBef>
                 <a:spcPts val="0"/>
               </a:spcBef>
@@ -3421,11 +3554,11 @@
 </file>
 
 <file path=ppt/slideLayouts/slideLayout11.xml><?xml version="1.0" encoding="utf-8"?>
-<p:sldLayout xmlns:a="http://schemas.openxmlformats.org/drawingml/2006/main" xmlns:r="http://schemas.openxmlformats.org/officeDocument/2006/relationships" xmlns:mc="http://schemas.openxmlformats.org/markup-compatibility/2006" xmlns:mv="urn:schemas-microsoft-com:mac:vml" xmlns:p="http://schemas.openxmlformats.org/presentationml/2006/main" xmlns:c="http://schemas.openxmlformats.org/drawingml/2006/chart" xmlns:dgm="http://schemas.openxmlformats.org/drawingml/2006/diagram" xmlns:o="urn:schemas-microsoft-com:office:office" xmlns:v="urn:schemas-microsoft-com:vml" xmlns:pvml="urn:schemas-microsoft-com:office:powerpoint" xmlns:com="http://schemas.openxmlformats.org/drawingml/2006/compatibility" xmlns:p14="http://schemas.microsoft.com/office/powerpoint/2010/main" xmlns:p15="http://schemas.microsoft.com/office/powerpoint/2012/main" xmlns:ahyp="http://schemas.microsoft.com/office/drawing/2018/hyperlinkcolor" matchingName="Blank" type="blank">
+<p:sldLayout xmlns:a="http://schemas.openxmlformats.org/drawingml/2006/main" xmlns:r="http://schemas.openxmlformats.org/officeDocument/2006/relationships" xmlns:p="http://schemas.openxmlformats.org/presentationml/2006/main" matchingName="Blank" type="blank">
   <p:cSld name="BLANK">
     <p:spTree>
       <p:nvGrpSpPr>
-        <p:cNvPr id="48" name="Shape 48"/>
+        <p:cNvPr id="1" name="Shape 48"/>
         <p:cNvGrpSpPr/>
         <p:nvPr/>
       </p:nvGrpSpPr>
@@ -3440,9 +3573,11 @@
       <p:sp>
         <p:nvSpPr>
           <p:cNvPr id="49" name="Google Shape;49;p12"/>
-          <p:cNvSpPr txBox="1"/>
+          <p:cNvSpPr txBox="1">
+            <a:spLocks noGrp="1"/>
+          </p:cNvSpPr>
           <p:nvPr>
-            <p:ph idx="12" type="sldNum"/>
+            <p:ph type="sldNum" idx="12"/>
           </p:nvPr>
         </p:nvSpPr>
         <p:spPr>
@@ -3455,7 +3590,7 @@
           </a:prstGeom>
         </p:spPr>
         <p:txBody>
-          <a:bodyPr anchorCtr="0" anchor="ctr" bIns="91425" lIns="91425" spcFirstLastPara="1" rIns="91425" wrap="square" tIns="91425">
+          <a:bodyPr spcFirstLastPara="1" wrap="square" lIns="91425" tIns="91425" rIns="91425" bIns="91425" anchor="ctr" anchorCtr="0">
             <a:normAutofit/>
           </a:bodyPr>
           <a:lstStyle>
@@ -3497,7 +3632,7 @@
             </a:lvl9pPr>
           </a:lstStyle>
           <a:p>
-            <a:pPr indent="0" lvl="0" marL="0" rtl="0" algn="r">
+            <a:pPr marL="0" lvl="0" indent="0" algn="r" rtl="0">
               <a:spcBef>
                 <a:spcPts val="0"/>
               </a:spcBef>
@@ -3523,11 +3658,11 @@
 </file>
 
 <file path=ppt/slideLayouts/slideLayout2.xml><?xml version="1.0" encoding="utf-8"?>
-<p:sldLayout xmlns:a="http://schemas.openxmlformats.org/drawingml/2006/main" xmlns:r="http://schemas.openxmlformats.org/officeDocument/2006/relationships" xmlns:mc="http://schemas.openxmlformats.org/markup-compatibility/2006" xmlns:mv="urn:schemas-microsoft-com:mac:vml" xmlns:p="http://schemas.openxmlformats.org/presentationml/2006/main" xmlns:c="http://schemas.openxmlformats.org/drawingml/2006/chart" xmlns:dgm="http://schemas.openxmlformats.org/drawingml/2006/diagram" xmlns:o="urn:schemas-microsoft-com:office:office" xmlns:v="urn:schemas-microsoft-com:vml" xmlns:pvml="urn:schemas-microsoft-com:office:powerpoint" xmlns:com="http://schemas.openxmlformats.org/drawingml/2006/compatibility" xmlns:p14="http://schemas.microsoft.com/office/powerpoint/2010/main" xmlns:p15="http://schemas.microsoft.com/office/powerpoint/2012/main" xmlns:ahyp="http://schemas.microsoft.com/office/drawing/2018/hyperlinkcolor" matchingName="Section header" type="secHead">
+<p:sldLayout xmlns:a="http://schemas.openxmlformats.org/drawingml/2006/main" xmlns:r="http://schemas.openxmlformats.org/officeDocument/2006/relationships" xmlns:p="http://schemas.openxmlformats.org/presentationml/2006/main" matchingName="Section header" type="secHead">
   <p:cSld name="SECTION_HEADER">
     <p:spTree>
       <p:nvGrpSpPr>
-        <p:cNvPr id="13" name="Shape 13"/>
+        <p:cNvPr id="1" name="Shape 13"/>
         <p:cNvGrpSpPr/>
         <p:nvPr/>
       </p:nvGrpSpPr>
@@ -3542,7 +3677,9 @@
       <p:sp>
         <p:nvSpPr>
           <p:cNvPr id="14" name="Google Shape;14;p3"/>
-          <p:cNvSpPr txBox="1"/>
+          <p:cNvSpPr txBox="1">
+            <a:spLocks noGrp="1"/>
+          </p:cNvSpPr>
           <p:nvPr>
             <p:ph type="title"/>
           </p:nvPr>
@@ -3557,7 +3694,7 @@
           </a:prstGeom>
         </p:spPr>
         <p:txBody>
-          <a:bodyPr anchorCtr="0" anchor="ctr" bIns="91425" lIns="91425" spcFirstLastPara="1" rIns="91425" wrap="square" tIns="91425">
+          <a:bodyPr spcFirstLastPara="1" wrap="square" lIns="91425" tIns="91425" rIns="91425" bIns="91425" anchor="ctr" anchorCtr="0">
             <a:normAutofit/>
           </a:bodyPr>
           <a:lstStyle>
@@ -3661,15 +3798,19 @@
               <a:defRPr sz="3600"/>
             </a:lvl9pPr>
           </a:lstStyle>
-          <a:p/>
+          <a:p>
+            <a:endParaRPr/>
+          </a:p>
         </p:txBody>
       </p:sp>
       <p:sp>
         <p:nvSpPr>
           <p:cNvPr id="15" name="Google Shape;15;p3"/>
-          <p:cNvSpPr txBox="1"/>
+          <p:cNvSpPr txBox="1">
+            <a:spLocks noGrp="1"/>
+          </p:cNvSpPr>
           <p:nvPr>
-            <p:ph idx="12" type="sldNum"/>
+            <p:ph type="sldNum" idx="12"/>
           </p:nvPr>
         </p:nvSpPr>
         <p:spPr>
@@ -3682,7 +3823,7 @@
           </a:prstGeom>
         </p:spPr>
         <p:txBody>
-          <a:bodyPr anchorCtr="0" anchor="ctr" bIns="91425" lIns="91425" spcFirstLastPara="1" rIns="91425" wrap="square" tIns="91425">
+          <a:bodyPr spcFirstLastPara="1" wrap="square" lIns="91425" tIns="91425" rIns="91425" bIns="91425" anchor="ctr" anchorCtr="0">
             <a:normAutofit/>
           </a:bodyPr>
           <a:lstStyle>
@@ -3724,7 +3865,7 @@
             </a:lvl9pPr>
           </a:lstStyle>
           <a:p>
-            <a:pPr indent="0" lvl="0" marL="0" rtl="0" algn="r">
+            <a:pPr marL="0" lvl="0" indent="0" algn="r" rtl="0">
               <a:spcBef>
                 <a:spcPts val="0"/>
               </a:spcBef>
@@ -3750,11 +3891,11 @@
 </file>
 
 <file path=ppt/slideLayouts/slideLayout3.xml><?xml version="1.0" encoding="utf-8"?>
-<p:sldLayout xmlns:a="http://schemas.openxmlformats.org/drawingml/2006/main" xmlns:r="http://schemas.openxmlformats.org/officeDocument/2006/relationships" xmlns:mc="http://schemas.openxmlformats.org/markup-compatibility/2006" xmlns:mv="urn:schemas-microsoft-com:mac:vml" xmlns:p="http://schemas.openxmlformats.org/presentationml/2006/main" xmlns:c="http://schemas.openxmlformats.org/drawingml/2006/chart" xmlns:dgm="http://schemas.openxmlformats.org/drawingml/2006/diagram" xmlns:o="urn:schemas-microsoft-com:office:office" xmlns:v="urn:schemas-microsoft-com:vml" xmlns:pvml="urn:schemas-microsoft-com:office:powerpoint" xmlns:com="http://schemas.openxmlformats.org/drawingml/2006/compatibility" xmlns:p14="http://schemas.microsoft.com/office/powerpoint/2010/main" xmlns:p15="http://schemas.microsoft.com/office/powerpoint/2012/main" xmlns:ahyp="http://schemas.microsoft.com/office/drawing/2018/hyperlinkcolor" matchingName="Title and body" type="tx">
+<p:sldLayout xmlns:a="http://schemas.openxmlformats.org/drawingml/2006/main" xmlns:r="http://schemas.openxmlformats.org/officeDocument/2006/relationships" xmlns:p="http://schemas.openxmlformats.org/presentationml/2006/main" matchingName="Title and body" type="tx">
   <p:cSld name="TITLE_AND_BODY">
     <p:spTree>
       <p:nvGrpSpPr>
-        <p:cNvPr id="16" name="Shape 16"/>
+        <p:cNvPr id="1" name="Shape 16"/>
         <p:cNvGrpSpPr/>
         <p:nvPr/>
       </p:nvGrpSpPr>
@@ -3769,7 +3910,9 @@
       <p:sp>
         <p:nvSpPr>
           <p:cNvPr id="17" name="Google Shape;17;p4"/>
-          <p:cNvSpPr txBox="1"/>
+          <p:cNvSpPr txBox="1">
+            <a:spLocks noGrp="1"/>
+          </p:cNvSpPr>
           <p:nvPr>
             <p:ph type="title"/>
           </p:nvPr>
@@ -3784,7 +3927,7 @@
           </a:prstGeom>
         </p:spPr>
         <p:txBody>
-          <a:bodyPr anchorCtr="0" anchor="t" bIns="91425" lIns="91425" spcFirstLastPara="1" rIns="91425" wrap="square" tIns="91425">
+          <a:bodyPr spcFirstLastPara="1" wrap="square" lIns="91425" tIns="91425" rIns="91425" bIns="91425" anchor="t" anchorCtr="0">
             <a:normAutofit/>
           </a:bodyPr>
           <a:lstStyle>
@@ -3888,15 +4031,19 @@
               <a:defRPr/>
             </a:lvl9pPr>
           </a:lstStyle>
-          <a:p/>
+          <a:p>
+            <a:endParaRPr/>
+          </a:p>
         </p:txBody>
       </p:sp>
       <p:sp>
         <p:nvSpPr>
           <p:cNvPr id="18" name="Google Shape;18;p4"/>
-          <p:cNvSpPr txBox="1"/>
+          <p:cNvSpPr txBox="1">
+            <a:spLocks noGrp="1"/>
+          </p:cNvSpPr>
           <p:nvPr>
-            <p:ph idx="1" type="body"/>
+            <p:ph type="body" idx="1"/>
           </p:nvPr>
         </p:nvSpPr>
         <p:spPr>
@@ -3909,11 +4056,11 @@
           </a:prstGeom>
         </p:spPr>
         <p:txBody>
-          <a:bodyPr anchorCtr="0" anchor="t" bIns="91425" lIns="91425" spcFirstLastPara="1" rIns="91425" wrap="square" tIns="91425">
+          <a:bodyPr spcFirstLastPara="1" wrap="square" lIns="91425" tIns="91425" rIns="91425" bIns="91425" anchor="t" anchorCtr="0">
             <a:normAutofit/>
           </a:bodyPr>
           <a:lstStyle>
-            <a:lvl1pPr indent="-342900" lvl="0" marL="457200">
+            <a:lvl1pPr marL="457200" lvl="0" indent="-342900">
               <a:spcBef>
                 <a:spcPts val="0"/>
               </a:spcBef>
@@ -3924,7 +4071,7 @@
               <a:buChar char="●"/>
               <a:defRPr/>
             </a:lvl1pPr>
-            <a:lvl2pPr indent="-317500" lvl="1" marL="914400">
+            <a:lvl2pPr marL="914400" lvl="1" indent="-317500">
               <a:spcBef>
                 <a:spcPts val="0"/>
               </a:spcBef>
@@ -3935,7 +4082,7 @@
               <a:buChar char="○"/>
               <a:defRPr/>
             </a:lvl2pPr>
-            <a:lvl3pPr indent="-317500" lvl="2" marL="1371600">
+            <a:lvl3pPr marL="1371600" lvl="2" indent="-317500">
               <a:spcBef>
                 <a:spcPts val="0"/>
               </a:spcBef>
@@ -3946,7 +4093,7 @@
               <a:buChar char="■"/>
               <a:defRPr/>
             </a:lvl3pPr>
-            <a:lvl4pPr indent="-317500" lvl="3" marL="1828800">
+            <a:lvl4pPr marL="1828800" lvl="3" indent="-317500">
               <a:spcBef>
                 <a:spcPts val="0"/>
               </a:spcBef>
@@ -3957,7 +4104,7 @@
               <a:buChar char="●"/>
               <a:defRPr/>
             </a:lvl4pPr>
-            <a:lvl5pPr indent="-317500" lvl="4" marL="2286000">
+            <a:lvl5pPr marL="2286000" lvl="4" indent="-317500">
               <a:spcBef>
                 <a:spcPts val="0"/>
               </a:spcBef>
@@ -3968,7 +4115,7 @@
               <a:buChar char="○"/>
               <a:defRPr/>
             </a:lvl5pPr>
-            <a:lvl6pPr indent="-317500" lvl="5" marL="2743200">
+            <a:lvl6pPr marL="2743200" lvl="5" indent="-317500">
               <a:spcBef>
                 <a:spcPts val="0"/>
               </a:spcBef>
@@ -3979,7 +4126,7 @@
               <a:buChar char="■"/>
               <a:defRPr/>
             </a:lvl6pPr>
-            <a:lvl7pPr indent="-317500" lvl="6" marL="3200400">
+            <a:lvl7pPr marL="3200400" lvl="6" indent="-317500">
               <a:spcBef>
                 <a:spcPts val="0"/>
               </a:spcBef>
@@ -3990,7 +4137,7 @@
               <a:buChar char="●"/>
               <a:defRPr/>
             </a:lvl7pPr>
-            <a:lvl8pPr indent="-317500" lvl="7" marL="3657600">
+            <a:lvl8pPr marL="3657600" lvl="7" indent="-317500">
               <a:spcBef>
                 <a:spcPts val="0"/>
               </a:spcBef>
@@ -4001,7 +4148,7 @@
               <a:buChar char="○"/>
               <a:defRPr/>
             </a:lvl8pPr>
-            <a:lvl9pPr indent="-317500" lvl="8" marL="4114800">
+            <a:lvl9pPr marL="4114800" lvl="8" indent="-317500">
               <a:spcBef>
                 <a:spcPts val="0"/>
               </a:spcBef>
@@ -4013,15 +4160,19 @@
               <a:defRPr/>
             </a:lvl9pPr>
           </a:lstStyle>
-          <a:p/>
+          <a:p>
+            <a:endParaRPr/>
+          </a:p>
         </p:txBody>
       </p:sp>
       <p:sp>
         <p:nvSpPr>
           <p:cNvPr id="19" name="Google Shape;19;p4"/>
-          <p:cNvSpPr txBox="1"/>
+          <p:cNvSpPr txBox="1">
+            <a:spLocks noGrp="1"/>
+          </p:cNvSpPr>
           <p:nvPr>
-            <p:ph idx="12" type="sldNum"/>
+            <p:ph type="sldNum" idx="12"/>
           </p:nvPr>
         </p:nvSpPr>
         <p:spPr>
@@ -4034,7 +4185,7 @@
           </a:prstGeom>
         </p:spPr>
         <p:txBody>
-          <a:bodyPr anchorCtr="0" anchor="ctr" bIns="91425" lIns="91425" spcFirstLastPara="1" rIns="91425" wrap="square" tIns="91425">
+          <a:bodyPr spcFirstLastPara="1" wrap="square" lIns="91425" tIns="91425" rIns="91425" bIns="91425" anchor="ctr" anchorCtr="0">
             <a:normAutofit/>
           </a:bodyPr>
           <a:lstStyle>
@@ -4076,7 +4227,7 @@
             </a:lvl9pPr>
           </a:lstStyle>
           <a:p>
-            <a:pPr indent="0" lvl="0" marL="0" rtl="0" algn="r">
+            <a:pPr marL="0" lvl="0" indent="0" algn="r" rtl="0">
               <a:spcBef>
                 <a:spcPts val="0"/>
               </a:spcBef>
@@ -4102,11 +4253,11 @@
 </file>
 
 <file path=ppt/slideLayouts/slideLayout4.xml><?xml version="1.0" encoding="utf-8"?>
-<p:sldLayout xmlns:a="http://schemas.openxmlformats.org/drawingml/2006/main" xmlns:r="http://schemas.openxmlformats.org/officeDocument/2006/relationships" xmlns:mc="http://schemas.openxmlformats.org/markup-compatibility/2006" xmlns:mv="urn:schemas-microsoft-com:mac:vml" xmlns:p="http://schemas.openxmlformats.org/presentationml/2006/main" xmlns:c="http://schemas.openxmlformats.org/drawingml/2006/chart" xmlns:dgm="http://schemas.openxmlformats.org/drawingml/2006/diagram" xmlns:o="urn:schemas-microsoft-com:office:office" xmlns:v="urn:schemas-microsoft-com:vml" xmlns:pvml="urn:schemas-microsoft-com:office:powerpoint" xmlns:com="http://schemas.openxmlformats.org/drawingml/2006/compatibility" xmlns:p14="http://schemas.microsoft.com/office/powerpoint/2010/main" xmlns:p15="http://schemas.microsoft.com/office/powerpoint/2012/main" xmlns:ahyp="http://schemas.microsoft.com/office/drawing/2018/hyperlinkcolor" matchingName="Title and two columns" type="twoColTx">
+<p:sldLayout xmlns:a="http://schemas.openxmlformats.org/drawingml/2006/main" xmlns:r="http://schemas.openxmlformats.org/officeDocument/2006/relationships" xmlns:p="http://schemas.openxmlformats.org/presentationml/2006/main" matchingName="Title and two columns" type="twoColTx">
   <p:cSld name="TITLE_AND_TWO_COLUMNS">
     <p:spTree>
       <p:nvGrpSpPr>
-        <p:cNvPr id="20" name="Shape 20"/>
+        <p:cNvPr id="1" name="Shape 20"/>
         <p:cNvGrpSpPr/>
         <p:nvPr/>
       </p:nvGrpSpPr>
@@ -4121,7 +4272,9 @@
       <p:sp>
         <p:nvSpPr>
           <p:cNvPr id="21" name="Google Shape;21;p5"/>
-          <p:cNvSpPr txBox="1"/>
+          <p:cNvSpPr txBox="1">
+            <a:spLocks noGrp="1"/>
+          </p:cNvSpPr>
           <p:nvPr>
             <p:ph type="title"/>
           </p:nvPr>
@@ -4136,7 +4289,7 @@
           </a:prstGeom>
         </p:spPr>
         <p:txBody>
-          <a:bodyPr anchorCtr="0" anchor="t" bIns="91425" lIns="91425" spcFirstLastPara="1" rIns="91425" wrap="square" tIns="91425">
+          <a:bodyPr spcFirstLastPara="1" wrap="square" lIns="91425" tIns="91425" rIns="91425" bIns="91425" anchor="t" anchorCtr="0">
             <a:normAutofit/>
           </a:bodyPr>
           <a:lstStyle>
@@ -4240,15 +4393,19 @@
               <a:defRPr/>
             </a:lvl9pPr>
           </a:lstStyle>
-          <a:p/>
+          <a:p>
+            <a:endParaRPr/>
+          </a:p>
         </p:txBody>
       </p:sp>
       <p:sp>
         <p:nvSpPr>
           <p:cNvPr id="22" name="Google Shape;22;p5"/>
-          <p:cNvSpPr txBox="1"/>
+          <p:cNvSpPr txBox="1">
+            <a:spLocks noGrp="1"/>
+          </p:cNvSpPr>
           <p:nvPr>
-            <p:ph idx="1" type="body"/>
+            <p:ph type="body" idx="1"/>
           </p:nvPr>
         </p:nvSpPr>
         <p:spPr>
@@ -4261,11 +4418,11 @@
           </a:prstGeom>
         </p:spPr>
         <p:txBody>
-          <a:bodyPr anchorCtr="0" anchor="t" bIns="91425" lIns="91425" spcFirstLastPara="1" rIns="91425" wrap="square" tIns="91425">
+          <a:bodyPr spcFirstLastPara="1" wrap="square" lIns="91425" tIns="91425" rIns="91425" bIns="91425" anchor="t" anchorCtr="0">
             <a:normAutofit/>
           </a:bodyPr>
           <a:lstStyle>
-            <a:lvl1pPr indent="-317500" lvl="0" marL="457200">
+            <a:lvl1pPr marL="457200" lvl="0" indent="-317500">
               <a:spcBef>
                 <a:spcPts val="0"/>
               </a:spcBef>
@@ -4276,7 +4433,7 @@
               <a:buChar char="●"/>
               <a:defRPr sz="1400"/>
             </a:lvl1pPr>
-            <a:lvl2pPr indent="-304800" lvl="1" marL="914400">
+            <a:lvl2pPr marL="914400" lvl="1" indent="-304800">
               <a:spcBef>
                 <a:spcPts val="0"/>
               </a:spcBef>
@@ -4287,7 +4444,7 @@
               <a:buChar char="○"/>
               <a:defRPr sz="1200"/>
             </a:lvl2pPr>
-            <a:lvl3pPr indent="-304800" lvl="2" marL="1371600">
+            <a:lvl3pPr marL="1371600" lvl="2" indent="-304800">
               <a:spcBef>
                 <a:spcPts val="0"/>
               </a:spcBef>
@@ -4298,7 +4455,7 @@
               <a:buChar char="■"/>
               <a:defRPr sz="1200"/>
             </a:lvl3pPr>
-            <a:lvl4pPr indent="-304800" lvl="3" marL="1828800">
+            <a:lvl4pPr marL="1828800" lvl="3" indent="-304800">
               <a:spcBef>
                 <a:spcPts val="0"/>
               </a:spcBef>
@@ -4309,7 +4466,7 @@
               <a:buChar char="●"/>
               <a:defRPr sz="1200"/>
             </a:lvl4pPr>
-            <a:lvl5pPr indent="-304800" lvl="4" marL="2286000">
+            <a:lvl5pPr marL="2286000" lvl="4" indent="-304800">
               <a:spcBef>
                 <a:spcPts val="0"/>
               </a:spcBef>
@@ -4320,7 +4477,7 @@
               <a:buChar char="○"/>
               <a:defRPr sz="1200"/>
             </a:lvl5pPr>
-            <a:lvl6pPr indent="-304800" lvl="5" marL="2743200">
+            <a:lvl6pPr marL="2743200" lvl="5" indent="-304800">
               <a:spcBef>
                 <a:spcPts val="0"/>
               </a:spcBef>
@@ -4331,7 +4488,7 @@
               <a:buChar char="■"/>
               <a:defRPr sz="1200"/>
             </a:lvl6pPr>
-            <a:lvl7pPr indent="-304800" lvl="6" marL="3200400">
+            <a:lvl7pPr marL="3200400" lvl="6" indent="-304800">
               <a:spcBef>
                 <a:spcPts val="0"/>
               </a:spcBef>
@@ -4342,7 +4499,7 @@
               <a:buChar char="●"/>
               <a:defRPr sz="1200"/>
             </a:lvl7pPr>
-            <a:lvl8pPr indent="-304800" lvl="7" marL="3657600">
+            <a:lvl8pPr marL="3657600" lvl="7" indent="-304800">
               <a:spcBef>
                 <a:spcPts val="0"/>
               </a:spcBef>
@@ -4353,7 +4510,7 @@
               <a:buChar char="○"/>
               <a:defRPr sz="1200"/>
             </a:lvl8pPr>
-            <a:lvl9pPr indent="-304800" lvl="8" marL="4114800">
+            <a:lvl9pPr marL="4114800" lvl="8" indent="-304800">
               <a:spcBef>
                 <a:spcPts val="0"/>
               </a:spcBef>
@@ -4365,15 +4522,19 @@
               <a:defRPr sz="1200"/>
             </a:lvl9pPr>
           </a:lstStyle>
-          <a:p/>
+          <a:p>
+            <a:endParaRPr/>
+          </a:p>
         </p:txBody>
       </p:sp>
       <p:sp>
         <p:nvSpPr>
           <p:cNvPr id="23" name="Google Shape;23;p5"/>
-          <p:cNvSpPr txBox="1"/>
+          <p:cNvSpPr txBox="1">
+            <a:spLocks noGrp="1"/>
+          </p:cNvSpPr>
           <p:nvPr>
-            <p:ph idx="2" type="body"/>
+            <p:ph type="body" idx="2"/>
           </p:nvPr>
         </p:nvSpPr>
         <p:spPr>
@@ -4386,11 +4547,11 @@
           </a:prstGeom>
         </p:spPr>
         <p:txBody>
-          <a:bodyPr anchorCtr="0" anchor="t" bIns="91425" lIns="91425" spcFirstLastPara="1" rIns="91425" wrap="square" tIns="91425">
+          <a:bodyPr spcFirstLastPara="1" wrap="square" lIns="91425" tIns="91425" rIns="91425" bIns="91425" anchor="t" anchorCtr="0">
             <a:normAutofit/>
           </a:bodyPr>
           <a:lstStyle>
-            <a:lvl1pPr indent="-317500" lvl="0" marL="457200">
+            <a:lvl1pPr marL="457200" lvl="0" indent="-317500">
               <a:spcBef>
                 <a:spcPts val="0"/>
               </a:spcBef>
@@ -4401,7 +4562,7 @@
               <a:buChar char="●"/>
               <a:defRPr sz="1400"/>
             </a:lvl1pPr>
-            <a:lvl2pPr indent="-304800" lvl="1" marL="914400">
+            <a:lvl2pPr marL="914400" lvl="1" indent="-304800">
               <a:spcBef>
                 <a:spcPts val="0"/>
               </a:spcBef>
@@ -4412,7 +4573,7 @@
               <a:buChar char="○"/>
               <a:defRPr sz="1200"/>
             </a:lvl2pPr>
-            <a:lvl3pPr indent="-304800" lvl="2" marL="1371600">
+            <a:lvl3pPr marL="1371600" lvl="2" indent="-304800">
               <a:spcBef>
                 <a:spcPts val="0"/>
               </a:spcBef>
@@ -4423,7 +4584,7 @@
               <a:buChar char="■"/>
               <a:defRPr sz="1200"/>
             </a:lvl3pPr>
-            <a:lvl4pPr indent="-304800" lvl="3" marL="1828800">
+            <a:lvl4pPr marL="1828800" lvl="3" indent="-304800">
               <a:spcBef>
                 <a:spcPts val="0"/>
               </a:spcBef>
@@ -4434,7 +4595,7 @@
               <a:buChar char="●"/>
               <a:defRPr sz="1200"/>
             </a:lvl4pPr>
-            <a:lvl5pPr indent="-304800" lvl="4" marL="2286000">
+            <a:lvl5pPr marL="2286000" lvl="4" indent="-304800">
               <a:spcBef>
                 <a:spcPts val="0"/>
               </a:spcBef>
@@ -4445,7 +4606,7 @@
               <a:buChar char="○"/>
               <a:defRPr sz="1200"/>
             </a:lvl5pPr>
-            <a:lvl6pPr indent="-304800" lvl="5" marL="2743200">
+            <a:lvl6pPr marL="2743200" lvl="5" indent="-304800">
               <a:spcBef>
                 <a:spcPts val="0"/>
               </a:spcBef>
@@ -4456,7 +4617,7 @@
               <a:buChar char="■"/>
               <a:defRPr sz="1200"/>
             </a:lvl6pPr>
-            <a:lvl7pPr indent="-304800" lvl="6" marL="3200400">
+            <a:lvl7pPr marL="3200400" lvl="6" indent="-304800">
               <a:spcBef>
                 <a:spcPts val="0"/>
               </a:spcBef>
@@ -4467,7 +4628,7 @@
               <a:buChar char="●"/>
               <a:defRPr sz="1200"/>
             </a:lvl7pPr>
-            <a:lvl8pPr indent="-304800" lvl="7" marL="3657600">
+            <a:lvl8pPr marL="3657600" lvl="7" indent="-304800">
               <a:spcBef>
                 <a:spcPts val="0"/>
               </a:spcBef>
@@ -4478,7 +4639,7 @@
               <a:buChar char="○"/>
               <a:defRPr sz="1200"/>
             </a:lvl8pPr>
-            <a:lvl9pPr indent="-304800" lvl="8" marL="4114800">
+            <a:lvl9pPr marL="4114800" lvl="8" indent="-304800">
               <a:spcBef>
                 <a:spcPts val="0"/>
               </a:spcBef>
@@ -4490,15 +4651,19 @@
               <a:defRPr sz="1200"/>
             </a:lvl9pPr>
           </a:lstStyle>
-          <a:p/>
+          <a:p>
+            <a:endParaRPr/>
+          </a:p>
         </p:txBody>
       </p:sp>
       <p:sp>
         <p:nvSpPr>
           <p:cNvPr id="24" name="Google Shape;24;p5"/>
-          <p:cNvSpPr txBox="1"/>
+          <p:cNvSpPr txBox="1">
+            <a:spLocks noGrp="1"/>
+          </p:cNvSpPr>
           <p:nvPr>
-            <p:ph idx="12" type="sldNum"/>
+            <p:ph type="sldNum" idx="12"/>
           </p:nvPr>
         </p:nvSpPr>
         <p:spPr>
@@ -4511,7 +4676,7 @@
           </a:prstGeom>
         </p:spPr>
         <p:txBody>
-          <a:bodyPr anchorCtr="0" anchor="ctr" bIns="91425" lIns="91425" spcFirstLastPara="1" rIns="91425" wrap="square" tIns="91425">
+          <a:bodyPr spcFirstLastPara="1" wrap="square" lIns="91425" tIns="91425" rIns="91425" bIns="91425" anchor="ctr" anchorCtr="0">
             <a:normAutofit/>
           </a:bodyPr>
           <a:lstStyle>
@@ -4553,7 +4718,7 @@
             </a:lvl9pPr>
           </a:lstStyle>
           <a:p>
-            <a:pPr indent="0" lvl="0" marL="0" rtl="0" algn="r">
+            <a:pPr marL="0" lvl="0" indent="0" algn="r" rtl="0">
               <a:spcBef>
                 <a:spcPts val="0"/>
               </a:spcBef>
@@ -4579,11 +4744,11 @@
 </file>
 
 <file path=ppt/slideLayouts/slideLayout5.xml><?xml version="1.0" encoding="utf-8"?>
-<p:sldLayout xmlns:a="http://schemas.openxmlformats.org/drawingml/2006/main" xmlns:r="http://schemas.openxmlformats.org/officeDocument/2006/relationships" xmlns:mc="http://schemas.openxmlformats.org/markup-compatibility/2006" xmlns:mv="urn:schemas-microsoft-com:mac:vml" xmlns:p="http://schemas.openxmlformats.org/presentationml/2006/main" xmlns:c="http://schemas.openxmlformats.org/drawingml/2006/chart" xmlns:dgm="http://schemas.openxmlformats.org/drawingml/2006/diagram" xmlns:o="urn:schemas-microsoft-com:office:office" xmlns:v="urn:schemas-microsoft-com:vml" xmlns:pvml="urn:schemas-microsoft-com:office:powerpoint" xmlns:com="http://schemas.openxmlformats.org/drawingml/2006/compatibility" xmlns:p14="http://schemas.microsoft.com/office/powerpoint/2010/main" xmlns:p15="http://schemas.microsoft.com/office/powerpoint/2012/main" xmlns:ahyp="http://schemas.microsoft.com/office/drawing/2018/hyperlinkcolor" matchingName="Title only" type="titleOnly">
+<p:sldLayout xmlns:a="http://schemas.openxmlformats.org/drawingml/2006/main" xmlns:r="http://schemas.openxmlformats.org/officeDocument/2006/relationships" xmlns:p="http://schemas.openxmlformats.org/presentationml/2006/main" matchingName="Title only" type="titleOnly">
   <p:cSld name="TITLE_ONLY">
     <p:spTree>
       <p:nvGrpSpPr>
-        <p:cNvPr id="25" name="Shape 25"/>
+        <p:cNvPr id="1" name="Shape 25"/>
         <p:cNvGrpSpPr/>
         <p:nvPr/>
       </p:nvGrpSpPr>
@@ -4598,7 +4763,9 @@
       <p:sp>
         <p:nvSpPr>
           <p:cNvPr id="26" name="Google Shape;26;p6"/>
-          <p:cNvSpPr txBox="1"/>
+          <p:cNvSpPr txBox="1">
+            <a:spLocks noGrp="1"/>
+          </p:cNvSpPr>
           <p:nvPr>
             <p:ph type="title"/>
           </p:nvPr>
@@ -4613,7 +4780,7 @@
           </a:prstGeom>
         </p:spPr>
         <p:txBody>
-          <a:bodyPr anchorCtr="0" anchor="t" bIns="91425" lIns="91425" spcFirstLastPara="1" rIns="91425" wrap="square" tIns="91425">
+          <a:bodyPr spcFirstLastPara="1" wrap="square" lIns="91425" tIns="91425" rIns="91425" bIns="91425" anchor="t" anchorCtr="0">
             <a:normAutofit/>
           </a:bodyPr>
           <a:lstStyle>
@@ -4717,15 +4884,19 @@
               <a:defRPr/>
             </a:lvl9pPr>
           </a:lstStyle>
-          <a:p/>
+          <a:p>
+            <a:endParaRPr/>
+          </a:p>
         </p:txBody>
       </p:sp>
       <p:sp>
         <p:nvSpPr>
           <p:cNvPr id="27" name="Google Shape;27;p6"/>
-          <p:cNvSpPr txBox="1"/>
+          <p:cNvSpPr txBox="1">
+            <a:spLocks noGrp="1"/>
+          </p:cNvSpPr>
           <p:nvPr>
-            <p:ph idx="12" type="sldNum"/>
+            <p:ph type="sldNum" idx="12"/>
           </p:nvPr>
         </p:nvSpPr>
         <p:spPr>
@@ -4738,7 +4909,7 @@
           </a:prstGeom>
         </p:spPr>
         <p:txBody>
-          <a:bodyPr anchorCtr="0" anchor="ctr" bIns="91425" lIns="91425" spcFirstLastPara="1" rIns="91425" wrap="square" tIns="91425">
+          <a:bodyPr spcFirstLastPara="1" wrap="square" lIns="91425" tIns="91425" rIns="91425" bIns="91425" anchor="ctr" anchorCtr="0">
             <a:normAutofit/>
           </a:bodyPr>
           <a:lstStyle>
@@ -4780,7 +4951,7 @@
             </a:lvl9pPr>
           </a:lstStyle>
           <a:p>
-            <a:pPr indent="0" lvl="0" marL="0" rtl="0" algn="r">
+            <a:pPr marL="0" lvl="0" indent="0" algn="r" rtl="0">
               <a:spcBef>
                 <a:spcPts val="0"/>
               </a:spcBef>
@@ -4806,11 +4977,11 @@
 </file>
 
 <file path=ppt/slideLayouts/slideLayout6.xml><?xml version="1.0" encoding="utf-8"?>
-<p:sldLayout xmlns:a="http://schemas.openxmlformats.org/drawingml/2006/main" xmlns:r="http://schemas.openxmlformats.org/officeDocument/2006/relationships" xmlns:mc="http://schemas.openxmlformats.org/markup-compatibility/2006" xmlns:mv="urn:schemas-microsoft-com:mac:vml" xmlns:p="http://schemas.openxmlformats.org/presentationml/2006/main" xmlns:c="http://schemas.openxmlformats.org/drawingml/2006/chart" xmlns:dgm="http://schemas.openxmlformats.org/drawingml/2006/diagram" xmlns:o="urn:schemas-microsoft-com:office:office" xmlns:v="urn:schemas-microsoft-com:vml" xmlns:pvml="urn:schemas-microsoft-com:office:powerpoint" xmlns:com="http://schemas.openxmlformats.org/drawingml/2006/compatibility" xmlns:p14="http://schemas.microsoft.com/office/powerpoint/2010/main" xmlns:p15="http://schemas.microsoft.com/office/powerpoint/2012/main" xmlns:ahyp="http://schemas.microsoft.com/office/drawing/2018/hyperlinkcolor" matchingName="One column text">
+<p:sldLayout xmlns:a="http://schemas.openxmlformats.org/drawingml/2006/main" xmlns:r="http://schemas.openxmlformats.org/officeDocument/2006/relationships" xmlns:p="http://schemas.openxmlformats.org/presentationml/2006/main" matchingName="One column text">
   <p:cSld name="ONE_COLUMN_TEXT">
     <p:spTree>
       <p:nvGrpSpPr>
-        <p:cNvPr id="28" name="Shape 28"/>
+        <p:cNvPr id="1" name="Shape 28"/>
         <p:cNvGrpSpPr/>
         <p:nvPr/>
       </p:nvGrpSpPr>
@@ -4825,7 +4996,9 @@
       <p:sp>
         <p:nvSpPr>
           <p:cNvPr id="29" name="Google Shape;29;p7"/>
-          <p:cNvSpPr txBox="1"/>
+          <p:cNvSpPr txBox="1">
+            <a:spLocks noGrp="1"/>
+          </p:cNvSpPr>
           <p:nvPr>
             <p:ph type="title"/>
           </p:nvPr>
@@ -4840,7 +5013,7 @@
           </a:prstGeom>
         </p:spPr>
         <p:txBody>
-          <a:bodyPr anchorCtr="0" anchor="b" bIns="91425" lIns="91425" spcFirstLastPara="1" rIns="91425" wrap="square" tIns="91425">
+          <a:bodyPr spcFirstLastPara="1" wrap="square" lIns="91425" tIns="91425" rIns="91425" bIns="91425" anchor="b" anchorCtr="0">
             <a:normAutofit/>
           </a:bodyPr>
           <a:lstStyle>
@@ -4944,15 +5117,19 @@
               <a:defRPr sz="2400"/>
             </a:lvl9pPr>
           </a:lstStyle>
-          <a:p/>
+          <a:p>
+            <a:endParaRPr/>
+          </a:p>
         </p:txBody>
       </p:sp>
       <p:sp>
         <p:nvSpPr>
           <p:cNvPr id="30" name="Google Shape;30;p7"/>
-          <p:cNvSpPr txBox="1"/>
+          <p:cNvSpPr txBox="1">
+            <a:spLocks noGrp="1"/>
+          </p:cNvSpPr>
           <p:nvPr>
-            <p:ph idx="1" type="body"/>
+            <p:ph type="body" idx="1"/>
           </p:nvPr>
         </p:nvSpPr>
         <p:spPr>
@@ -4965,11 +5142,11 @@
           </a:prstGeom>
         </p:spPr>
         <p:txBody>
-          <a:bodyPr anchorCtr="0" anchor="t" bIns="91425" lIns="91425" spcFirstLastPara="1" rIns="91425" wrap="square" tIns="91425">
+          <a:bodyPr spcFirstLastPara="1" wrap="square" lIns="91425" tIns="91425" rIns="91425" bIns="91425" anchor="t" anchorCtr="0">
             <a:normAutofit/>
           </a:bodyPr>
           <a:lstStyle>
-            <a:lvl1pPr indent="-304800" lvl="0" marL="457200">
+            <a:lvl1pPr marL="457200" lvl="0" indent="-304800">
               <a:spcBef>
                 <a:spcPts val="0"/>
               </a:spcBef>
@@ -4980,7 +5157,7 @@
               <a:buChar char="●"/>
               <a:defRPr sz="1200"/>
             </a:lvl1pPr>
-            <a:lvl2pPr indent="-304800" lvl="1" marL="914400">
+            <a:lvl2pPr marL="914400" lvl="1" indent="-304800">
               <a:spcBef>
                 <a:spcPts val="0"/>
               </a:spcBef>
@@ -4991,7 +5168,7 @@
               <a:buChar char="○"/>
               <a:defRPr sz="1200"/>
             </a:lvl2pPr>
-            <a:lvl3pPr indent="-304800" lvl="2" marL="1371600">
+            <a:lvl3pPr marL="1371600" lvl="2" indent="-304800">
               <a:spcBef>
                 <a:spcPts val="0"/>
               </a:spcBef>
@@ -5002,7 +5179,7 @@
               <a:buChar char="■"/>
               <a:defRPr sz="1200"/>
             </a:lvl3pPr>
-            <a:lvl4pPr indent="-304800" lvl="3" marL="1828800">
+            <a:lvl4pPr marL="1828800" lvl="3" indent="-304800">
               <a:spcBef>
                 <a:spcPts val="0"/>
               </a:spcBef>
@@ -5013,7 +5190,7 @@
               <a:buChar char="●"/>
               <a:defRPr sz="1200"/>
             </a:lvl4pPr>
-            <a:lvl5pPr indent="-304800" lvl="4" marL="2286000">
+            <a:lvl5pPr marL="2286000" lvl="4" indent="-304800">
               <a:spcBef>
                 <a:spcPts val="0"/>
               </a:spcBef>
@@ -5024,7 +5201,7 @@
               <a:buChar char="○"/>
               <a:defRPr sz="1200"/>
             </a:lvl5pPr>
-            <a:lvl6pPr indent="-304800" lvl="5" marL="2743200">
+            <a:lvl6pPr marL="2743200" lvl="5" indent="-304800">
               <a:spcBef>
                 <a:spcPts val="0"/>
               </a:spcBef>
@@ -5035,7 +5212,7 @@
               <a:buChar char="■"/>
               <a:defRPr sz="1200"/>
             </a:lvl6pPr>
-            <a:lvl7pPr indent="-304800" lvl="6" marL="3200400">
+            <a:lvl7pPr marL="3200400" lvl="6" indent="-304800">
               <a:spcBef>
                 <a:spcPts val="0"/>
               </a:spcBef>
@@ -5046,7 +5223,7 @@
               <a:buChar char="●"/>
               <a:defRPr sz="1200"/>
             </a:lvl7pPr>
-            <a:lvl8pPr indent="-304800" lvl="7" marL="3657600">
+            <a:lvl8pPr marL="3657600" lvl="7" indent="-304800">
               <a:spcBef>
                 <a:spcPts val="0"/>
               </a:spcBef>
@@ -5057,7 +5234,7 @@
               <a:buChar char="○"/>
               <a:defRPr sz="1200"/>
             </a:lvl8pPr>
-            <a:lvl9pPr indent="-304800" lvl="8" marL="4114800">
+            <a:lvl9pPr marL="4114800" lvl="8" indent="-304800">
               <a:spcBef>
                 <a:spcPts val="0"/>
               </a:spcBef>
@@ -5069,15 +5246,19 @@
               <a:defRPr sz="1200"/>
             </a:lvl9pPr>
           </a:lstStyle>
-          <a:p/>
+          <a:p>
+            <a:endParaRPr/>
+          </a:p>
         </p:txBody>
       </p:sp>
       <p:sp>
         <p:nvSpPr>
           <p:cNvPr id="31" name="Google Shape;31;p7"/>
-          <p:cNvSpPr txBox="1"/>
+          <p:cNvSpPr txBox="1">
+            <a:spLocks noGrp="1"/>
+          </p:cNvSpPr>
           <p:nvPr>
-            <p:ph idx="12" type="sldNum"/>
+            <p:ph type="sldNum" idx="12"/>
           </p:nvPr>
         </p:nvSpPr>
         <p:spPr>
@@ -5090,7 +5271,7 @@
           </a:prstGeom>
         </p:spPr>
         <p:txBody>
-          <a:bodyPr anchorCtr="0" anchor="ctr" bIns="91425" lIns="91425" spcFirstLastPara="1" rIns="91425" wrap="square" tIns="91425">
+          <a:bodyPr spcFirstLastPara="1" wrap="square" lIns="91425" tIns="91425" rIns="91425" bIns="91425" anchor="ctr" anchorCtr="0">
             <a:normAutofit/>
           </a:bodyPr>
           <a:lstStyle>
@@ -5132,7 +5313,7 @@
             </a:lvl9pPr>
           </a:lstStyle>
           <a:p>
-            <a:pPr indent="0" lvl="0" marL="0" rtl="0" algn="r">
+            <a:pPr marL="0" lvl="0" indent="0" algn="r" rtl="0">
               <a:spcBef>
                 <a:spcPts val="0"/>
               </a:spcBef>
@@ -5158,11 +5339,11 @@
 </file>
 
 <file path=ppt/slideLayouts/slideLayout7.xml><?xml version="1.0" encoding="utf-8"?>
-<p:sldLayout xmlns:a="http://schemas.openxmlformats.org/drawingml/2006/main" xmlns:r="http://schemas.openxmlformats.org/officeDocument/2006/relationships" xmlns:mc="http://schemas.openxmlformats.org/markup-compatibility/2006" xmlns:mv="urn:schemas-microsoft-com:mac:vml" xmlns:p="http://schemas.openxmlformats.org/presentationml/2006/main" xmlns:c="http://schemas.openxmlformats.org/drawingml/2006/chart" xmlns:dgm="http://schemas.openxmlformats.org/drawingml/2006/diagram" xmlns:o="urn:schemas-microsoft-com:office:office" xmlns:v="urn:schemas-microsoft-com:vml" xmlns:pvml="urn:schemas-microsoft-com:office:powerpoint" xmlns:com="http://schemas.openxmlformats.org/drawingml/2006/compatibility" xmlns:p14="http://schemas.microsoft.com/office/powerpoint/2010/main" xmlns:p15="http://schemas.microsoft.com/office/powerpoint/2012/main" xmlns:ahyp="http://schemas.microsoft.com/office/drawing/2018/hyperlinkcolor" matchingName="Main point">
+<p:sldLayout xmlns:a="http://schemas.openxmlformats.org/drawingml/2006/main" xmlns:r="http://schemas.openxmlformats.org/officeDocument/2006/relationships" xmlns:p="http://schemas.openxmlformats.org/presentationml/2006/main" matchingName="Main point">
   <p:cSld name="MAIN_POINT">
     <p:spTree>
       <p:nvGrpSpPr>
-        <p:cNvPr id="32" name="Shape 32"/>
+        <p:cNvPr id="1" name="Shape 32"/>
         <p:cNvGrpSpPr/>
         <p:nvPr/>
       </p:nvGrpSpPr>
@@ -5177,7 +5358,9 @@
       <p:sp>
         <p:nvSpPr>
           <p:cNvPr id="33" name="Google Shape;33;p8"/>
-          <p:cNvSpPr txBox="1"/>
+          <p:cNvSpPr txBox="1">
+            <a:spLocks noGrp="1"/>
+          </p:cNvSpPr>
           <p:nvPr>
             <p:ph type="title"/>
           </p:nvPr>
@@ -5192,7 +5375,7 @@
           </a:prstGeom>
         </p:spPr>
         <p:txBody>
-          <a:bodyPr anchorCtr="0" anchor="ctr" bIns="91425" lIns="91425" spcFirstLastPara="1" rIns="91425" wrap="square" tIns="91425">
+          <a:bodyPr spcFirstLastPara="1" wrap="square" lIns="91425" tIns="91425" rIns="91425" bIns="91425" anchor="ctr" anchorCtr="0">
             <a:normAutofit/>
           </a:bodyPr>
           <a:lstStyle>
@@ -5296,15 +5479,19 @@
               <a:defRPr sz="4800"/>
             </a:lvl9pPr>
           </a:lstStyle>
-          <a:p/>
+          <a:p>
+            <a:endParaRPr/>
+          </a:p>
         </p:txBody>
       </p:sp>
       <p:sp>
         <p:nvSpPr>
           <p:cNvPr id="34" name="Google Shape;34;p8"/>
-          <p:cNvSpPr txBox="1"/>
+          <p:cNvSpPr txBox="1">
+            <a:spLocks noGrp="1"/>
+          </p:cNvSpPr>
           <p:nvPr>
-            <p:ph idx="12" type="sldNum"/>
+            <p:ph type="sldNum" idx="12"/>
           </p:nvPr>
         </p:nvSpPr>
         <p:spPr>
@@ -5317,7 +5504,7 @@
           </a:prstGeom>
         </p:spPr>
         <p:txBody>
-          <a:bodyPr anchorCtr="0" anchor="ctr" bIns="91425" lIns="91425" spcFirstLastPara="1" rIns="91425" wrap="square" tIns="91425">
+          <a:bodyPr spcFirstLastPara="1" wrap="square" lIns="91425" tIns="91425" rIns="91425" bIns="91425" anchor="ctr" anchorCtr="0">
             <a:normAutofit/>
           </a:bodyPr>
           <a:lstStyle>
@@ -5359,7 +5546,7 @@
             </a:lvl9pPr>
           </a:lstStyle>
           <a:p>
-            <a:pPr indent="0" lvl="0" marL="0" rtl="0" algn="r">
+            <a:pPr marL="0" lvl="0" indent="0" algn="r" rtl="0">
               <a:spcBef>
                 <a:spcPts val="0"/>
               </a:spcBef>
@@ -5385,11 +5572,11 @@
 </file>
 
 <file path=ppt/slideLayouts/slideLayout8.xml><?xml version="1.0" encoding="utf-8"?>
-<p:sldLayout xmlns:a="http://schemas.openxmlformats.org/drawingml/2006/main" xmlns:r="http://schemas.openxmlformats.org/officeDocument/2006/relationships" xmlns:mc="http://schemas.openxmlformats.org/markup-compatibility/2006" xmlns:mv="urn:schemas-microsoft-com:mac:vml" xmlns:p="http://schemas.openxmlformats.org/presentationml/2006/main" xmlns:c="http://schemas.openxmlformats.org/drawingml/2006/chart" xmlns:dgm="http://schemas.openxmlformats.org/drawingml/2006/diagram" xmlns:o="urn:schemas-microsoft-com:office:office" xmlns:v="urn:schemas-microsoft-com:vml" xmlns:pvml="urn:schemas-microsoft-com:office:powerpoint" xmlns:com="http://schemas.openxmlformats.org/drawingml/2006/compatibility" xmlns:p14="http://schemas.microsoft.com/office/powerpoint/2010/main" xmlns:p15="http://schemas.microsoft.com/office/powerpoint/2012/main" xmlns:ahyp="http://schemas.microsoft.com/office/drawing/2018/hyperlinkcolor" matchingName="Section title and description">
+<p:sldLayout xmlns:a="http://schemas.openxmlformats.org/drawingml/2006/main" xmlns:r="http://schemas.openxmlformats.org/officeDocument/2006/relationships" xmlns:p="http://schemas.openxmlformats.org/presentationml/2006/main" matchingName="Section title and description">
   <p:cSld name="SECTION_TITLE_AND_DESCRIPTION">
     <p:spTree>
       <p:nvGrpSpPr>
-        <p:cNvPr id="35" name="Shape 35"/>
+        <p:cNvPr id="1" name="Shape 35"/>
         <p:cNvGrpSpPr/>
         <p:nvPr/>
       </p:nvGrpSpPr>
@@ -5423,23 +5610,20 @@
           </a:ln>
         </p:spPr>
         <p:txBody>
-          <a:bodyPr anchorCtr="0" anchor="ctr" bIns="91425" lIns="91425" spcFirstLastPara="1" rIns="91425" wrap="square" tIns="91425">
+          <a:bodyPr spcFirstLastPara="1" wrap="square" lIns="91425" tIns="91425" rIns="91425" bIns="91425" anchor="ctr" anchorCtr="0">
             <a:noAutofit/>
           </a:bodyPr>
           <a:lstStyle/>
           <a:p>
-            <a:pPr indent="0" lvl="0" marL="0" rtl="0" algn="l">
-              <a:spcBef>
-                <a:spcPts val="0"/>
-              </a:spcBef>
-              <a:spcAft>
-                <a:spcPts val="0"/>
-              </a:spcAft>
-              <a:buNone/>
-            </a:pPr>
-            <a:r>
-              <a:t/>
-            </a:r>
+            <a:pPr marL="0" lvl="0" indent="0" algn="l" rtl="0">
+              <a:spcBef>
+                <a:spcPts val="0"/>
+              </a:spcBef>
+              <a:spcAft>
+                <a:spcPts val="0"/>
+              </a:spcAft>
+              <a:buNone/>
+            </a:pPr>
             <a:endParaRPr/>
           </a:p>
         </p:txBody>
@@ -5447,7 +5631,9 @@
       <p:sp>
         <p:nvSpPr>
           <p:cNvPr id="37" name="Google Shape;37;p9"/>
-          <p:cNvSpPr txBox="1"/>
+          <p:cNvSpPr txBox="1">
+            <a:spLocks noGrp="1"/>
+          </p:cNvSpPr>
           <p:nvPr>
             <p:ph type="title"/>
           </p:nvPr>
@@ -5462,7 +5648,7 @@
           </a:prstGeom>
         </p:spPr>
         <p:txBody>
-          <a:bodyPr anchorCtr="0" anchor="b" bIns="91425" lIns="91425" spcFirstLastPara="1" rIns="91425" wrap="square" tIns="91425">
+          <a:bodyPr spcFirstLastPara="1" wrap="square" lIns="91425" tIns="91425" rIns="91425" bIns="91425" anchor="b" anchorCtr="0">
             <a:normAutofit/>
           </a:bodyPr>
           <a:lstStyle>
@@ -5566,15 +5752,19 @@
               <a:defRPr sz="4200"/>
             </a:lvl9pPr>
           </a:lstStyle>
-          <a:p/>
+          <a:p>
+            <a:endParaRPr/>
+          </a:p>
         </p:txBody>
       </p:sp>
       <p:sp>
         <p:nvSpPr>
           <p:cNvPr id="38" name="Google Shape;38;p9"/>
-          <p:cNvSpPr txBox="1"/>
+          <p:cNvSpPr txBox="1">
+            <a:spLocks noGrp="1"/>
+          </p:cNvSpPr>
           <p:nvPr>
-            <p:ph idx="1" type="subTitle"/>
+            <p:ph type="subTitle" idx="1"/>
           </p:nvPr>
         </p:nvSpPr>
         <p:spPr>
@@ -5587,7 +5777,7 @@
           </a:prstGeom>
         </p:spPr>
         <p:txBody>
-          <a:bodyPr anchorCtr="0" anchor="t" bIns="91425" lIns="91425" spcFirstLastPara="1" rIns="91425" wrap="square" tIns="91425">
+          <a:bodyPr spcFirstLastPara="1" wrap="square" lIns="91425" tIns="91425" rIns="91425" bIns="91425" anchor="t" anchorCtr="0">
             <a:normAutofit/>
           </a:bodyPr>
           <a:lstStyle>
@@ -5718,15 +5908,19 @@
               <a:defRPr sz="2100"/>
             </a:lvl9pPr>
           </a:lstStyle>
-          <a:p/>
+          <a:p>
+            <a:endParaRPr/>
+          </a:p>
         </p:txBody>
       </p:sp>
       <p:sp>
         <p:nvSpPr>
           <p:cNvPr id="39" name="Google Shape;39;p9"/>
-          <p:cNvSpPr txBox="1"/>
+          <p:cNvSpPr txBox="1">
+            <a:spLocks noGrp="1"/>
+          </p:cNvSpPr>
           <p:nvPr>
-            <p:ph idx="2" type="body"/>
+            <p:ph type="body" idx="2"/>
           </p:nvPr>
         </p:nvSpPr>
         <p:spPr>
@@ -5739,11 +5933,11 @@
           </a:prstGeom>
         </p:spPr>
         <p:txBody>
-          <a:bodyPr anchorCtr="0" anchor="ctr" bIns="91425" lIns="91425" spcFirstLastPara="1" rIns="91425" wrap="square" tIns="91425">
+          <a:bodyPr spcFirstLastPara="1" wrap="square" lIns="91425" tIns="91425" rIns="91425" bIns="91425" anchor="ctr" anchorCtr="0">
             <a:normAutofit/>
           </a:bodyPr>
           <a:lstStyle>
-            <a:lvl1pPr indent="-342900" lvl="0" marL="457200">
+            <a:lvl1pPr marL="457200" lvl="0" indent="-342900">
               <a:spcBef>
                 <a:spcPts val="0"/>
               </a:spcBef>
@@ -5754,7 +5948,7 @@
               <a:buChar char="●"/>
               <a:defRPr/>
             </a:lvl1pPr>
-            <a:lvl2pPr indent="-317500" lvl="1" marL="914400">
+            <a:lvl2pPr marL="914400" lvl="1" indent="-317500">
               <a:spcBef>
                 <a:spcPts val="0"/>
               </a:spcBef>
@@ -5765,7 +5959,7 @@
               <a:buChar char="○"/>
               <a:defRPr/>
             </a:lvl2pPr>
-            <a:lvl3pPr indent="-317500" lvl="2" marL="1371600">
+            <a:lvl3pPr marL="1371600" lvl="2" indent="-317500">
               <a:spcBef>
                 <a:spcPts val="0"/>
               </a:spcBef>
@@ -5776,7 +5970,7 @@
               <a:buChar char="■"/>
               <a:defRPr/>
             </a:lvl3pPr>
-            <a:lvl4pPr indent="-317500" lvl="3" marL="1828800">
+            <a:lvl4pPr marL="1828800" lvl="3" indent="-317500">
               <a:spcBef>
                 <a:spcPts val="0"/>
               </a:spcBef>
@@ -5787,7 +5981,7 @@
               <a:buChar char="●"/>
               <a:defRPr/>
             </a:lvl4pPr>
-            <a:lvl5pPr indent="-317500" lvl="4" marL="2286000">
+            <a:lvl5pPr marL="2286000" lvl="4" indent="-317500">
               <a:spcBef>
                 <a:spcPts val="0"/>
               </a:spcBef>
@@ -5798,7 +5992,7 @@
               <a:buChar char="○"/>
               <a:defRPr/>
             </a:lvl5pPr>
-            <a:lvl6pPr indent="-317500" lvl="5" marL="2743200">
+            <a:lvl6pPr marL="2743200" lvl="5" indent="-317500">
               <a:spcBef>
                 <a:spcPts val="0"/>
               </a:spcBef>
@@ -5809,7 +6003,7 @@
               <a:buChar char="■"/>
               <a:defRPr/>
             </a:lvl6pPr>
-            <a:lvl7pPr indent="-317500" lvl="6" marL="3200400">
+            <a:lvl7pPr marL="3200400" lvl="6" indent="-317500">
               <a:spcBef>
                 <a:spcPts val="0"/>
               </a:spcBef>
@@ -5820,7 +6014,7 @@
               <a:buChar char="●"/>
               <a:defRPr/>
             </a:lvl7pPr>
-            <a:lvl8pPr indent="-317500" lvl="7" marL="3657600">
+            <a:lvl8pPr marL="3657600" lvl="7" indent="-317500">
               <a:spcBef>
                 <a:spcPts val="0"/>
               </a:spcBef>
@@ -5831,7 +6025,7 @@
               <a:buChar char="○"/>
               <a:defRPr/>
             </a:lvl8pPr>
-            <a:lvl9pPr indent="-317500" lvl="8" marL="4114800">
+            <a:lvl9pPr marL="4114800" lvl="8" indent="-317500">
               <a:spcBef>
                 <a:spcPts val="0"/>
               </a:spcBef>
@@ -5843,15 +6037,19 @@
               <a:defRPr/>
             </a:lvl9pPr>
           </a:lstStyle>
-          <a:p/>
+          <a:p>
+            <a:endParaRPr/>
+          </a:p>
         </p:txBody>
       </p:sp>
       <p:sp>
         <p:nvSpPr>
           <p:cNvPr id="40" name="Google Shape;40;p9"/>
-          <p:cNvSpPr txBox="1"/>
+          <p:cNvSpPr txBox="1">
+            <a:spLocks noGrp="1"/>
+          </p:cNvSpPr>
           <p:nvPr>
-            <p:ph idx="12" type="sldNum"/>
+            <p:ph type="sldNum" idx="12"/>
           </p:nvPr>
         </p:nvSpPr>
         <p:spPr>
@@ -5864,7 +6062,7 @@
           </a:prstGeom>
         </p:spPr>
         <p:txBody>
-          <a:bodyPr anchorCtr="0" anchor="ctr" bIns="91425" lIns="91425" spcFirstLastPara="1" rIns="91425" wrap="square" tIns="91425">
+          <a:bodyPr spcFirstLastPara="1" wrap="square" lIns="91425" tIns="91425" rIns="91425" bIns="91425" anchor="ctr" anchorCtr="0">
             <a:normAutofit/>
           </a:bodyPr>
           <a:lstStyle>
@@ -5906,7 +6104,7 @@
             </a:lvl9pPr>
           </a:lstStyle>
           <a:p>
-            <a:pPr indent="0" lvl="0" marL="0" rtl="0" algn="r">
+            <a:pPr marL="0" lvl="0" indent="0" algn="r" rtl="0">
               <a:spcBef>
                 <a:spcPts val="0"/>
               </a:spcBef>
@@ -5932,11 +6130,11 @@
 </file>
 
 <file path=ppt/slideLayouts/slideLayout9.xml><?xml version="1.0" encoding="utf-8"?>
-<p:sldLayout xmlns:a="http://schemas.openxmlformats.org/drawingml/2006/main" xmlns:r="http://schemas.openxmlformats.org/officeDocument/2006/relationships" xmlns:mc="http://schemas.openxmlformats.org/markup-compatibility/2006" xmlns:mv="urn:schemas-microsoft-com:mac:vml" xmlns:p="http://schemas.openxmlformats.org/presentationml/2006/main" xmlns:c="http://schemas.openxmlformats.org/drawingml/2006/chart" xmlns:dgm="http://schemas.openxmlformats.org/drawingml/2006/diagram" xmlns:o="urn:schemas-microsoft-com:office:office" xmlns:v="urn:schemas-microsoft-com:vml" xmlns:pvml="urn:schemas-microsoft-com:office:powerpoint" xmlns:com="http://schemas.openxmlformats.org/drawingml/2006/compatibility" xmlns:p14="http://schemas.microsoft.com/office/powerpoint/2010/main" xmlns:p15="http://schemas.microsoft.com/office/powerpoint/2012/main" xmlns:ahyp="http://schemas.microsoft.com/office/drawing/2018/hyperlinkcolor" matchingName="Caption">
+<p:sldLayout xmlns:a="http://schemas.openxmlformats.org/drawingml/2006/main" xmlns:r="http://schemas.openxmlformats.org/officeDocument/2006/relationships" xmlns:p="http://schemas.openxmlformats.org/presentationml/2006/main" matchingName="Caption">
   <p:cSld name="CAPTION_ONLY">
     <p:spTree>
       <p:nvGrpSpPr>
-        <p:cNvPr id="41" name="Shape 41"/>
+        <p:cNvPr id="1" name="Shape 41"/>
         <p:cNvGrpSpPr/>
         <p:nvPr/>
       </p:nvGrpSpPr>
@@ -5951,9 +6149,11 @@
       <p:sp>
         <p:nvSpPr>
           <p:cNvPr id="42" name="Google Shape;42;p10"/>
-          <p:cNvSpPr txBox="1"/>
+          <p:cNvSpPr txBox="1">
+            <a:spLocks noGrp="1"/>
+          </p:cNvSpPr>
           <p:nvPr>
-            <p:ph idx="1" type="body"/>
+            <p:ph type="body" idx="1"/>
           </p:nvPr>
         </p:nvSpPr>
         <p:spPr>
@@ -5966,11 +6166,11 @@
           </a:prstGeom>
         </p:spPr>
         <p:txBody>
-          <a:bodyPr anchorCtr="0" anchor="ctr" bIns="91425" lIns="91425" spcFirstLastPara="1" rIns="91425" wrap="square" tIns="91425">
+          <a:bodyPr spcFirstLastPara="1" wrap="square" lIns="91425" tIns="91425" rIns="91425" bIns="91425" anchor="ctr" anchorCtr="0">
             <a:normAutofit/>
           </a:bodyPr>
           <a:lstStyle>
-            <a:lvl1pPr indent="-228600" lvl="0" marL="457200">
+            <a:lvl1pPr marL="457200" lvl="0" indent="-228600">
               <a:lnSpc>
                 <a:spcPct val="100000"/>
               </a:lnSpc>
@@ -5985,15 +6185,19 @@
               <a:defRPr/>
             </a:lvl1pPr>
           </a:lstStyle>
-          <a:p/>
+          <a:p>
+            <a:endParaRPr/>
+          </a:p>
         </p:txBody>
       </p:sp>
       <p:sp>
         <p:nvSpPr>
           <p:cNvPr id="43" name="Google Shape;43;p10"/>
-          <p:cNvSpPr txBox="1"/>
+          <p:cNvSpPr txBox="1">
+            <a:spLocks noGrp="1"/>
+          </p:cNvSpPr>
           <p:nvPr>
-            <p:ph idx="12" type="sldNum"/>
+            <p:ph type="sldNum" idx="12"/>
           </p:nvPr>
         </p:nvSpPr>
         <p:spPr>
@@ -6006,7 +6210,7 @@
           </a:prstGeom>
         </p:spPr>
         <p:txBody>
-          <a:bodyPr anchorCtr="0" anchor="ctr" bIns="91425" lIns="91425" spcFirstLastPara="1" rIns="91425" wrap="square" tIns="91425">
+          <a:bodyPr spcFirstLastPara="1" wrap="square" lIns="91425" tIns="91425" rIns="91425" bIns="91425" anchor="ctr" anchorCtr="0">
             <a:normAutofit/>
           </a:bodyPr>
           <a:lstStyle>
@@ -6048,7 +6252,7 @@
             </a:lvl9pPr>
           </a:lstStyle>
           <a:p>
-            <a:pPr indent="0" lvl="0" marL="0" rtl="0" algn="r">
+            <a:pPr marL="0" lvl="0" indent="0" algn="r" rtl="0">
               <a:spcBef>
                 <a:spcPts val="0"/>
               </a:spcBef>
@@ -6074,18 +6278,19 @@
 </file>
 
 <file path=ppt/slideMasters/slideMaster1.xml><?xml version="1.0" encoding="utf-8"?>
-<p:sldMaster xmlns:a="http://schemas.openxmlformats.org/drawingml/2006/main" xmlns:r="http://schemas.openxmlformats.org/officeDocument/2006/relationships" xmlns:mc="http://schemas.openxmlformats.org/markup-compatibility/2006" xmlns:mv="urn:schemas-microsoft-com:mac:vml" xmlns:p="http://schemas.openxmlformats.org/presentationml/2006/main" xmlns:c="http://schemas.openxmlformats.org/drawingml/2006/chart" xmlns:dgm="http://schemas.openxmlformats.org/drawingml/2006/diagram" xmlns:o="urn:schemas-microsoft-com:office:office" xmlns:v="urn:schemas-microsoft-com:vml" xmlns:pvml="urn:schemas-microsoft-com:office:powerpoint" xmlns:com="http://schemas.openxmlformats.org/drawingml/2006/compatibility" xmlns:p14="http://schemas.microsoft.com/office/powerpoint/2010/main" xmlns:p15="http://schemas.microsoft.com/office/powerpoint/2012/main" xmlns:ahyp="http://schemas.microsoft.com/office/drawing/2018/hyperlinkcolor">
+<p:sldMaster xmlns:a="http://schemas.openxmlformats.org/drawingml/2006/main" xmlns:r="http://schemas.openxmlformats.org/officeDocument/2006/relationships" xmlns:p="http://schemas.openxmlformats.org/presentationml/2006/main">
   <p:cSld name="simple-light-2">
     <p:bg>
       <p:bgPr>
         <a:solidFill>
           <a:schemeClr val="lt1"/>
         </a:solidFill>
+        <a:effectLst/>
       </p:bgPr>
     </p:bg>
     <p:spTree>
       <p:nvGrpSpPr>
-        <p:cNvPr id="5" name="Shape 5"/>
+        <p:cNvPr id="1" name="Shape 5"/>
         <p:cNvGrpSpPr/>
         <p:nvPr/>
       </p:nvGrpSpPr>
@@ -6100,7 +6305,9 @@
       <p:sp>
         <p:nvSpPr>
           <p:cNvPr id="6" name="Google Shape;6;p1"/>
-          <p:cNvSpPr txBox="1"/>
+          <p:cNvSpPr txBox="1">
+            <a:spLocks noGrp="1"/>
+          </p:cNvSpPr>
           <p:nvPr>
             <p:ph type="title"/>
           </p:nvPr>
@@ -6119,7 +6326,7 @@
           </a:ln>
         </p:spPr>
         <p:txBody>
-          <a:bodyPr anchorCtr="0" anchor="t" bIns="91425" lIns="91425" spcFirstLastPara="1" rIns="91425" wrap="square" tIns="91425">
+          <a:bodyPr spcFirstLastPara="1" wrap="square" lIns="91425" tIns="91425" rIns="91425" bIns="91425" anchor="t" anchorCtr="0">
             <a:normAutofit/>
           </a:bodyPr>
           <a:lstStyle>
@@ -6286,15 +6493,19 @@
               </a:defRPr>
             </a:lvl9pPr>
           </a:lstStyle>
-          <a:p/>
+          <a:p>
+            <a:endParaRPr/>
+          </a:p>
         </p:txBody>
       </p:sp>
       <p:sp>
         <p:nvSpPr>
           <p:cNvPr id="7" name="Google Shape;7;p1"/>
-          <p:cNvSpPr txBox="1"/>
+          <p:cNvSpPr txBox="1">
+            <a:spLocks noGrp="1"/>
+          </p:cNvSpPr>
           <p:nvPr>
-            <p:ph idx="1" type="body"/>
+            <p:ph type="body" idx="1"/>
           </p:nvPr>
         </p:nvSpPr>
         <p:spPr>
@@ -6311,11 +6522,11 @@
           </a:ln>
         </p:spPr>
         <p:txBody>
-          <a:bodyPr anchorCtr="0" anchor="t" bIns="91425" lIns="91425" spcFirstLastPara="1" rIns="91425" wrap="square" tIns="91425">
+          <a:bodyPr spcFirstLastPara="1" wrap="square" lIns="91425" tIns="91425" rIns="91425" bIns="91425" anchor="t" anchorCtr="0">
             <a:normAutofit/>
           </a:bodyPr>
           <a:lstStyle>
-            <a:lvl1pPr indent="-342900" lvl="0" marL="457200">
+            <a:lvl1pPr marL="457200" lvl="0" indent="-342900">
               <a:lnSpc>
                 <a:spcPct val="115000"/>
               </a:lnSpc>
@@ -6336,7 +6547,7 @@
                 </a:solidFill>
               </a:defRPr>
             </a:lvl1pPr>
-            <a:lvl2pPr indent="-317500" lvl="1" marL="914400">
+            <a:lvl2pPr marL="914400" lvl="1" indent="-317500">
               <a:lnSpc>
                 <a:spcPct val="115000"/>
               </a:lnSpc>
@@ -6357,7 +6568,7 @@
                 </a:solidFill>
               </a:defRPr>
             </a:lvl2pPr>
-            <a:lvl3pPr indent="-317500" lvl="2" marL="1371600">
+            <a:lvl3pPr marL="1371600" lvl="2" indent="-317500">
               <a:lnSpc>
                 <a:spcPct val="115000"/>
               </a:lnSpc>
@@ -6378,7 +6589,7 @@
                 </a:solidFill>
               </a:defRPr>
             </a:lvl3pPr>
-            <a:lvl4pPr indent="-317500" lvl="3" marL="1828800">
+            <a:lvl4pPr marL="1828800" lvl="3" indent="-317500">
               <a:lnSpc>
                 <a:spcPct val="115000"/>
               </a:lnSpc>
@@ -6399,7 +6610,7 @@
                 </a:solidFill>
               </a:defRPr>
             </a:lvl4pPr>
-            <a:lvl5pPr indent="-317500" lvl="4" marL="2286000">
+            <a:lvl5pPr marL="2286000" lvl="4" indent="-317500">
               <a:lnSpc>
                 <a:spcPct val="115000"/>
               </a:lnSpc>
@@ -6420,7 +6631,7 @@
                 </a:solidFill>
               </a:defRPr>
             </a:lvl5pPr>
-            <a:lvl6pPr indent="-317500" lvl="5" marL="2743200">
+            <a:lvl6pPr marL="2743200" lvl="5" indent="-317500">
               <a:lnSpc>
                 <a:spcPct val="115000"/>
               </a:lnSpc>
@@ -6441,7 +6652,7 @@
                 </a:solidFill>
               </a:defRPr>
             </a:lvl6pPr>
-            <a:lvl7pPr indent="-317500" lvl="6" marL="3200400">
+            <a:lvl7pPr marL="3200400" lvl="6" indent="-317500">
               <a:lnSpc>
                 <a:spcPct val="115000"/>
               </a:lnSpc>
@@ -6462,7 +6673,7 @@
                 </a:solidFill>
               </a:defRPr>
             </a:lvl7pPr>
-            <a:lvl8pPr indent="-317500" lvl="7" marL="3657600">
+            <a:lvl8pPr marL="3657600" lvl="7" indent="-317500">
               <a:lnSpc>
                 <a:spcPct val="115000"/>
               </a:lnSpc>
@@ -6483,7 +6694,7 @@
                 </a:solidFill>
               </a:defRPr>
             </a:lvl8pPr>
-            <a:lvl9pPr indent="-317500" lvl="8" marL="4114800">
+            <a:lvl9pPr marL="4114800" lvl="8" indent="-317500">
               <a:lnSpc>
                 <a:spcPct val="115000"/>
               </a:lnSpc>
@@ -6505,15 +6716,19 @@
               </a:defRPr>
             </a:lvl9pPr>
           </a:lstStyle>
-          <a:p/>
+          <a:p>
+            <a:endParaRPr/>
+          </a:p>
         </p:txBody>
       </p:sp>
       <p:sp>
         <p:nvSpPr>
           <p:cNvPr id="8" name="Google Shape;8;p1"/>
-          <p:cNvSpPr txBox="1"/>
+          <p:cNvSpPr txBox="1">
+            <a:spLocks noGrp="1"/>
+          </p:cNvSpPr>
           <p:nvPr>
-            <p:ph idx="12" type="sldNum"/>
+            <p:ph type="sldNum" idx="12"/>
           </p:nvPr>
         </p:nvSpPr>
         <p:spPr>
@@ -6530,7 +6745,7 @@
           </a:ln>
         </p:spPr>
         <p:txBody>
-          <a:bodyPr anchorCtr="0" anchor="ctr" bIns="91425" lIns="91425" spcFirstLastPara="1" rIns="91425" wrap="square" tIns="91425">
+          <a:bodyPr spcFirstLastPara="1" wrap="square" lIns="91425" tIns="91425" rIns="91425" bIns="91425" anchor="ctr" anchorCtr="0">
             <a:normAutofit/>
           </a:bodyPr>
           <a:lstStyle>
@@ -6608,7 +6823,7 @@
             </a:lvl9pPr>
           </a:lstStyle>
           <a:p>
-            <a:pPr indent="0" lvl="0" marL="0" rtl="0" algn="r">
+            <a:pPr marL="0" lvl="0" indent="0" algn="r" rtl="0">
               <a:spcBef>
                 <a:spcPts val="0"/>
               </a:spcBef>
@@ -6627,7 +6842,7 @@
       </p:sp>
     </p:spTree>
   </p:cSld>
-  <p:clrMap accent1="accent1" accent2="accent2" accent3="accent3" accent4="accent4" accent5="accent5" accent6="accent6" bg1="lt1" bg2="dk2" tx1="dk1" tx2="lt2" folHlink="folHlink" hlink="hlink"/>
+  <p:clrMap bg1="lt1" tx1="dk1" bg2="dk2" tx2="lt2" accent1="accent1" accent2="accent2" accent3="accent3" accent4="accent4" accent5="accent5" accent6="accent6" hlink="hlink" folHlink="folHlink"/>
   <p:sldLayoutIdLst>
     <p:sldLayoutId id="2147483648" r:id="rId1"/>
     <p:sldLayoutId id="2147483649" r:id="rId2"/>
@@ -6641,10 +6856,10 @@
     <p:sldLayoutId id="2147483657" r:id="rId10"/>
     <p:sldLayoutId id="2147483658" r:id="rId11"/>
   </p:sldLayoutIdLst>
-  <p:hf dt="0" ftr="0" hdr="0" sldNum="0"/>
+  <p:hf sldNum="0" hdr="0" ftr="0" dt="0"/>
   <p:txStyles>
     <p:titleStyle>
-      <a:defPPr lvl="0" marR="0" rtl="0" algn="l">
+      <a:defPPr marR="0" lvl="0" algn="l" rtl="0">
         <a:lnSpc>
           <a:spcPct val="100000"/>
         </a:lnSpc>
@@ -6655,7 +6870,7 @@
           <a:spcPts val="0"/>
         </a:spcAft>
       </a:defPPr>
-      <a:lvl1pPr lvl="0" marR="0" rtl="0" algn="l">
+      <a:lvl1pPr marR="0" lvl="0" algn="l" rtl="0">
         <a:lnSpc>
           <a:spcPct val="100000"/>
         </a:lnSpc>
@@ -6669,7 +6884,7 @@
           <a:srgbClr val="000000"/>
         </a:buClr>
         <a:buFont typeface="Arial"/>
-        <a:defRPr b="0" i="0" sz="1400" u="none" cap="none" strike="noStrike">
+        <a:defRPr sz="1400" b="0" i="0" u="none" strike="noStrike" cap="none">
           <a:solidFill>
             <a:srgbClr val="000000"/>
           </a:solidFill>
@@ -6679,7 +6894,7 @@
           <a:sym typeface="Arial"/>
         </a:defRPr>
       </a:lvl1pPr>
-      <a:lvl2pPr lvl="1" marR="0" rtl="0" algn="l">
+      <a:lvl2pPr marR="0" lvl="1" algn="l" rtl="0">
         <a:lnSpc>
           <a:spcPct val="100000"/>
         </a:lnSpc>
@@ -6693,7 +6908,7 @@
           <a:srgbClr val="000000"/>
         </a:buClr>
         <a:buFont typeface="Arial"/>
-        <a:defRPr b="0" i="0" sz="1400" u="none" cap="none" strike="noStrike">
+        <a:defRPr sz="1400" b="0" i="0" u="none" strike="noStrike" cap="none">
           <a:solidFill>
             <a:srgbClr val="000000"/>
           </a:solidFill>
@@ -6703,7 +6918,7 @@
           <a:sym typeface="Arial"/>
         </a:defRPr>
       </a:lvl2pPr>
-      <a:lvl3pPr lvl="2" marR="0" rtl="0" algn="l">
+      <a:lvl3pPr marR="0" lvl="2" algn="l" rtl="0">
         <a:lnSpc>
           <a:spcPct val="100000"/>
         </a:lnSpc>
@@ -6717,7 +6932,7 @@
           <a:srgbClr val="000000"/>
         </a:buClr>
         <a:buFont typeface="Arial"/>
-        <a:defRPr b="0" i="0" sz="1400" u="none" cap="none" strike="noStrike">
+        <a:defRPr sz="1400" b="0" i="0" u="none" strike="noStrike" cap="none">
           <a:solidFill>
             <a:srgbClr val="000000"/>
           </a:solidFill>
@@ -6727,7 +6942,7 @@
           <a:sym typeface="Arial"/>
         </a:defRPr>
       </a:lvl3pPr>
-      <a:lvl4pPr lvl="3" marR="0" rtl="0" algn="l">
+      <a:lvl4pPr marR="0" lvl="3" algn="l" rtl="0">
         <a:lnSpc>
           <a:spcPct val="100000"/>
         </a:lnSpc>
@@ -6741,7 +6956,7 @@
           <a:srgbClr val="000000"/>
         </a:buClr>
         <a:buFont typeface="Arial"/>
-        <a:defRPr b="0" i="0" sz="1400" u="none" cap="none" strike="noStrike">
+        <a:defRPr sz="1400" b="0" i="0" u="none" strike="noStrike" cap="none">
           <a:solidFill>
             <a:srgbClr val="000000"/>
           </a:solidFill>
@@ -6751,7 +6966,7 @@
           <a:sym typeface="Arial"/>
         </a:defRPr>
       </a:lvl4pPr>
-      <a:lvl5pPr lvl="4" marR="0" rtl="0" algn="l">
+      <a:lvl5pPr marR="0" lvl="4" algn="l" rtl="0">
         <a:lnSpc>
           <a:spcPct val="100000"/>
         </a:lnSpc>
@@ -6765,7 +6980,7 @@
           <a:srgbClr val="000000"/>
         </a:buClr>
         <a:buFont typeface="Arial"/>
-        <a:defRPr b="0" i="0" sz="1400" u="none" cap="none" strike="noStrike">
+        <a:defRPr sz="1400" b="0" i="0" u="none" strike="noStrike" cap="none">
           <a:solidFill>
             <a:srgbClr val="000000"/>
           </a:solidFill>
@@ -6775,7 +6990,7 @@
           <a:sym typeface="Arial"/>
         </a:defRPr>
       </a:lvl5pPr>
-      <a:lvl6pPr lvl="5" marR="0" rtl="0" algn="l">
+      <a:lvl6pPr marR="0" lvl="5" algn="l" rtl="0">
         <a:lnSpc>
           <a:spcPct val="100000"/>
         </a:lnSpc>
@@ -6789,7 +7004,7 @@
           <a:srgbClr val="000000"/>
         </a:buClr>
         <a:buFont typeface="Arial"/>
-        <a:defRPr b="0" i="0" sz="1400" u="none" cap="none" strike="noStrike">
+        <a:defRPr sz="1400" b="0" i="0" u="none" strike="noStrike" cap="none">
           <a:solidFill>
             <a:srgbClr val="000000"/>
           </a:solidFill>
@@ -6799,7 +7014,7 @@
           <a:sym typeface="Arial"/>
         </a:defRPr>
       </a:lvl6pPr>
-      <a:lvl7pPr lvl="6" marR="0" rtl="0" algn="l">
+      <a:lvl7pPr marR="0" lvl="6" algn="l" rtl="0">
         <a:lnSpc>
           <a:spcPct val="100000"/>
         </a:lnSpc>
@@ -6813,7 +7028,7 @@
           <a:srgbClr val="000000"/>
         </a:buClr>
         <a:buFont typeface="Arial"/>
-        <a:defRPr b="0" i="0" sz="1400" u="none" cap="none" strike="noStrike">
+        <a:defRPr sz="1400" b="0" i="0" u="none" strike="noStrike" cap="none">
           <a:solidFill>
             <a:srgbClr val="000000"/>
           </a:solidFill>
@@ -6823,7 +7038,7 @@
           <a:sym typeface="Arial"/>
         </a:defRPr>
       </a:lvl7pPr>
-      <a:lvl8pPr lvl="7" marR="0" rtl="0" algn="l">
+      <a:lvl8pPr marR="0" lvl="7" algn="l" rtl="0">
         <a:lnSpc>
           <a:spcPct val="100000"/>
         </a:lnSpc>
@@ -6837,7 +7052,7 @@
           <a:srgbClr val="000000"/>
         </a:buClr>
         <a:buFont typeface="Arial"/>
-        <a:defRPr b="0" i="0" sz="1400" u="none" cap="none" strike="noStrike">
+        <a:defRPr sz="1400" b="0" i="0" u="none" strike="noStrike" cap="none">
           <a:solidFill>
             <a:srgbClr val="000000"/>
           </a:solidFill>
@@ -6847,7 +7062,7 @@
           <a:sym typeface="Arial"/>
         </a:defRPr>
       </a:lvl8pPr>
-      <a:lvl9pPr lvl="8" marR="0" rtl="0" algn="l">
+      <a:lvl9pPr marR="0" lvl="8" algn="l" rtl="0">
         <a:lnSpc>
           <a:spcPct val="100000"/>
         </a:lnSpc>
@@ -6861,7 +7076,7 @@
           <a:srgbClr val="000000"/>
         </a:buClr>
         <a:buFont typeface="Arial"/>
-        <a:defRPr b="0" i="0" sz="1400" u="none" cap="none" strike="noStrike">
+        <a:defRPr sz="1400" b="0" i="0" u="none" strike="noStrike" cap="none">
           <a:solidFill>
             <a:srgbClr val="000000"/>
           </a:solidFill>
@@ -6873,7 +7088,7 @@
       </a:lvl9pPr>
     </p:titleStyle>
     <p:bodyStyle>
-      <a:defPPr lvl="0" marR="0" rtl="0" algn="l">
+      <a:defPPr marR="0" lvl="0" algn="l" rtl="0">
         <a:lnSpc>
           <a:spcPct val="100000"/>
         </a:lnSpc>
@@ -6884,7 +7099,7 @@
           <a:spcPts val="0"/>
         </a:spcAft>
       </a:defPPr>
-      <a:lvl1pPr lvl="0" marR="0" rtl="0" algn="l">
+      <a:lvl1pPr marR="0" lvl="0" algn="l" rtl="0">
         <a:lnSpc>
           <a:spcPct val="100000"/>
         </a:lnSpc>
@@ -6898,7 +7113,7 @@
           <a:srgbClr val="000000"/>
         </a:buClr>
         <a:buFont typeface="Arial"/>
-        <a:defRPr b="0" i="0" sz="1400" u="none" cap="none" strike="noStrike">
+        <a:defRPr sz="1400" b="0" i="0" u="none" strike="noStrike" cap="none">
           <a:solidFill>
             <a:srgbClr val="000000"/>
           </a:solidFill>
@@ -6908,7 +7123,7 @@
           <a:sym typeface="Arial"/>
         </a:defRPr>
       </a:lvl1pPr>
-      <a:lvl2pPr lvl="1" marR="0" rtl="0" algn="l">
+      <a:lvl2pPr marR="0" lvl="1" algn="l" rtl="0">
         <a:lnSpc>
           <a:spcPct val="100000"/>
         </a:lnSpc>
@@ -6922,7 +7137,7 @@
           <a:srgbClr val="000000"/>
         </a:buClr>
         <a:buFont typeface="Arial"/>
-        <a:defRPr b="0" i="0" sz="1400" u="none" cap="none" strike="noStrike">
+        <a:defRPr sz="1400" b="0" i="0" u="none" strike="noStrike" cap="none">
           <a:solidFill>
             <a:srgbClr val="000000"/>
           </a:solidFill>
@@ -6932,7 +7147,7 @@
           <a:sym typeface="Arial"/>
         </a:defRPr>
       </a:lvl2pPr>
-      <a:lvl3pPr lvl="2" marR="0" rtl="0" algn="l">
+      <a:lvl3pPr marR="0" lvl="2" algn="l" rtl="0">
         <a:lnSpc>
           <a:spcPct val="100000"/>
         </a:lnSpc>
@@ -6946,7 +7161,7 @@
           <a:srgbClr val="000000"/>
         </a:buClr>
         <a:buFont typeface="Arial"/>
-        <a:defRPr b="0" i="0" sz="1400" u="none" cap="none" strike="noStrike">
+        <a:defRPr sz="1400" b="0" i="0" u="none" strike="noStrike" cap="none">
           <a:solidFill>
             <a:srgbClr val="000000"/>
           </a:solidFill>
@@ -6956,7 +7171,7 @@
           <a:sym typeface="Arial"/>
         </a:defRPr>
       </a:lvl3pPr>
-      <a:lvl4pPr lvl="3" marR="0" rtl="0" algn="l">
+      <a:lvl4pPr marR="0" lvl="3" algn="l" rtl="0">
         <a:lnSpc>
           <a:spcPct val="100000"/>
         </a:lnSpc>
@@ -6970,7 +7185,7 @@
           <a:srgbClr val="000000"/>
         </a:buClr>
         <a:buFont typeface="Arial"/>
-        <a:defRPr b="0" i="0" sz="1400" u="none" cap="none" strike="noStrike">
+        <a:defRPr sz="1400" b="0" i="0" u="none" strike="noStrike" cap="none">
           <a:solidFill>
             <a:srgbClr val="000000"/>
           </a:solidFill>
@@ -6980,7 +7195,7 @@
           <a:sym typeface="Arial"/>
         </a:defRPr>
       </a:lvl4pPr>
-      <a:lvl5pPr lvl="4" marR="0" rtl="0" algn="l">
+      <a:lvl5pPr marR="0" lvl="4" algn="l" rtl="0">
         <a:lnSpc>
           <a:spcPct val="100000"/>
         </a:lnSpc>
@@ -6994,7 +7209,7 @@
           <a:srgbClr val="000000"/>
         </a:buClr>
         <a:buFont typeface="Arial"/>
-        <a:defRPr b="0" i="0" sz="1400" u="none" cap="none" strike="noStrike">
+        <a:defRPr sz="1400" b="0" i="0" u="none" strike="noStrike" cap="none">
           <a:solidFill>
             <a:srgbClr val="000000"/>
           </a:solidFill>
@@ -7004,7 +7219,7 @@
           <a:sym typeface="Arial"/>
         </a:defRPr>
       </a:lvl5pPr>
-      <a:lvl6pPr lvl="5" marR="0" rtl="0" algn="l">
+      <a:lvl6pPr marR="0" lvl="5" algn="l" rtl="0">
         <a:lnSpc>
           <a:spcPct val="100000"/>
         </a:lnSpc>
@@ -7018,7 +7233,7 @@
           <a:srgbClr val="000000"/>
         </a:buClr>
         <a:buFont typeface="Arial"/>
-        <a:defRPr b="0" i="0" sz="1400" u="none" cap="none" strike="noStrike">
+        <a:defRPr sz="1400" b="0" i="0" u="none" strike="noStrike" cap="none">
           <a:solidFill>
             <a:srgbClr val="000000"/>
           </a:solidFill>
@@ -7028,7 +7243,7 @@
           <a:sym typeface="Arial"/>
         </a:defRPr>
       </a:lvl6pPr>
-      <a:lvl7pPr lvl="6" marR="0" rtl="0" algn="l">
+      <a:lvl7pPr marR="0" lvl="6" algn="l" rtl="0">
         <a:lnSpc>
           <a:spcPct val="100000"/>
         </a:lnSpc>
@@ -7042,7 +7257,7 @@
           <a:srgbClr val="000000"/>
         </a:buClr>
         <a:buFont typeface="Arial"/>
-        <a:defRPr b="0" i="0" sz="1400" u="none" cap="none" strike="noStrike">
+        <a:defRPr sz="1400" b="0" i="0" u="none" strike="noStrike" cap="none">
           <a:solidFill>
             <a:srgbClr val="000000"/>
           </a:solidFill>
@@ -7052,7 +7267,7 @@
           <a:sym typeface="Arial"/>
         </a:defRPr>
       </a:lvl7pPr>
-      <a:lvl8pPr lvl="7" marR="0" rtl="0" algn="l">
+      <a:lvl8pPr marR="0" lvl="7" algn="l" rtl="0">
         <a:lnSpc>
           <a:spcPct val="100000"/>
         </a:lnSpc>
@@ -7066,7 +7281,7 @@
           <a:srgbClr val="000000"/>
         </a:buClr>
         <a:buFont typeface="Arial"/>
-        <a:defRPr b="0" i="0" sz="1400" u="none" cap="none" strike="noStrike">
+        <a:defRPr sz="1400" b="0" i="0" u="none" strike="noStrike" cap="none">
           <a:solidFill>
             <a:srgbClr val="000000"/>
           </a:solidFill>
@@ -7076,7 +7291,7 @@
           <a:sym typeface="Arial"/>
         </a:defRPr>
       </a:lvl8pPr>
-      <a:lvl9pPr lvl="8" marR="0" rtl="0" algn="l">
+      <a:lvl9pPr marR="0" lvl="8" algn="l" rtl="0">
         <a:lnSpc>
           <a:spcPct val="100000"/>
         </a:lnSpc>
@@ -7090,7 +7305,7 @@
           <a:srgbClr val="000000"/>
         </a:buClr>
         <a:buFont typeface="Arial"/>
-        <a:defRPr b="0" i="0" sz="1400" u="none" cap="none" strike="noStrike">
+        <a:defRPr sz="1400" b="0" i="0" u="none" strike="noStrike" cap="none">
           <a:solidFill>
             <a:srgbClr val="000000"/>
           </a:solidFill>
@@ -7102,7 +7317,7 @@
       </a:lvl9pPr>
     </p:bodyStyle>
     <p:otherStyle>
-      <a:defPPr lvl="0" marR="0" rtl="0" algn="l">
+      <a:defPPr marR="0" lvl="0" algn="l" rtl="0">
         <a:lnSpc>
           <a:spcPct val="100000"/>
         </a:lnSpc>
@@ -7113,7 +7328,7 @@
           <a:spcPts val="0"/>
         </a:spcAft>
       </a:defPPr>
-      <a:lvl1pPr lvl="0" marR="0" rtl="0" algn="l">
+      <a:lvl1pPr marR="0" lvl="0" algn="l" rtl="0">
         <a:lnSpc>
           <a:spcPct val="100000"/>
         </a:lnSpc>
@@ -7127,7 +7342,7 @@
           <a:srgbClr val="000000"/>
         </a:buClr>
         <a:buFont typeface="Arial"/>
-        <a:defRPr b="0" i="0" sz="1400" u="none" cap="none" strike="noStrike">
+        <a:defRPr sz="1400" b="0" i="0" u="none" strike="noStrike" cap="none">
           <a:solidFill>
             <a:srgbClr val="000000"/>
           </a:solidFill>
@@ -7137,7 +7352,7 @@
           <a:sym typeface="Arial"/>
         </a:defRPr>
       </a:lvl1pPr>
-      <a:lvl2pPr lvl="1" marR="0" rtl="0" algn="l">
+      <a:lvl2pPr marR="0" lvl="1" algn="l" rtl="0">
         <a:lnSpc>
           <a:spcPct val="100000"/>
         </a:lnSpc>
@@ -7151,7 +7366,7 @@
           <a:srgbClr val="000000"/>
         </a:buClr>
         <a:buFont typeface="Arial"/>
-        <a:defRPr b="0" i="0" sz="1400" u="none" cap="none" strike="noStrike">
+        <a:defRPr sz="1400" b="0" i="0" u="none" strike="noStrike" cap="none">
           <a:solidFill>
             <a:srgbClr val="000000"/>
           </a:solidFill>
@@ -7161,7 +7376,7 @@
           <a:sym typeface="Arial"/>
         </a:defRPr>
       </a:lvl2pPr>
-      <a:lvl3pPr lvl="2" marR="0" rtl="0" algn="l">
+      <a:lvl3pPr marR="0" lvl="2" algn="l" rtl="0">
         <a:lnSpc>
           <a:spcPct val="100000"/>
         </a:lnSpc>
@@ -7175,7 +7390,7 @@
           <a:srgbClr val="000000"/>
         </a:buClr>
         <a:buFont typeface="Arial"/>
-        <a:defRPr b="0" i="0" sz="1400" u="none" cap="none" strike="noStrike">
+        <a:defRPr sz="1400" b="0" i="0" u="none" strike="noStrike" cap="none">
           <a:solidFill>
             <a:srgbClr val="000000"/>
           </a:solidFill>
@@ -7185,7 +7400,7 @@
           <a:sym typeface="Arial"/>
         </a:defRPr>
       </a:lvl3pPr>
-      <a:lvl4pPr lvl="3" marR="0" rtl="0" algn="l">
+      <a:lvl4pPr marR="0" lvl="3" algn="l" rtl="0">
         <a:lnSpc>
           <a:spcPct val="100000"/>
         </a:lnSpc>
@@ -7199,7 +7414,7 @@
           <a:srgbClr val="000000"/>
         </a:buClr>
         <a:buFont typeface="Arial"/>
-        <a:defRPr b="0" i="0" sz="1400" u="none" cap="none" strike="noStrike">
+        <a:defRPr sz="1400" b="0" i="0" u="none" strike="noStrike" cap="none">
           <a:solidFill>
             <a:srgbClr val="000000"/>
           </a:solidFill>
@@ -7209,7 +7424,7 @@
           <a:sym typeface="Arial"/>
         </a:defRPr>
       </a:lvl4pPr>
-      <a:lvl5pPr lvl="4" marR="0" rtl="0" algn="l">
+      <a:lvl5pPr marR="0" lvl="4" algn="l" rtl="0">
         <a:lnSpc>
           <a:spcPct val="100000"/>
         </a:lnSpc>
@@ -7223,7 +7438,7 @@
           <a:srgbClr val="000000"/>
         </a:buClr>
         <a:buFont typeface="Arial"/>
-        <a:defRPr b="0" i="0" sz="1400" u="none" cap="none" strike="noStrike">
+        <a:defRPr sz="1400" b="0" i="0" u="none" strike="noStrike" cap="none">
           <a:solidFill>
             <a:srgbClr val="000000"/>
           </a:solidFill>
@@ -7233,7 +7448,7 @@
           <a:sym typeface="Arial"/>
         </a:defRPr>
       </a:lvl5pPr>
-      <a:lvl6pPr lvl="5" marR="0" rtl="0" algn="l">
+      <a:lvl6pPr marR="0" lvl="5" algn="l" rtl="0">
         <a:lnSpc>
           <a:spcPct val="100000"/>
         </a:lnSpc>
@@ -7247,7 +7462,7 @@
           <a:srgbClr val="000000"/>
         </a:buClr>
         <a:buFont typeface="Arial"/>
-        <a:defRPr b="0" i="0" sz="1400" u="none" cap="none" strike="noStrike">
+        <a:defRPr sz="1400" b="0" i="0" u="none" strike="noStrike" cap="none">
           <a:solidFill>
             <a:srgbClr val="000000"/>
           </a:solidFill>
@@ -7257,7 +7472,7 @@
           <a:sym typeface="Arial"/>
         </a:defRPr>
       </a:lvl6pPr>
-      <a:lvl7pPr lvl="6" marR="0" rtl="0" algn="l">
+      <a:lvl7pPr marR="0" lvl="6" algn="l" rtl="0">
         <a:lnSpc>
           <a:spcPct val="100000"/>
         </a:lnSpc>
@@ -7271,7 +7486,7 @@
           <a:srgbClr val="000000"/>
         </a:buClr>
         <a:buFont typeface="Arial"/>
-        <a:defRPr b="0" i="0" sz="1400" u="none" cap="none" strike="noStrike">
+        <a:defRPr sz="1400" b="0" i="0" u="none" strike="noStrike" cap="none">
           <a:solidFill>
             <a:srgbClr val="000000"/>
           </a:solidFill>
@@ -7281,7 +7496,7 @@
           <a:sym typeface="Arial"/>
         </a:defRPr>
       </a:lvl7pPr>
-      <a:lvl8pPr lvl="7" marR="0" rtl="0" algn="l">
+      <a:lvl8pPr marR="0" lvl="7" algn="l" rtl="0">
         <a:lnSpc>
           <a:spcPct val="100000"/>
         </a:lnSpc>
@@ -7295,7 +7510,7 @@
           <a:srgbClr val="000000"/>
         </a:buClr>
         <a:buFont typeface="Arial"/>
-        <a:defRPr b="0" i="0" sz="1400" u="none" cap="none" strike="noStrike">
+        <a:defRPr sz="1400" b="0" i="0" u="none" strike="noStrike" cap="none">
           <a:solidFill>
             <a:srgbClr val="000000"/>
           </a:solidFill>
@@ -7305,7 +7520,7 @@
           <a:sym typeface="Arial"/>
         </a:defRPr>
       </a:lvl8pPr>
-      <a:lvl9pPr lvl="8" marR="0" rtl="0" algn="l">
+      <a:lvl9pPr marR="0" lvl="8" algn="l" rtl="0">
         <a:lnSpc>
           <a:spcPct val="100000"/>
         </a:lnSpc>
@@ -7319,7 +7534,7 @@
           <a:srgbClr val="000000"/>
         </a:buClr>
         <a:buFont typeface="Arial"/>
-        <a:defRPr b="0" i="0" sz="1400" u="none" cap="none" strike="noStrike">
+        <a:defRPr sz="1400" b="0" i="0" u="none" strike="noStrike" cap="none">
           <a:solidFill>
             <a:srgbClr val="000000"/>
           </a:solidFill>
@@ -7335,11 +7550,11 @@
 </file>
 
 <file path=ppt/slides/slide1.xml><?xml version="1.0" encoding="utf-8"?>
-<p:sld xmlns:a="http://schemas.openxmlformats.org/drawingml/2006/main" xmlns:r="http://schemas.openxmlformats.org/officeDocument/2006/relationships" xmlns:mc="http://schemas.openxmlformats.org/markup-compatibility/2006" xmlns:mv="urn:schemas-microsoft-com:mac:vml" xmlns:p="http://schemas.openxmlformats.org/presentationml/2006/main" xmlns:c="http://schemas.openxmlformats.org/drawingml/2006/chart" xmlns:dgm="http://schemas.openxmlformats.org/drawingml/2006/diagram" xmlns:o="urn:schemas-microsoft-com:office:office" xmlns:v="urn:schemas-microsoft-com:vml" xmlns:pvml="urn:schemas-microsoft-com:office:powerpoint" xmlns:com="http://schemas.openxmlformats.org/drawingml/2006/compatibility" xmlns:p14="http://schemas.microsoft.com/office/powerpoint/2010/main" xmlns:p15="http://schemas.microsoft.com/office/powerpoint/2012/main" xmlns:ahyp="http://schemas.microsoft.com/office/drawing/2018/hyperlinkcolor">
+<p:sld xmlns:a="http://schemas.openxmlformats.org/drawingml/2006/main" xmlns:r="http://schemas.openxmlformats.org/officeDocument/2006/relationships" xmlns:p="http://schemas.openxmlformats.org/presentationml/2006/main">
   <p:cSld>
     <p:spTree>
       <p:nvGrpSpPr>
-        <p:cNvPr id="53" name="Shape 53"/>
+        <p:cNvPr id="1" name="Shape 53"/>
         <p:cNvGrpSpPr/>
         <p:nvPr/>
       </p:nvGrpSpPr>
@@ -7354,27 +7569,29 @@
       <p:sp>
         <p:nvSpPr>
           <p:cNvPr id="54" name="Google Shape;54;p13"/>
-          <p:cNvSpPr txBox="1"/>
+          <p:cNvSpPr txBox="1">
+            <a:spLocks noGrp="1"/>
+          </p:cNvSpPr>
           <p:nvPr>
-            <p:ph type="ctrTitle"/>
+            <p:ph type="title"/>
           </p:nvPr>
         </p:nvSpPr>
         <p:spPr>
           <a:xfrm>
-            <a:off x="311696" y="2215709"/>
-            <a:ext cx="8520600" cy="2052600"/>
-          </a:xfrm>
-          <a:prstGeom prst="rect">
-            <a:avLst/>
-          </a:prstGeom>
+            <a:off x="311700" y="1106125"/>
+            <a:ext cx="8520600" cy="1963500"/>
+          </a:xfrm>
         </p:spPr>
         <p:txBody>
-          <a:bodyPr anchorCtr="0" anchor="b" bIns="91425" lIns="91425" spcFirstLastPara="1" rIns="91425" wrap="square" tIns="91425">
-            <a:normAutofit fontScale="90000"/>
+          <a:bodyPr spcFirstLastPara="1" wrap="square" lIns="91425" tIns="91425" rIns="91425" bIns="91425" anchor="b" anchorCtr="0">
+            <a:normAutofit/>
           </a:bodyPr>
           <a:lstStyle/>
           <a:p>
-            <a:pPr indent="0" lvl="0" marL="0" rtl="0" algn="ctr">
+            <a:pPr marL="0" lvl="0" indent="0" rtl="0">
+              <a:lnSpc>
+                <a:spcPct val="90000"/>
+              </a:lnSpc>
               <a:spcBef>
                 <a:spcPts val="0"/>
               </a:spcBef>
@@ -7384,14 +7601,55 @@
               <a:buNone/>
             </a:pPr>
             <a:r>
-              <a:rPr lang="en"/>
-              <a:t>Which machine learning model can be used to predict </a:t>
+              <a:rPr lang="en-US" sz="3900" dirty="0"/>
+              <a:t>Which machine learning model can be used to predict whether or not a client will fully pay back their loan?</a:t>
+            </a:r>
+          </a:p>
+        </p:txBody>
+      </p:sp>
+      <p:sp>
+        <p:nvSpPr>
+          <p:cNvPr id="2" name="Subtitle 1">
+            <a:extLst>
+              <a:ext uri="{FF2B5EF4-FFF2-40B4-BE49-F238E27FC236}">
+                <a16:creationId xmlns:a16="http://schemas.microsoft.com/office/drawing/2014/main" id="{22E37B1F-F136-4FE7-AEAF-6482101E66B4}"/>
+              </a:ext>
+            </a:extLst>
+          </p:cNvPr>
+          <p:cNvSpPr>
+            <a:spLocks noGrp="1"/>
+          </p:cNvSpPr>
+          <p:nvPr>
+            <p:ph type="body" idx="1"/>
+          </p:nvPr>
+        </p:nvSpPr>
+        <p:spPr>
+          <a:xfrm>
+            <a:off x="311700" y="3152225"/>
+            <a:ext cx="8520600" cy="1300800"/>
+          </a:xfrm>
+        </p:spPr>
+        <p:txBody>
+          <a:bodyPr wrap="square" anchor="t">
+            <a:normAutofit/>
+          </a:bodyPr>
+          <a:lstStyle/>
+          <a:p>
+            <a:pPr marL="114300" indent="0">
+              <a:spcAft>
+                <a:spcPts val="600"/>
+              </a:spcAft>
+              <a:buNone/>
+            </a:pPr>
+            <a:r>
+              <a:rPr lang="en-US" dirty="0"/>
+              <a:t>Anne </a:t>
             </a:r>
             <a:r>
-              <a:rPr lang="en"/>
-              <a:t>whether or not a client will fully pay back their loan?</a:t>
+              <a:rPr lang="en-US" dirty="0" err="1"/>
+              <a:t>Losch</a:t>
             </a:r>
-            <a:endParaRPr/>
+            <a:endParaRPr lang="en-US" dirty="0"/>
           </a:p>
         </p:txBody>
       </p:sp>
@@ -7404,11 +7662,11 @@
 </file>
 
 <file path=ppt/slides/slide10.xml><?xml version="1.0" encoding="utf-8"?>
-<p:sld xmlns:a="http://schemas.openxmlformats.org/drawingml/2006/main" xmlns:r="http://schemas.openxmlformats.org/officeDocument/2006/relationships" xmlns:mc="http://schemas.openxmlformats.org/markup-compatibility/2006" xmlns:mv="urn:schemas-microsoft-com:mac:vml" xmlns:p="http://schemas.openxmlformats.org/presentationml/2006/main" xmlns:c="http://schemas.openxmlformats.org/drawingml/2006/chart" xmlns:dgm="http://schemas.openxmlformats.org/drawingml/2006/diagram" xmlns:o="urn:schemas-microsoft-com:office:office" xmlns:v="urn:schemas-microsoft-com:vml" xmlns:pvml="urn:schemas-microsoft-com:office:powerpoint" xmlns:com="http://schemas.openxmlformats.org/drawingml/2006/compatibility" xmlns:p14="http://schemas.microsoft.com/office/powerpoint/2010/main" xmlns:p15="http://schemas.microsoft.com/office/powerpoint/2012/main" xmlns:ahyp="http://schemas.microsoft.com/office/drawing/2018/hyperlinkcolor">
+<p:sld xmlns:a="http://schemas.openxmlformats.org/drawingml/2006/main" xmlns:r="http://schemas.openxmlformats.org/officeDocument/2006/relationships" xmlns:p="http://schemas.openxmlformats.org/presentationml/2006/main">
   <p:cSld>
     <p:spTree>
       <p:nvGrpSpPr>
-        <p:cNvPr id="109" name="Shape 109"/>
+        <p:cNvPr id="1" name="Shape 109"/>
         <p:cNvGrpSpPr/>
         <p:nvPr/>
       </p:nvGrpSpPr>
@@ -7423,7 +7681,9 @@
       <p:sp>
         <p:nvSpPr>
           <p:cNvPr id="110" name="Google Shape;110;p22"/>
-          <p:cNvSpPr txBox="1"/>
+          <p:cNvSpPr txBox="1">
+            <a:spLocks noGrp="1"/>
+          </p:cNvSpPr>
           <p:nvPr>
             <p:ph type="title"/>
           </p:nvPr>
@@ -7438,12 +7698,12 @@
           </a:prstGeom>
         </p:spPr>
         <p:txBody>
-          <a:bodyPr anchorCtr="0" anchor="t" bIns="91425" lIns="91425" spcFirstLastPara="1" rIns="91425" wrap="square" tIns="91425">
+          <a:bodyPr spcFirstLastPara="1" wrap="square" lIns="91425" tIns="91425" rIns="91425" bIns="91425" anchor="t" anchorCtr="0">
             <a:normAutofit fontScale="90000"/>
           </a:bodyPr>
           <a:lstStyle/>
           <a:p>
-            <a:pPr indent="0" lvl="0" marL="0" rtl="0" algn="l">
+            <a:pPr marL="0" lvl="0" indent="0" algn="l" rtl="0">
               <a:spcBef>
                 <a:spcPts val="0"/>
               </a:spcBef>
@@ -7463,9 +7723,11 @@
       <p:sp>
         <p:nvSpPr>
           <p:cNvPr id="111" name="Google Shape;111;p22"/>
-          <p:cNvSpPr txBox="1"/>
+          <p:cNvSpPr txBox="1">
+            <a:spLocks noGrp="1"/>
+          </p:cNvSpPr>
           <p:nvPr>
-            <p:ph idx="1" type="body"/>
+            <p:ph type="body" idx="1"/>
           </p:nvPr>
         </p:nvSpPr>
         <p:spPr>
@@ -7478,12 +7740,12 @@
           </a:prstGeom>
         </p:spPr>
         <p:txBody>
-          <a:bodyPr anchorCtr="0" anchor="t" bIns="91425" lIns="91425" spcFirstLastPara="1" rIns="91425" wrap="square" tIns="91425">
+          <a:bodyPr spcFirstLastPara="1" wrap="square" lIns="91425" tIns="91425" rIns="91425" bIns="91425" anchor="t" anchorCtr="0">
             <a:normAutofit/>
           </a:bodyPr>
           <a:lstStyle/>
           <a:p>
-            <a:pPr indent="-342900" lvl="0" marL="457200" rtl="0" algn="l">
+            <a:pPr marL="457200" lvl="0" indent="-342900" algn="l" rtl="0">
               <a:spcBef>
                 <a:spcPts val="0"/>
               </a:spcBef>
@@ -7500,7 +7762,7 @@
             <a:endParaRPr/>
           </a:p>
           <a:p>
-            <a:pPr indent="-342900" lvl="0" marL="457200" rtl="0" algn="l">
+            <a:pPr marL="457200" lvl="0" indent="-342900" algn="l" rtl="0">
               <a:spcBef>
                 <a:spcPts val="0"/>
               </a:spcBef>
@@ -7517,7 +7779,7 @@
             <a:endParaRPr/>
           </a:p>
           <a:p>
-            <a:pPr indent="-342900" lvl="0" marL="457200" rtl="0" algn="l">
+            <a:pPr marL="457200" lvl="0" indent="-342900" algn="l" rtl="0">
               <a:spcBef>
                 <a:spcPts val="0"/>
               </a:spcBef>
@@ -7544,11 +7806,11 @@
 </file>
 
 <file path=ppt/slides/slide11.xml><?xml version="1.0" encoding="utf-8"?>
-<p:sld xmlns:a="http://schemas.openxmlformats.org/drawingml/2006/main" xmlns:r="http://schemas.openxmlformats.org/officeDocument/2006/relationships" xmlns:mc="http://schemas.openxmlformats.org/markup-compatibility/2006" xmlns:mv="urn:schemas-microsoft-com:mac:vml" xmlns:p="http://schemas.openxmlformats.org/presentationml/2006/main" xmlns:c="http://schemas.openxmlformats.org/drawingml/2006/chart" xmlns:dgm="http://schemas.openxmlformats.org/drawingml/2006/diagram" xmlns:o="urn:schemas-microsoft-com:office:office" xmlns:v="urn:schemas-microsoft-com:vml" xmlns:pvml="urn:schemas-microsoft-com:office:powerpoint" xmlns:com="http://schemas.openxmlformats.org/drawingml/2006/compatibility" xmlns:p14="http://schemas.microsoft.com/office/powerpoint/2010/main" xmlns:p15="http://schemas.microsoft.com/office/powerpoint/2012/main" xmlns:ahyp="http://schemas.microsoft.com/office/drawing/2018/hyperlinkcolor">
+<p:sld xmlns:a="http://schemas.openxmlformats.org/drawingml/2006/main" xmlns:r="http://schemas.openxmlformats.org/officeDocument/2006/relationships" xmlns:p="http://schemas.openxmlformats.org/presentationml/2006/main">
   <p:cSld>
     <p:spTree>
       <p:nvGrpSpPr>
-        <p:cNvPr id="115" name="Shape 115"/>
+        <p:cNvPr id="1" name="Shape 115"/>
         <p:cNvGrpSpPr/>
         <p:nvPr/>
       </p:nvGrpSpPr>
@@ -7563,7 +7825,9 @@
       <p:sp>
         <p:nvSpPr>
           <p:cNvPr id="116" name="Google Shape;116;p23"/>
-          <p:cNvSpPr txBox="1"/>
+          <p:cNvSpPr txBox="1">
+            <a:spLocks noGrp="1"/>
+          </p:cNvSpPr>
           <p:nvPr>
             <p:ph type="title"/>
           </p:nvPr>
@@ -7578,23 +7842,20 @@
           </a:prstGeom>
         </p:spPr>
         <p:txBody>
-          <a:bodyPr anchorCtr="0" anchor="t" bIns="91425" lIns="91425" spcFirstLastPara="1" rIns="91425" wrap="square" tIns="91425">
+          <a:bodyPr spcFirstLastPara="1" wrap="square" lIns="91425" tIns="91425" rIns="91425" bIns="91425" anchor="t" anchorCtr="0">
             <a:normAutofit fontScale="90000"/>
           </a:bodyPr>
           <a:lstStyle/>
           <a:p>
-            <a:pPr indent="0" lvl="0" marL="0" rtl="0" algn="l">
-              <a:spcBef>
-                <a:spcPts val="0"/>
-              </a:spcBef>
-              <a:spcAft>
-                <a:spcPts val="0"/>
-              </a:spcAft>
-              <a:buNone/>
-            </a:pPr>
-            <a:r>
-              <a:t/>
-            </a:r>
+            <a:pPr marL="0" lvl="0" indent="0" algn="l" rtl="0">
+              <a:spcBef>
+                <a:spcPts val="0"/>
+              </a:spcBef>
+              <a:spcAft>
+                <a:spcPts val="0"/>
+              </a:spcAft>
+              <a:buNone/>
+            </a:pPr>
             <a:endParaRPr/>
           </a:p>
         </p:txBody>
@@ -7602,9 +7863,11 @@
       <p:sp>
         <p:nvSpPr>
           <p:cNvPr id="117" name="Google Shape;117;p23"/>
-          <p:cNvSpPr txBox="1"/>
+          <p:cNvSpPr txBox="1">
+            <a:spLocks noGrp="1"/>
+          </p:cNvSpPr>
           <p:nvPr>
-            <p:ph idx="1" type="body"/>
+            <p:ph type="body" idx="1"/>
           </p:nvPr>
         </p:nvSpPr>
         <p:spPr>
@@ -7617,12 +7880,12 @@
           </a:prstGeom>
         </p:spPr>
         <p:txBody>
-          <a:bodyPr anchorCtr="0" anchor="t" bIns="91425" lIns="91425" spcFirstLastPara="1" rIns="91425" wrap="square" tIns="91425">
+          <a:bodyPr spcFirstLastPara="1" wrap="square" lIns="91425" tIns="91425" rIns="91425" bIns="91425" anchor="t" anchorCtr="0">
             <a:normAutofit/>
           </a:bodyPr>
           <a:lstStyle/>
           <a:p>
-            <a:pPr indent="0" lvl="0" marL="0" rtl="0" algn="l">
+            <a:pPr marL="0" lvl="0" indent="0" algn="l" rtl="0">
               <a:spcBef>
                 <a:spcPts val="0"/>
               </a:spcBef>
@@ -7631,9 +7894,6 @@
               </a:spcAft>
               <a:buNone/>
             </a:pPr>
-            <a:r>
-              <a:t/>
-            </a:r>
             <a:endParaRPr/>
           </a:p>
         </p:txBody>
@@ -7647,11 +7907,11 @@
 </file>
 
 <file path=ppt/slides/slide12.xml><?xml version="1.0" encoding="utf-8"?>
-<p:sld xmlns:a="http://schemas.openxmlformats.org/drawingml/2006/main" xmlns:r="http://schemas.openxmlformats.org/officeDocument/2006/relationships" xmlns:mc="http://schemas.openxmlformats.org/markup-compatibility/2006" xmlns:mv="urn:schemas-microsoft-com:mac:vml" xmlns:p="http://schemas.openxmlformats.org/presentationml/2006/main" xmlns:c="http://schemas.openxmlformats.org/drawingml/2006/chart" xmlns:dgm="http://schemas.openxmlformats.org/drawingml/2006/diagram" xmlns:o="urn:schemas-microsoft-com:office:office" xmlns:v="urn:schemas-microsoft-com:vml" xmlns:pvml="urn:schemas-microsoft-com:office:powerpoint" xmlns:com="http://schemas.openxmlformats.org/drawingml/2006/compatibility" xmlns:p14="http://schemas.microsoft.com/office/powerpoint/2010/main" xmlns:p15="http://schemas.microsoft.com/office/powerpoint/2012/main" xmlns:ahyp="http://schemas.microsoft.com/office/drawing/2018/hyperlinkcolor">
+<p:sld xmlns:a="http://schemas.openxmlformats.org/drawingml/2006/main" xmlns:r="http://schemas.openxmlformats.org/officeDocument/2006/relationships" xmlns:p="http://schemas.openxmlformats.org/presentationml/2006/main">
   <p:cSld>
     <p:spTree>
       <p:nvGrpSpPr>
-        <p:cNvPr id="121" name="Shape 121"/>
+        <p:cNvPr id="1" name="Shape 121"/>
         <p:cNvGrpSpPr/>
         <p:nvPr/>
       </p:nvGrpSpPr>
@@ -7666,7 +7926,9 @@
       <p:sp>
         <p:nvSpPr>
           <p:cNvPr id="122" name="Google Shape;122;p24"/>
-          <p:cNvSpPr txBox="1"/>
+          <p:cNvSpPr txBox="1">
+            <a:spLocks noGrp="1"/>
+          </p:cNvSpPr>
           <p:nvPr>
             <p:ph type="title"/>
           </p:nvPr>
@@ -7681,12 +7943,12 @@
           </a:prstGeom>
         </p:spPr>
         <p:txBody>
-          <a:bodyPr anchorCtr="0" anchor="t" bIns="91425" lIns="91425" spcFirstLastPara="1" rIns="91425" wrap="square" tIns="91425">
+          <a:bodyPr spcFirstLastPara="1" wrap="square" lIns="91425" tIns="91425" rIns="91425" bIns="91425" anchor="t" anchorCtr="0">
             <a:normAutofit fontScale="90000"/>
           </a:bodyPr>
           <a:lstStyle/>
           <a:p>
-            <a:pPr indent="0" lvl="0" marL="0" rtl="0" algn="l">
+            <a:pPr marL="0" lvl="0" indent="0" algn="l" rtl="0">
               <a:spcBef>
                 <a:spcPts val="0"/>
               </a:spcBef>
@@ -7706,9 +7968,11 @@
       <p:sp>
         <p:nvSpPr>
           <p:cNvPr id="123" name="Google Shape;123;p24"/>
-          <p:cNvSpPr txBox="1"/>
+          <p:cNvSpPr txBox="1">
+            <a:spLocks noGrp="1"/>
+          </p:cNvSpPr>
           <p:nvPr>
-            <p:ph idx="1" type="body"/>
+            <p:ph type="body" idx="1"/>
           </p:nvPr>
         </p:nvSpPr>
         <p:spPr>
@@ -7721,12 +7985,12 @@
           </a:prstGeom>
         </p:spPr>
         <p:txBody>
-          <a:bodyPr anchorCtr="0" anchor="t" bIns="91425" lIns="91425" spcFirstLastPara="1" rIns="91425" wrap="square" tIns="91425">
+          <a:bodyPr spcFirstLastPara="1" wrap="square" lIns="91425" tIns="91425" rIns="91425" bIns="91425" anchor="t" anchorCtr="0">
             <a:normAutofit/>
           </a:bodyPr>
           <a:lstStyle/>
           <a:p>
-            <a:pPr indent="0" lvl="0" marL="0" rtl="0" algn="l">
+            <a:pPr marL="0" lvl="0" indent="0" algn="l" rtl="0">
               <a:spcBef>
                 <a:spcPts val="0"/>
               </a:spcBef>
@@ -7742,7 +8006,7 @@
             <a:endParaRPr/>
           </a:p>
           <a:p>
-            <a:pPr indent="0" lvl="0" marL="0" rtl="0" algn="l">
+            <a:pPr marL="0" lvl="0" indent="0" algn="l" rtl="0">
               <a:spcBef>
                 <a:spcPts val="1200"/>
               </a:spcBef>
@@ -7835,12 +8099,12 @@
           </a:ln>
         </p:spPr>
         <p:txBody>
-          <a:bodyPr anchorCtr="0" anchor="t" bIns="91425" lIns="91425" spcFirstLastPara="1" rIns="91425" wrap="square" tIns="91425">
+          <a:bodyPr spcFirstLastPara="1" wrap="square" lIns="91425" tIns="91425" rIns="91425" bIns="91425" anchor="t" anchorCtr="0">
             <a:spAutoFit/>
           </a:bodyPr>
           <a:lstStyle/>
           <a:p>
-            <a:pPr indent="0" lvl="0" marL="0" rtl="0" algn="l">
+            <a:pPr marL="0" lvl="0" indent="0" algn="l" rtl="0">
               <a:spcBef>
                 <a:spcPts val="0"/>
               </a:spcBef>
@@ -7877,12 +8141,12 @@
           </a:ln>
         </p:spPr>
         <p:txBody>
-          <a:bodyPr anchorCtr="0" anchor="t" bIns="91425" lIns="91425" spcFirstLastPara="1" rIns="91425" wrap="square" tIns="91425">
+          <a:bodyPr spcFirstLastPara="1" wrap="square" lIns="91425" tIns="91425" rIns="91425" bIns="91425" anchor="t" anchorCtr="0">
             <a:spAutoFit/>
           </a:bodyPr>
           <a:lstStyle/>
           <a:p>
-            <a:pPr indent="0" lvl="0" marL="0" rtl="0" algn="l">
+            <a:pPr marL="0" lvl="0" indent="0" algn="l" rtl="0">
               <a:spcBef>
                 <a:spcPts val="0"/>
               </a:spcBef>
@@ -7908,11 +8172,11 @@
 </file>
 
 <file path=ppt/slides/slide13.xml><?xml version="1.0" encoding="utf-8"?>
-<p:sld xmlns:a="http://schemas.openxmlformats.org/drawingml/2006/main" xmlns:r="http://schemas.openxmlformats.org/officeDocument/2006/relationships" xmlns:mc="http://schemas.openxmlformats.org/markup-compatibility/2006" xmlns:mv="urn:schemas-microsoft-com:mac:vml" xmlns:p="http://schemas.openxmlformats.org/presentationml/2006/main" xmlns:c="http://schemas.openxmlformats.org/drawingml/2006/chart" xmlns:dgm="http://schemas.openxmlformats.org/drawingml/2006/diagram" xmlns:o="urn:schemas-microsoft-com:office:office" xmlns:v="urn:schemas-microsoft-com:vml" xmlns:pvml="urn:schemas-microsoft-com:office:powerpoint" xmlns:com="http://schemas.openxmlformats.org/drawingml/2006/compatibility" xmlns:p14="http://schemas.microsoft.com/office/powerpoint/2010/main" xmlns:p15="http://schemas.microsoft.com/office/powerpoint/2012/main" xmlns:ahyp="http://schemas.microsoft.com/office/drawing/2018/hyperlinkcolor">
+<p:sld xmlns:a="http://schemas.openxmlformats.org/drawingml/2006/main" xmlns:r="http://schemas.openxmlformats.org/officeDocument/2006/relationships" xmlns:p="http://schemas.openxmlformats.org/presentationml/2006/main">
   <p:cSld>
     <p:spTree>
       <p:nvGrpSpPr>
-        <p:cNvPr id="131" name="Shape 131"/>
+        <p:cNvPr id="1" name="Shape 131"/>
         <p:cNvGrpSpPr/>
         <p:nvPr/>
       </p:nvGrpSpPr>
@@ -7927,7 +8191,9 @@
       <p:sp>
         <p:nvSpPr>
           <p:cNvPr id="132" name="Google Shape;132;p25"/>
-          <p:cNvSpPr txBox="1"/>
+          <p:cNvSpPr txBox="1">
+            <a:spLocks noGrp="1"/>
+          </p:cNvSpPr>
           <p:nvPr>
             <p:ph type="title"/>
           </p:nvPr>
@@ -7942,12 +8208,12 @@
           </a:prstGeom>
         </p:spPr>
         <p:txBody>
-          <a:bodyPr anchorCtr="0" anchor="t" bIns="91425" lIns="91425" spcFirstLastPara="1" rIns="91425" wrap="square" tIns="91425">
+          <a:bodyPr spcFirstLastPara="1" wrap="square" lIns="91425" tIns="91425" rIns="91425" bIns="91425" anchor="t" anchorCtr="0">
             <a:normAutofit fontScale="90000"/>
           </a:bodyPr>
           <a:lstStyle/>
           <a:p>
-            <a:pPr indent="0" lvl="0" marL="0" rtl="0" algn="l">
+            <a:pPr marL="0" lvl="0" indent="0" algn="l" rtl="0">
               <a:spcBef>
                 <a:spcPts val="0"/>
               </a:spcBef>
@@ -7967,9 +8233,11 @@
       <p:sp>
         <p:nvSpPr>
           <p:cNvPr id="133" name="Google Shape;133;p25"/>
-          <p:cNvSpPr txBox="1"/>
+          <p:cNvSpPr txBox="1">
+            <a:spLocks noGrp="1"/>
+          </p:cNvSpPr>
           <p:nvPr>
-            <p:ph idx="1" type="body"/>
+            <p:ph type="body" idx="1"/>
           </p:nvPr>
         </p:nvSpPr>
         <p:spPr>
@@ -7982,12 +8250,12 @@
           </a:prstGeom>
         </p:spPr>
         <p:txBody>
-          <a:bodyPr anchorCtr="0" anchor="t" bIns="91425" lIns="91425" spcFirstLastPara="1" rIns="91425" wrap="square" tIns="91425">
+          <a:bodyPr spcFirstLastPara="1" wrap="square" lIns="91425" tIns="91425" rIns="91425" bIns="91425" anchor="t" anchorCtr="0">
             <a:normAutofit/>
           </a:bodyPr>
           <a:lstStyle/>
           <a:p>
-            <a:pPr indent="0" lvl="0" marL="0" rtl="0" algn="l">
+            <a:pPr marL="0" lvl="0" indent="0" algn="l" rtl="0">
               <a:spcBef>
                 <a:spcPts val="0"/>
               </a:spcBef>
@@ -8003,7 +8271,7 @@
             <a:endParaRPr/>
           </a:p>
           <a:p>
-            <a:pPr indent="0" lvl="0" marL="0" rtl="0" algn="l">
+            <a:pPr marL="0" lvl="0" indent="0" algn="l" rtl="0">
               <a:spcBef>
                 <a:spcPts val="1200"/>
               </a:spcBef>
@@ -8068,12 +8336,12 @@
           </a:ln>
         </p:spPr>
         <p:txBody>
-          <a:bodyPr anchorCtr="0" anchor="t" bIns="91425" lIns="91425" spcFirstLastPara="1" rIns="91425" wrap="square" tIns="91425">
+          <a:bodyPr spcFirstLastPara="1" wrap="square" lIns="91425" tIns="91425" rIns="91425" bIns="91425" anchor="t" anchorCtr="0">
             <a:spAutoFit/>
           </a:bodyPr>
           <a:lstStyle/>
           <a:p>
-            <a:pPr indent="0" lvl="0" marL="0" rtl="0" algn="l">
+            <a:pPr marL="0" lvl="0" indent="0" algn="l" rtl="0">
               <a:spcBef>
                 <a:spcPts val="0"/>
               </a:spcBef>
@@ -8138,12 +8406,12 @@
           </a:ln>
         </p:spPr>
         <p:txBody>
-          <a:bodyPr anchorCtr="0" anchor="t" bIns="91425" lIns="91425" spcFirstLastPara="1" rIns="91425" wrap="square" tIns="91425">
+          <a:bodyPr spcFirstLastPara="1" wrap="square" lIns="91425" tIns="91425" rIns="91425" bIns="91425" anchor="t" anchorCtr="0">
             <a:spAutoFit/>
           </a:bodyPr>
           <a:lstStyle/>
           <a:p>
-            <a:pPr indent="0" lvl="0" marL="0" rtl="0" algn="l">
+            <a:pPr marL="0" lvl="0" indent="0" algn="l" rtl="0">
               <a:spcBef>
                 <a:spcPts val="0"/>
               </a:spcBef>
@@ -8169,11 +8437,11 @@
 </file>
 
 <file path=ppt/slides/slide14.xml><?xml version="1.0" encoding="utf-8"?>
-<p:sld xmlns:a="http://schemas.openxmlformats.org/drawingml/2006/main" xmlns:r="http://schemas.openxmlformats.org/officeDocument/2006/relationships" xmlns:mc="http://schemas.openxmlformats.org/markup-compatibility/2006" xmlns:mv="urn:schemas-microsoft-com:mac:vml" xmlns:p="http://schemas.openxmlformats.org/presentationml/2006/main" xmlns:c="http://schemas.openxmlformats.org/drawingml/2006/chart" xmlns:dgm="http://schemas.openxmlformats.org/drawingml/2006/diagram" xmlns:o="urn:schemas-microsoft-com:office:office" xmlns:v="urn:schemas-microsoft-com:vml" xmlns:pvml="urn:schemas-microsoft-com:office:powerpoint" xmlns:com="http://schemas.openxmlformats.org/drawingml/2006/compatibility" xmlns:p14="http://schemas.microsoft.com/office/powerpoint/2010/main" xmlns:p15="http://schemas.microsoft.com/office/powerpoint/2012/main" xmlns:ahyp="http://schemas.microsoft.com/office/drawing/2018/hyperlinkcolor">
+<p:sld xmlns:a="http://schemas.openxmlformats.org/drawingml/2006/main" xmlns:r="http://schemas.openxmlformats.org/officeDocument/2006/relationships" xmlns:p="http://schemas.openxmlformats.org/presentationml/2006/main">
   <p:cSld>
     <p:spTree>
       <p:nvGrpSpPr>
-        <p:cNvPr id="141" name="Shape 141"/>
+        <p:cNvPr id="1" name="Shape 141"/>
         <p:cNvGrpSpPr/>
         <p:nvPr/>
       </p:nvGrpSpPr>
@@ -8188,7 +8456,9 @@
       <p:sp>
         <p:nvSpPr>
           <p:cNvPr id="142" name="Google Shape;142;p26"/>
-          <p:cNvSpPr txBox="1"/>
+          <p:cNvSpPr txBox="1">
+            <a:spLocks noGrp="1"/>
+          </p:cNvSpPr>
           <p:nvPr>
             <p:ph type="title"/>
           </p:nvPr>
@@ -8203,12 +8473,12 @@
           </a:prstGeom>
         </p:spPr>
         <p:txBody>
-          <a:bodyPr anchorCtr="0" anchor="t" bIns="91425" lIns="91425" spcFirstLastPara="1" rIns="91425" wrap="square" tIns="91425">
+          <a:bodyPr spcFirstLastPara="1" wrap="square" lIns="91425" tIns="91425" rIns="91425" bIns="91425" anchor="t" anchorCtr="0">
             <a:normAutofit fontScale="90000"/>
           </a:bodyPr>
           <a:lstStyle/>
           <a:p>
-            <a:pPr indent="0" lvl="0" marL="0" rtl="0" algn="l">
+            <a:pPr marL="0" lvl="0" indent="0" algn="l" rtl="0">
               <a:spcBef>
                 <a:spcPts val="0"/>
               </a:spcBef>
@@ -8224,18 +8494,15 @@
             <a:endParaRPr/>
           </a:p>
           <a:p>
-            <a:pPr indent="0" lvl="0" marL="0" rtl="0" algn="l">
-              <a:spcBef>
-                <a:spcPts val="0"/>
-              </a:spcBef>
-              <a:spcAft>
-                <a:spcPts val="0"/>
-              </a:spcAft>
-              <a:buNone/>
-            </a:pPr>
-            <a:r>
-              <a:t/>
-            </a:r>
+            <a:pPr marL="0" lvl="0" indent="0" algn="l" rtl="0">
+              <a:spcBef>
+                <a:spcPts val="0"/>
+              </a:spcBef>
+              <a:spcAft>
+                <a:spcPts val="0"/>
+              </a:spcAft>
+              <a:buNone/>
+            </a:pPr>
             <a:endParaRPr/>
           </a:p>
         </p:txBody>
@@ -8277,11 +8544,11 @@
 </file>
 
 <file path=ppt/slides/slide15.xml><?xml version="1.0" encoding="utf-8"?>
-<p:sld xmlns:a="http://schemas.openxmlformats.org/drawingml/2006/main" xmlns:r="http://schemas.openxmlformats.org/officeDocument/2006/relationships" xmlns:mc="http://schemas.openxmlformats.org/markup-compatibility/2006" xmlns:mv="urn:schemas-microsoft-com:mac:vml" xmlns:p="http://schemas.openxmlformats.org/presentationml/2006/main" xmlns:c="http://schemas.openxmlformats.org/drawingml/2006/chart" xmlns:dgm="http://schemas.openxmlformats.org/drawingml/2006/diagram" xmlns:o="urn:schemas-microsoft-com:office:office" xmlns:v="urn:schemas-microsoft-com:vml" xmlns:pvml="urn:schemas-microsoft-com:office:powerpoint" xmlns:com="http://schemas.openxmlformats.org/drawingml/2006/compatibility" xmlns:p14="http://schemas.microsoft.com/office/powerpoint/2010/main" xmlns:p15="http://schemas.microsoft.com/office/powerpoint/2012/main" xmlns:ahyp="http://schemas.microsoft.com/office/drawing/2018/hyperlinkcolor">
+<p:sld xmlns:a="http://schemas.openxmlformats.org/drawingml/2006/main" xmlns:r="http://schemas.openxmlformats.org/officeDocument/2006/relationships" xmlns:p="http://schemas.openxmlformats.org/presentationml/2006/main">
   <p:cSld>
     <p:spTree>
       <p:nvGrpSpPr>
-        <p:cNvPr id="147" name="Shape 147"/>
+        <p:cNvPr id="1" name="Shape 147"/>
         <p:cNvGrpSpPr/>
         <p:nvPr/>
       </p:nvGrpSpPr>
@@ -8296,7 +8563,9 @@
       <p:sp>
         <p:nvSpPr>
           <p:cNvPr id="148" name="Google Shape;148;p27"/>
-          <p:cNvSpPr txBox="1"/>
+          <p:cNvSpPr txBox="1">
+            <a:spLocks noGrp="1"/>
+          </p:cNvSpPr>
           <p:nvPr>
             <p:ph type="title"/>
           </p:nvPr>
@@ -8311,12 +8580,12 @@
           </a:prstGeom>
         </p:spPr>
         <p:txBody>
-          <a:bodyPr anchorCtr="0" anchor="t" bIns="91425" lIns="91425" spcFirstLastPara="1" rIns="91425" wrap="square" tIns="91425">
+          <a:bodyPr spcFirstLastPara="1" wrap="square" lIns="91425" tIns="91425" rIns="91425" bIns="91425" anchor="t" anchorCtr="0">
             <a:normAutofit fontScale="90000"/>
           </a:bodyPr>
           <a:lstStyle/>
           <a:p>
-            <a:pPr indent="0" lvl="0" marL="0" rtl="0" algn="l">
+            <a:pPr marL="0" lvl="0" indent="0" algn="l" rtl="0">
               <a:spcBef>
                 <a:spcPts val="0"/>
               </a:spcBef>
@@ -8326,35 +8595,20 @@
               <a:buNone/>
             </a:pPr>
             <a:r>
-              <a:rPr lang="en"/>
-              <a:t>Other factors </a:t>
+              <a:rPr lang="en-US"/>
+              <a:t>Other factors affecting choosing model</a:t>
             </a:r>
-            <a:r>
-              <a:rPr lang="en"/>
-              <a:t>affecting</a:t>
-            </a:r>
-            <a:r>
-              <a:rPr lang="en"/>
-              <a:t> </a:t>
-            </a:r>
-            <a:r>
-              <a:rPr lang="en"/>
-              <a:t>choosing</a:t>
-            </a:r>
-            <a:r>
-              <a:rPr lang="en"/>
-              <a:t> model</a:t>
-            </a:r>
-            <a:endParaRPr/>
           </a:p>
         </p:txBody>
       </p:sp>
       <p:sp>
         <p:nvSpPr>
           <p:cNvPr id="149" name="Google Shape;149;p27"/>
-          <p:cNvSpPr txBox="1"/>
+          <p:cNvSpPr txBox="1">
+            <a:spLocks noGrp="1"/>
+          </p:cNvSpPr>
           <p:nvPr>
-            <p:ph idx="1" type="body"/>
+            <p:ph type="body" idx="1"/>
           </p:nvPr>
         </p:nvSpPr>
         <p:spPr>
@@ -8367,12 +8621,12 @@
           </a:prstGeom>
         </p:spPr>
         <p:txBody>
-          <a:bodyPr anchorCtr="0" anchor="t" bIns="91425" lIns="91425" spcFirstLastPara="1" rIns="91425" wrap="square" tIns="91425">
+          <a:bodyPr spcFirstLastPara="1" wrap="square" lIns="91425" tIns="91425" rIns="91425" bIns="91425" anchor="t" anchorCtr="0">
             <a:normAutofit/>
           </a:bodyPr>
           <a:lstStyle/>
           <a:p>
-            <a:pPr indent="-342900" lvl="0" marL="457200" rtl="0" algn="l">
+            <a:pPr marL="457200" lvl="0" indent="-342900" algn="l" rtl="0">
               <a:spcBef>
                 <a:spcPts val="0"/>
               </a:spcBef>
@@ -8383,13 +8637,12 @@
               <a:buChar char="●"/>
             </a:pPr>
             <a:r>
-              <a:rPr lang="en"/>
+              <a:rPr lang="en-US"/>
               <a:t>Random forests -- slow to train</a:t>
             </a:r>
-            <a:endParaRPr/>
-          </a:p>
-          <a:p>
-            <a:pPr indent="-342900" lvl="0" marL="457200" rtl="0" algn="l">
+          </a:p>
+          <a:p>
+            <a:pPr marL="457200" lvl="0" indent="-342900" algn="l" rtl="0">
               <a:spcBef>
                 <a:spcPts val="0"/>
               </a:spcBef>
@@ -8400,10 +8653,9 @@
               <a:buChar char="●"/>
             </a:pPr>
             <a:r>
-              <a:rPr lang="en"/>
+              <a:rPr lang="en-US"/>
               <a:t>Linear regression -- more preprocessing; outliers need to be handled when training</a:t>
             </a:r>
-            <a:endParaRPr/>
           </a:p>
         </p:txBody>
       </p:sp>
@@ -8444,11 +8696,11 @@
 </file>
 
 <file path=ppt/slides/slide16.xml><?xml version="1.0" encoding="utf-8"?>
-<p:sld xmlns:a="http://schemas.openxmlformats.org/drawingml/2006/main" xmlns:r="http://schemas.openxmlformats.org/officeDocument/2006/relationships" xmlns:mc="http://schemas.openxmlformats.org/markup-compatibility/2006" xmlns:mv="urn:schemas-microsoft-com:mac:vml" xmlns:p="http://schemas.openxmlformats.org/presentationml/2006/main" xmlns:c="http://schemas.openxmlformats.org/drawingml/2006/chart" xmlns:dgm="http://schemas.openxmlformats.org/drawingml/2006/diagram" xmlns:o="urn:schemas-microsoft-com:office:office" xmlns:v="urn:schemas-microsoft-com:vml" xmlns:pvml="urn:schemas-microsoft-com:office:powerpoint" xmlns:com="http://schemas.openxmlformats.org/drawingml/2006/compatibility" xmlns:p14="http://schemas.microsoft.com/office/powerpoint/2010/main" xmlns:p15="http://schemas.microsoft.com/office/powerpoint/2012/main" xmlns:ahyp="http://schemas.microsoft.com/office/drawing/2018/hyperlinkcolor">
+<p:sld xmlns:a="http://schemas.openxmlformats.org/drawingml/2006/main" xmlns:r="http://schemas.openxmlformats.org/officeDocument/2006/relationships" xmlns:p="http://schemas.openxmlformats.org/presentationml/2006/main">
   <p:cSld>
     <p:spTree>
       <p:nvGrpSpPr>
-        <p:cNvPr id="154" name="Shape 154"/>
+        <p:cNvPr id="1" name="Shape 154"/>
         <p:cNvGrpSpPr/>
         <p:nvPr/>
       </p:nvGrpSpPr>
@@ -8463,7 +8715,9 @@
       <p:sp>
         <p:nvSpPr>
           <p:cNvPr id="155" name="Google Shape;155;p28"/>
-          <p:cNvSpPr txBox="1"/>
+          <p:cNvSpPr txBox="1">
+            <a:spLocks noGrp="1"/>
+          </p:cNvSpPr>
           <p:nvPr>
             <p:ph type="ctrTitle"/>
           </p:nvPr>
@@ -8478,12 +8732,12 @@
           </a:prstGeom>
         </p:spPr>
         <p:txBody>
-          <a:bodyPr anchorCtr="0" anchor="b" bIns="91425" lIns="91425" spcFirstLastPara="1" rIns="91425" wrap="square" tIns="91425">
+          <a:bodyPr spcFirstLastPara="1" wrap="square" lIns="91425" tIns="91425" rIns="91425" bIns="91425" anchor="b" anchorCtr="0">
             <a:normAutofit fontScale="90000"/>
           </a:bodyPr>
           <a:lstStyle/>
           <a:p>
-            <a:pPr indent="0" lvl="0" marL="0" rtl="0" algn="ctr">
+            <a:pPr marL="0" lvl="0" indent="0" algn="ctr" rtl="0">
               <a:spcBef>
                 <a:spcPts val="0"/>
               </a:spcBef>
@@ -8493,19 +8747,20 @@
               <a:buNone/>
             </a:pPr>
             <a:r>
-              <a:rPr lang="en"/>
+              <a:rPr lang="en-US"/>
               <a:t>Model of Choice</a:t>
             </a:r>
-            <a:endParaRPr/>
           </a:p>
         </p:txBody>
       </p:sp>
       <p:sp>
         <p:nvSpPr>
           <p:cNvPr id="156" name="Google Shape;156;p28"/>
-          <p:cNvSpPr txBox="1"/>
+          <p:cNvSpPr txBox="1">
+            <a:spLocks noGrp="1"/>
+          </p:cNvSpPr>
           <p:nvPr>
-            <p:ph idx="1" type="subTitle"/>
+            <p:ph type="subTitle" idx="1"/>
           </p:nvPr>
         </p:nvSpPr>
         <p:spPr>
@@ -8518,12 +8773,12 @@
           </a:prstGeom>
         </p:spPr>
         <p:txBody>
-          <a:bodyPr anchorCtr="0" anchor="t" bIns="91425" lIns="91425" spcFirstLastPara="1" rIns="91425" wrap="square" tIns="91425">
+          <a:bodyPr spcFirstLastPara="1" wrap="square" lIns="91425" tIns="91425" rIns="91425" bIns="91425" anchor="t" anchorCtr="0">
             <a:normAutofit fontScale="92500"/>
           </a:bodyPr>
           <a:lstStyle/>
           <a:p>
-            <a:pPr indent="0" lvl="0" marL="0" rtl="0" algn="ctr">
+            <a:pPr marL="0" lvl="0" indent="0" algn="ctr" rtl="0">
               <a:spcBef>
                 <a:spcPts val="0"/>
               </a:spcBef>
@@ -8533,10 +8788,9 @@
               <a:buNone/>
             </a:pPr>
             <a:r>
-              <a:rPr lang="en"/>
+              <a:rPr lang="en-US"/>
               <a:t>Logistic Regression with adjusted classification threshold</a:t>
             </a:r>
-            <a:endParaRPr/>
           </a:p>
         </p:txBody>
       </p:sp>
@@ -8549,11 +8803,11 @@
 </file>
 
 <file path=ppt/slides/slide17.xml><?xml version="1.0" encoding="utf-8"?>
-<p:sld xmlns:a="http://schemas.openxmlformats.org/drawingml/2006/main" xmlns:r="http://schemas.openxmlformats.org/officeDocument/2006/relationships" xmlns:mc="http://schemas.openxmlformats.org/markup-compatibility/2006" xmlns:mv="urn:schemas-microsoft-com:mac:vml" xmlns:p="http://schemas.openxmlformats.org/presentationml/2006/main" xmlns:c="http://schemas.openxmlformats.org/drawingml/2006/chart" xmlns:dgm="http://schemas.openxmlformats.org/drawingml/2006/diagram" xmlns:o="urn:schemas-microsoft-com:office:office" xmlns:v="urn:schemas-microsoft-com:vml" xmlns:pvml="urn:schemas-microsoft-com:office:powerpoint" xmlns:com="http://schemas.openxmlformats.org/drawingml/2006/compatibility" xmlns:p14="http://schemas.microsoft.com/office/powerpoint/2010/main" xmlns:p15="http://schemas.microsoft.com/office/powerpoint/2012/main" xmlns:ahyp="http://schemas.microsoft.com/office/drawing/2018/hyperlinkcolor">
+<p:sld xmlns:a="http://schemas.openxmlformats.org/drawingml/2006/main" xmlns:r="http://schemas.openxmlformats.org/officeDocument/2006/relationships" xmlns:p="http://schemas.openxmlformats.org/presentationml/2006/main">
   <p:cSld>
     <p:spTree>
       <p:nvGrpSpPr>
-        <p:cNvPr id="160" name="Shape 160"/>
+        <p:cNvPr id="1" name="Shape 160"/>
         <p:cNvGrpSpPr/>
         <p:nvPr/>
       </p:nvGrpSpPr>
@@ -8568,7 +8822,9 @@
       <p:sp>
         <p:nvSpPr>
           <p:cNvPr id="161" name="Google Shape;161;p29"/>
-          <p:cNvSpPr txBox="1"/>
+          <p:cNvSpPr txBox="1">
+            <a:spLocks noGrp="1"/>
+          </p:cNvSpPr>
           <p:nvPr>
             <p:ph type="title"/>
           </p:nvPr>
@@ -8583,12 +8839,12 @@
           </a:prstGeom>
         </p:spPr>
         <p:txBody>
-          <a:bodyPr anchorCtr="0" anchor="t" bIns="91425" lIns="91425" spcFirstLastPara="1" rIns="91425" wrap="square" tIns="91425">
+          <a:bodyPr spcFirstLastPara="1" wrap="square" lIns="91425" tIns="91425" rIns="91425" bIns="91425" anchor="t" anchorCtr="0">
             <a:normAutofit fontScale="90000"/>
           </a:bodyPr>
           <a:lstStyle/>
           <a:p>
-            <a:pPr indent="0" lvl="0" marL="0" rtl="0" algn="l">
+            <a:pPr marL="0" lvl="0" indent="0" algn="l" rtl="0">
               <a:spcBef>
                 <a:spcPts val="0"/>
               </a:spcBef>
@@ -8608,9 +8864,11 @@
       <p:sp>
         <p:nvSpPr>
           <p:cNvPr id="162" name="Google Shape;162;p29"/>
-          <p:cNvSpPr txBox="1"/>
+          <p:cNvSpPr txBox="1">
+            <a:spLocks noGrp="1"/>
+          </p:cNvSpPr>
           <p:nvPr>
-            <p:ph idx="1" type="body"/>
+            <p:ph type="body" idx="1"/>
           </p:nvPr>
         </p:nvSpPr>
         <p:spPr>
@@ -8623,12 +8881,12 @@
           </a:prstGeom>
         </p:spPr>
         <p:txBody>
-          <a:bodyPr anchorCtr="0" anchor="t" bIns="91425" lIns="91425" spcFirstLastPara="1" rIns="91425" wrap="square" tIns="91425">
+          <a:bodyPr spcFirstLastPara="1" wrap="square" lIns="91425" tIns="91425" rIns="91425" bIns="91425" anchor="t" anchorCtr="0">
             <a:normAutofit/>
           </a:bodyPr>
           <a:lstStyle/>
           <a:p>
-            <a:pPr indent="0" lvl="0" marL="0" rtl="0" algn="l">
+            <a:pPr marL="0" lvl="0" indent="0" algn="l" rtl="0">
               <a:spcBef>
                 <a:spcPts val="0"/>
               </a:spcBef>
@@ -8637,9 +8895,6 @@
               </a:spcAft>
               <a:buNone/>
             </a:pPr>
-            <a:r>
-              <a:t/>
-            </a:r>
             <a:endParaRPr/>
           </a:p>
         </p:txBody>
@@ -8653,11 +8908,11 @@
 </file>
 
 <file path=ppt/slides/slide18.xml><?xml version="1.0" encoding="utf-8"?>
-<p:sld xmlns:a="http://schemas.openxmlformats.org/drawingml/2006/main" xmlns:r="http://schemas.openxmlformats.org/officeDocument/2006/relationships" xmlns:mc="http://schemas.openxmlformats.org/markup-compatibility/2006" xmlns:mv="urn:schemas-microsoft-com:mac:vml" xmlns:p="http://schemas.openxmlformats.org/presentationml/2006/main" xmlns:c="http://schemas.openxmlformats.org/drawingml/2006/chart" xmlns:dgm="http://schemas.openxmlformats.org/drawingml/2006/diagram" xmlns:o="urn:schemas-microsoft-com:office:office" xmlns:v="urn:schemas-microsoft-com:vml" xmlns:pvml="urn:schemas-microsoft-com:office:powerpoint" xmlns:com="http://schemas.openxmlformats.org/drawingml/2006/compatibility" xmlns:p14="http://schemas.microsoft.com/office/powerpoint/2010/main" xmlns:p15="http://schemas.microsoft.com/office/powerpoint/2012/main" xmlns:ahyp="http://schemas.microsoft.com/office/drawing/2018/hyperlinkcolor">
+<p:sld xmlns:a="http://schemas.openxmlformats.org/drawingml/2006/main" xmlns:r="http://schemas.openxmlformats.org/officeDocument/2006/relationships" xmlns:p="http://schemas.openxmlformats.org/presentationml/2006/main">
   <p:cSld>
     <p:spTree>
       <p:nvGrpSpPr>
-        <p:cNvPr id="166" name="Shape 166"/>
+        <p:cNvPr id="1" name="Shape 166"/>
         <p:cNvGrpSpPr/>
         <p:nvPr/>
       </p:nvGrpSpPr>
@@ -8672,7 +8927,9 @@
       <p:sp>
         <p:nvSpPr>
           <p:cNvPr id="167" name="Google Shape;167;p30"/>
-          <p:cNvSpPr txBox="1"/>
+          <p:cNvSpPr txBox="1">
+            <a:spLocks noGrp="1"/>
+          </p:cNvSpPr>
           <p:nvPr>
             <p:ph type="title"/>
           </p:nvPr>
@@ -8687,12 +8944,12 @@
           </a:prstGeom>
         </p:spPr>
         <p:txBody>
-          <a:bodyPr anchorCtr="0" anchor="t" bIns="91425" lIns="91425" spcFirstLastPara="1" rIns="91425" wrap="square" tIns="91425">
+          <a:bodyPr spcFirstLastPara="1" wrap="square" lIns="91425" tIns="91425" rIns="91425" bIns="91425" anchor="t" anchorCtr="0">
             <a:normAutofit fontScale="90000"/>
           </a:bodyPr>
           <a:lstStyle/>
           <a:p>
-            <a:pPr indent="0" lvl="0" marL="0" rtl="0" algn="l">
+            <a:pPr marL="0" lvl="0" indent="0" algn="l" rtl="0">
               <a:spcBef>
                 <a:spcPts val="0"/>
               </a:spcBef>
@@ -8774,11 +9031,11 @@
 </file>
 
 <file path=ppt/slides/slide19.xml><?xml version="1.0" encoding="utf-8"?>
-<p:sld xmlns:a="http://schemas.openxmlformats.org/drawingml/2006/main" xmlns:r="http://schemas.openxmlformats.org/officeDocument/2006/relationships" xmlns:mc="http://schemas.openxmlformats.org/markup-compatibility/2006" xmlns:mv="urn:schemas-microsoft-com:mac:vml" xmlns:p="http://schemas.openxmlformats.org/presentationml/2006/main" xmlns:c="http://schemas.openxmlformats.org/drawingml/2006/chart" xmlns:dgm="http://schemas.openxmlformats.org/drawingml/2006/diagram" xmlns:o="urn:schemas-microsoft-com:office:office" xmlns:v="urn:schemas-microsoft-com:vml" xmlns:pvml="urn:schemas-microsoft-com:office:powerpoint" xmlns:com="http://schemas.openxmlformats.org/drawingml/2006/compatibility" xmlns:p14="http://schemas.microsoft.com/office/powerpoint/2010/main" xmlns:p15="http://schemas.microsoft.com/office/powerpoint/2012/main" xmlns:ahyp="http://schemas.microsoft.com/office/drawing/2018/hyperlinkcolor">
+<p:sld xmlns:a="http://schemas.openxmlformats.org/drawingml/2006/main" xmlns:r="http://schemas.openxmlformats.org/officeDocument/2006/relationships" xmlns:p="http://schemas.openxmlformats.org/presentationml/2006/main">
   <p:cSld>
     <p:spTree>
       <p:nvGrpSpPr>
-        <p:cNvPr id="173" name="Shape 173"/>
+        <p:cNvPr id="1" name="Shape 173"/>
         <p:cNvGrpSpPr/>
         <p:nvPr/>
       </p:nvGrpSpPr>
@@ -8793,7 +9050,9 @@
       <p:sp>
         <p:nvSpPr>
           <p:cNvPr id="174" name="Google Shape;174;p31"/>
-          <p:cNvSpPr txBox="1"/>
+          <p:cNvSpPr txBox="1">
+            <a:spLocks noGrp="1"/>
+          </p:cNvSpPr>
           <p:nvPr>
             <p:ph type="title"/>
           </p:nvPr>
@@ -8808,12 +9067,12 @@
           </a:prstGeom>
         </p:spPr>
         <p:txBody>
-          <a:bodyPr anchorCtr="0" anchor="t" bIns="91425" lIns="91425" spcFirstLastPara="1" rIns="91425" wrap="square" tIns="91425">
+          <a:bodyPr spcFirstLastPara="1" wrap="square" lIns="91425" tIns="91425" rIns="91425" bIns="91425" anchor="t" anchorCtr="0">
             <a:normAutofit fontScale="90000"/>
           </a:bodyPr>
           <a:lstStyle/>
           <a:p>
-            <a:pPr indent="0" lvl="0" marL="0" rtl="0" algn="l">
+            <a:pPr marL="0" lvl="0" indent="0" algn="l" rtl="0">
               <a:spcBef>
                 <a:spcPts val="0"/>
               </a:spcBef>
@@ -8833,9 +9092,11 @@
       <p:sp>
         <p:nvSpPr>
           <p:cNvPr id="175" name="Google Shape;175;p31"/>
-          <p:cNvSpPr txBox="1"/>
+          <p:cNvSpPr txBox="1">
+            <a:spLocks noGrp="1"/>
+          </p:cNvSpPr>
           <p:nvPr>
-            <p:ph idx="1" type="body"/>
+            <p:ph type="body" idx="1"/>
           </p:nvPr>
         </p:nvSpPr>
         <p:spPr>
@@ -8848,12 +9109,12 @@
           </a:prstGeom>
         </p:spPr>
         <p:txBody>
-          <a:bodyPr anchorCtr="0" anchor="t" bIns="91425" lIns="91425" spcFirstLastPara="1" rIns="91425" wrap="square" tIns="91425">
+          <a:bodyPr spcFirstLastPara="1" wrap="square" lIns="91425" tIns="91425" rIns="91425" bIns="91425" anchor="t" anchorCtr="0">
             <a:normAutofit/>
           </a:bodyPr>
           <a:lstStyle/>
           <a:p>
-            <a:pPr indent="-342900" lvl="0" marL="457200" rtl="0" algn="l">
+            <a:pPr marL="457200" lvl="0" indent="-342900" algn="l" rtl="0">
               <a:spcBef>
                 <a:spcPts val="0"/>
               </a:spcBef>
@@ -8870,7 +9131,7 @@
             <a:endParaRPr/>
           </a:p>
           <a:p>
-            <a:pPr indent="-342900" lvl="0" marL="457200" rtl="0" algn="l">
+            <a:pPr marL="457200" lvl="0" indent="-342900" algn="l" rtl="0">
               <a:spcBef>
                 <a:spcPts val="0"/>
               </a:spcBef>
@@ -8887,7 +9148,7 @@
             <a:endParaRPr/>
           </a:p>
           <a:p>
-            <a:pPr indent="-342900" lvl="0" marL="457200" rtl="0" algn="l">
+            <a:pPr marL="457200" lvl="0" indent="-342900" algn="l" rtl="0">
               <a:spcBef>
                 <a:spcPts val="0"/>
               </a:spcBef>
@@ -8914,11 +9175,11 @@
 </file>
 
 <file path=ppt/slides/slide2.xml><?xml version="1.0" encoding="utf-8"?>
-<p:sld xmlns:a="http://schemas.openxmlformats.org/drawingml/2006/main" xmlns:r="http://schemas.openxmlformats.org/officeDocument/2006/relationships" xmlns:mc="http://schemas.openxmlformats.org/markup-compatibility/2006" xmlns:mv="urn:schemas-microsoft-com:mac:vml" xmlns:p="http://schemas.openxmlformats.org/presentationml/2006/main" xmlns:c="http://schemas.openxmlformats.org/drawingml/2006/chart" xmlns:dgm="http://schemas.openxmlformats.org/drawingml/2006/diagram" xmlns:o="urn:schemas-microsoft-com:office:office" xmlns:v="urn:schemas-microsoft-com:vml" xmlns:pvml="urn:schemas-microsoft-com:office:powerpoint" xmlns:com="http://schemas.openxmlformats.org/drawingml/2006/compatibility" xmlns:p14="http://schemas.microsoft.com/office/powerpoint/2010/main" xmlns:p15="http://schemas.microsoft.com/office/powerpoint/2012/main" xmlns:ahyp="http://schemas.microsoft.com/office/drawing/2018/hyperlinkcolor">
+<p:sld xmlns:a="http://schemas.openxmlformats.org/drawingml/2006/main" xmlns:r="http://schemas.openxmlformats.org/officeDocument/2006/relationships" xmlns:p="http://schemas.openxmlformats.org/presentationml/2006/main">
   <p:cSld>
     <p:spTree>
       <p:nvGrpSpPr>
-        <p:cNvPr id="58" name="Shape 58"/>
+        <p:cNvPr id="1" name="Shape 58"/>
         <p:cNvGrpSpPr/>
         <p:nvPr/>
       </p:nvGrpSpPr>
@@ -8933,7 +9194,9 @@
       <p:sp>
         <p:nvSpPr>
           <p:cNvPr id="59" name="Google Shape;59;p14"/>
-          <p:cNvSpPr txBox="1"/>
+          <p:cNvSpPr txBox="1">
+            <a:spLocks noGrp="1"/>
+          </p:cNvSpPr>
           <p:nvPr>
             <p:ph type="title"/>
           </p:nvPr>
@@ -8948,12 +9211,12 @@
           </a:prstGeom>
         </p:spPr>
         <p:txBody>
-          <a:bodyPr anchorCtr="0" anchor="t" bIns="91425" lIns="91425" spcFirstLastPara="1" rIns="91425" wrap="square" tIns="91425">
+          <a:bodyPr spcFirstLastPara="1" wrap="square" lIns="91425" tIns="91425" rIns="91425" bIns="91425" anchor="t" anchorCtr="0">
             <a:normAutofit fontScale="90000"/>
           </a:bodyPr>
           <a:lstStyle/>
           <a:p>
-            <a:pPr indent="0" lvl="0" marL="0" rtl="0" algn="l">
+            <a:pPr marL="0" lvl="0" indent="0" algn="l" rtl="0">
               <a:spcBef>
                 <a:spcPts val="0"/>
               </a:spcBef>
@@ -8963,19 +9226,21 @@
               <a:buNone/>
             </a:pPr>
             <a:r>
-              <a:rPr lang="en"/>
+              <a:rPr lang="en" dirty="0"/>
               <a:t>Main benefit of a predictive model</a:t>
             </a:r>
-            <a:endParaRPr/>
+            <a:endParaRPr dirty="0"/>
           </a:p>
         </p:txBody>
       </p:sp>
       <p:sp>
         <p:nvSpPr>
           <p:cNvPr id="60" name="Google Shape;60;p14"/>
-          <p:cNvSpPr txBox="1"/>
+          <p:cNvSpPr txBox="1">
+            <a:spLocks noGrp="1"/>
+          </p:cNvSpPr>
           <p:nvPr>
-            <p:ph idx="1" type="body"/>
+            <p:ph type="body" idx="1"/>
           </p:nvPr>
         </p:nvSpPr>
         <p:spPr>
@@ -8988,12 +9253,12 @@
           </a:prstGeom>
         </p:spPr>
         <p:txBody>
-          <a:bodyPr anchorCtr="0" anchor="t" bIns="91425" lIns="91425" spcFirstLastPara="1" rIns="91425" wrap="square" tIns="91425">
+          <a:bodyPr spcFirstLastPara="1" wrap="square" lIns="91425" tIns="91425" rIns="91425" bIns="91425" anchor="t" anchorCtr="0">
             <a:normAutofit/>
           </a:bodyPr>
           <a:lstStyle/>
           <a:p>
-            <a:pPr indent="0" lvl="0" marL="0" rtl="0" algn="l">
+            <a:pPr marL="0" lvl="0" indent="0" algn="l" rtl="0">
               <a:spcBef>
                 <a:spcPts val="0"/>
               </a:spcBef>
@@ -9003,13 +9268,13 @@
               <a:buNone/>
             </a:pPr>
             <a:r>
-              <a:rPr lang="en"/>
+              <a:rPr lang="en" dirty="0"/>
               <a:t>Help lending companies decide whether or not to accept the application of a potential client.</a:t>
             </a:r>
-            <a:endParaRPr/>
-          </a:p>
-          <a:p>
-            <a:pPr indent="0" lvl="0" marL="0" rtl="0" algn="l">
+            <a:endParaRPr dirty="0"/>
+          </a:p>
+          <a:p>
+            <a:pPr marL="0" lvl="0" indent="0" algn="l" rtl="0">
               <a:spcBef>
                 <a:spcPts val="1200"/>
               </a:spcBef>
@@ -9018,10 +9283,7 @@
               </a:spcAft>
               <a:buNone/>
             </a:pPr>
-            <a:r>
-              <a:t/>
-            </a:r>
-            <a:endParaRPr/>
+            <a:endParaRPr dirty="0"/>
           </a:p>
         </p:txBody>
       </p:sp>
@@ -9045,12 +9307,12 @@
           </a:ln>
         </p:spPr>
         <p:txBody>
-          <a:bodyPr anchorCtr="0" anchor="t" bIns="91425" lIns="91425" spcFirstLastPara="1" rIns="91425" wrap="square" tIns="91425">
+          <a:bodyPr spcFirstLastPara="1" wrap="square" lIns="91425" tIns="91425" rIns="91425" bIns="91425" anchor="t" anchorCtr="0">
             <a:spAutoFit/>
           </a:bodyPr>
           <a:lstStyle/>
           <a:p>
-            <a:pPr indent="0" lvl="0" marL="0" rtl="0" algn="l">
+            <a:pPr marL="0" lvl="0" indent="0" algn="l" rtl="0">
               <a:spcBef>
                 <a:spcPts val="0"/>
               </a:spcBef>
@@ -9070,15 +9332,7 @@
                   <a:schemeClr val="dk1"/>
                 </a:solidFill>
               </a:rPr>
-              <a:t>Possible d</a:t>
-            </a:r>
-            <a:r>
-              <a:rPr lang="en" sz="2800">
-                <a:solidFill>
-                  <a:schemeClr val="dk1"/>
-                </a:solidFill>
-              </a:rPr>
-              <a:t>rawbacks of using ml models</a:t>
+              <a:t>Possible drawbacks of using ml models</a:t>
             </a:r>
             <a:endParaRPr sz="2800">
               <a:solidFill>
@@ -9087,18 +9341,15 @@
             </a:endParaRPr>
           </a:p>
           <a:p>
-            <a:pPr indent="0" lvl="0" marL="0" rtl="0" algn="l">
-              <a:spcBef>
-                <a:spcPts val="0"/>
-              </a:spcBef>
-              <a:spcAft>
-                <a:spcPts val="0"/>
-              </a:spcAft>
-              <a:buNone/>
-            </a:pPr>
-            <a:r>
-              <a:t/>
-            </a:r>
+            <a:pPr marL="0" lvl="0" indent="0" algn="l" rtl="0">
+              <a:spcBef>
+                <a:spcPts val="0"/>
+              </a:spcBef>
+              <a:spcAft>
+                <a:spcPts val="0"/>
+              </a:spcAft>
+              <a:buNone/>
+            </a:pPr>
             <a:endParaRPr/>
           </a:p>
         </p:txBody>
@@ -9123,12 +9374,12 @@
           </a:ln>
         </p:spPr>
         <p:txBody>
-          <a:bodyPr anchorCtr="0" anchor="t" bIns="91425" lIns="91425" spcFirstLastPara="1" rIns="91425" wrap="square" tIns="91425">
+          <a:bodyPr spcFirstLastPara="1" wrap="square" lIns="91425" tIns="91425" rIns="91425" bIns="91425" anchor="t" anchorCtr="0">
             <a:spAutoFit/>
           </a:bodyPr>
           <a:lstStyle/>
           <a:p>
-            <a:pPr indent="0" lvl="0" marL="0" rtl="0" algn="l">
+            <a:pPr marL="0" lvl="0" indent="0" algn="l" rtl="0">
               <a:spcBef>
                 <a:spcPts val="0"/>
               </a:spcBef>
@@ -9163,11 +9414,11 @@
 </file>
 
 <file path=ppt/slides/slide20.xml><?xml version="1.0" encoding="utf-8"?>
-<p:sld xmlns:a="http://schemas.openxmlformats.org/drawingml/2006/main" xmlns:r="http://schemas.openxmlformats.org/officeDocument/2006/relationships" xmlns:mc="http://schemas.openxmlformats.org/markup-compatibility/2006" xmlns:mv="urn:schemas-microsoft-com:mac:vml" xmlns:p="http://schemas.openxmlformats.org/presentationml/2006/main" xmlns:c="http://schemas.openxmlformats.org/drawingml/2006/chart" xmlns:dgm="http://schemas.openxmlformats.org/drawingml/2006/diagram" xmlns:o="urn:schemas-microsoft-com:office:office" xmlns:v="urn:schemas-microsoft-com:vml" xmlns:pvml="urn:schemas-microsoft-com:office:powerpoint" xmlns:com="http://schemas.openxmlformats.org/drawingml/2006/compatibility" xmlns:p14="http://schemas.microsoft.com/office/powerpoint/2010/main" xmlns:p15="http://schemas.microsoft.com/office/powerpoint/2012/main" xmlns:ahyp="http://schemas.microsoft.com/office/drawing/2018/hyperlinkcolor">
+<p:sld xmlns:a="http://schemas.openxmlformats.org/drawingml/2006/main" xmlns:r="http://schemas.openxmlformats.org/officeDocument/2006/relationships" xmlns:p="http://schemas.openxmlformats.org/presentationml/2006/main">
   <p:cSld>
     <p:spTree>
       <p:nvGrpSpPr>
-        <p:cNvPr id="179" name="Shape 179"/>
+        <p:cNvPr id="1" name="Shape 179"/>
         <p:cNvGrpSpPr/>
         <p:nvPr/>
       </p:nvGrpSpPr>
@@ -9182,7 +9433,9 @@
       <p:sp>
         <p:nvSpPr>
           <p:cNvPr id="180" name="Google Shape;180;p32"/>
-          <p:cNvSpPr txBox="1"/>
+          <p:cNvSpPr txBox="1">
+            <a:spLocks noGrp="1"/>
+          </p:cNvSpPr>
           <p:nvPr>
             <p:ph type="title"/>
           </p:nvPr>
@@ -9197,12 +9450,12 @@
           </a:prstGeom>
         </p:spPr>
         <p:txBody>
-          <a:bodyPr anchorCtr="0" anchor="t" bIns="91425" lIns="91425" spcFirstLastPara="1" rIns="91425" wrap="square" tIns="91425">
+          <a:bodyPr spcFirstLastPara="1" wrap="square" lIns="91425" tIns="91425" rIns="91425" bIns="91425" anchor="t" anchorCtr="0">
             <a:normAutofit fontScale="90000"/>
           </a:bodyPr>
           <a:lstStyle/>
           <a:p>
-            <a:pPr indent="0" lvl="0" marL="0" rtl="0" algn="l">
+            <a:pPr marL="0" lvl="0" indent="0" algn="l" rtl="0">
               <a:spcBef>
                 <a:spcPts val="0"/>
               </a:spcBef>
@@ -9222,9 +9475,11 @@
       <p:sp>
         <p:nvSpPr>
           <p:cNvPr id="181" name="Google Shape;181;p32"/>
-          <p:cNvSpPr txBox="1"/>
+          <p:cNvSpPr txBox="1">
+            <a:spLocks noGrp="1"/>
+          </p:cNvSpPr>
           <p:nvPr>
-            <p:ph idx="1" type="body"/>
+            <p:ph type="body" idx="1"/>
           </p:nvPr>
         </p:nvSpPr>
         <p:spPr>
@@ -9237,12 +9492,12 @@
           </a:prstGeom>
         </p:spPr>
         <p:txBody>
-          <a:bodyPr anchorCtr="0" anchor="t" bIns="91425" lIns="91425" spcFirstLastPara="1" rIns="91425" wrap="square" tIns="91425">
+          <a:bodyPr spcFirstLastPara="1" wrap="square" lIns="91425" tIns="91425" rIns="91425" bIns="91425" anchor="t" anchorCtr="0">
             <a:normAutofit/>
           </a:bodyPr>
           <a:lstStyle/>
           <a:p>
-            <a:pPr indent="0" lvl="0" marL="0" rtl="0" algn="l">
+            <a:pPr marL="0" lvl="0" indent="0" algn="l" rtl="0">
               <a:spcBef>
                 <a:spcPts val="0"/>
               </a:spcBef>
@@ -9267,7 +9522,7 @@
             <a:endParaRPr/>
           </a:p>
           <a:p>
-            <a:pPr indent="0" lvl="0" marL="0" rtl="0" algn="l">
+            <a:pPr marL="0" lvl="0" indent="0" algn="l" rtl="0">
               <a:spcBef>
                 <a:spcPts val="1200"/>
               </a:spcBef>
@@ -9292,7 +9547,7 @@
             <a:endParaRPr/>
           </a:p>
           <a:p>
-            <a:pPr indent="0" lvl="0" marL="0" rtl="0" algn="l">
+            <a:pPr marL="0" lvl="0" indent="0" algn="l" rtl="0">
               <a:spcBef>
                 <a:spcPts val="1200"/>
               </a:spcBef>
@@ -9317,7 +9572,7 @@
             <a:endParaRPr/>
           </a:p>
           <a:p>
-            <a:pPr indent="0" lvl="0" marL="0" rtl="0" algn="l">
+            <a:pPr marL="0" lvl="0" indent="0" algn="l" rtl="0">
               <a:spcBef>
                 <a:spcPts val="1200"/>
               </a:spcBef>
@@ -9326,9 +9581,6 @@
               </a:spcAft>
               <a:buNone/>
             </a:pPr>
-            <a:r>
-              <a:t/>
-            </a:r>
             <a:endParaRPr/>
           </a:p>
         </p:txBody>
@@ -9342,11 +9594,11 @@
 </file>
 
 <file path=ppt/slides/slide3.xml><?xml version="1.0" encoding="utf-8"?>
-<p:sld xmlns:a="http://schemas.openxmlformats.org/drawingml/2006/main" xmlns:r="http://schemas.openxmlformats.org/officeDocument/2006/relationships" xmlns:mc="http://schemas.openxmlformats.org/markup-compatibility/2006" xmlns:mv="urn:schemas-microsoft-com:mac:vml" xmlns:p="http://schemas.openxmlformats.org/presentationml/2006/main" xmlns:c="http://schemas.openxmlformats.org/drawingml/2006/chart" xmlns:dgm="http://schemas.openxmlformats.org/drawingml/2006/diagram" xmlns:o="urn:schemas-microsoft-com:office:office" xmlns:v="urn:schemas-microsoft-com:vml" xmlns:pvml="urn:schemas-microsoft-com:office:powerpoint" xmlns:com="http://schemas.openxmlformats.org/drawingml/2006/compatibility" xmlns:p14="http://schemas.microsoft.com/office/powerpoint/2010/main" xmlns:p15="http://schemas.microsoft.com/office/powerpoint/2012/main" xmlns:ahyp="http://schemas.microsoft.com/office/drawing/2018/hyperlinkcolor">
+<p:sld xmlns:a="http://schemas.openxmlformats.org/drawingml/2006/main" xmlns:r="http://schemas.openxmlformats.org/officeDocument/2006/relationships" xmlns:p="http://schemas.openxmlformats.org/presentationml/2006/main">
   <p:cSld>
     <p:spTree>
       <p:nvGrpSpPr>
-        <p:cNvPr id="66" name="Shape 66"/>
+        <p:cNvPr id="1" name="Shape 66"/>
         <p:cNvGrpSpPr/>
         <p:nvPr/>
       </p:nvGrpSpPr>
@@ -9361,7 +9613,9 @@
       <p:sp>
         <p:nvSpPr>
           <p:cNvPr id="67" name="Google Shape;67;p15"/>
-          <p:cNvSpPr txBox="1"/>
+          <p:cNvSpPr txBox="1">
+            <a:spLocks noGrp="1"/>
+          </p:cNvSpPr>
           <p:nvPr>
             <p:ph type="title"/>
           </p:nvPr>
@@ -9376,12 +9630,12 @@
           </a:prstGeom>
         </p:spPr>
         <p:txBody>
-          <a:bodyPr anchorCtr="0" anchor="t" bIns="91425" lIns="91425" spcFirstLastPara="1" rIns="91425" wrap="square" tIns="91425">
+          <a:bodyPr spcFirstLastPara="1" wrap="square" lIns="91425" tIns="91425" rIns="91425" bIns="91425" anchor="t" anchorCtr="0">
             <a:normAutofit fontScale="90000"/>
           </a:bodyPr>
           <a:lstStyle/>
           <a:p>
-            <a:pPr indent="0" lvl="0" marL="0" rtl="0" algn="l">
+            <a:pPr marL="0" lvl="0" indent="0" algn="l" rtl="0">
               <a:spcBef>
                 <a:spcPts val="0"/>
               </a:spcBef>
@@ -9401,9 +9655,11 @@
       <p:sp>
         <p:nvSpPr>
           <p:cNvPr id="68" name="Google Shape;68;p15"/>
-          <p:cNvSpPr txBox="1"/>
+          <p:cNvSpPr txBox="1">
+            <a:spLocks noGrp="1"/>
+          </p:cNvSpPr>
           <p:nvPr>
-            <p:ph idx="1" type="body"/>
+            <p:ph type="body" idx="1"/>
           </p:nvPr>
         </p:nvSpPr>
         <p:spPr>
@@ -9416,12 +9672,12 @@
           </a:prstGeom>
         </p:spPr>
         <p:txBody>
-          <a:bodyPr anchorCtr="0" anchor="t" bIns="91425" lIns="91425" spcFirstLastPara="1" rIns="91425" wrap="square" tIns="91425">
+          <a:bodyPr spcFirstLastPara="1" wrap="square" lIns="91425" tIns="91425" rIns="91425" bIns="91425" anchor="t" anchorCtr="0">
             <a:normAutofit/>
           </a:bodyPr>
           <a:lstStyle/>
           <a:p>
-            <a:pPr indent="0" lvl="0" marL="0" rtl="0" algn="l">
+            <a:pPr marL="0" lvl="0" indent="0" algn="l" rtl="0">
               <a:spcBef>
                 <a:spcPts val="0"/>
               </a:spcBef>
@@ -9431,13 +9687,13 @@
               <a:buNone/>
             </a:pPr>
             <a:r>
-              <a:rPr b="1" lang="en"/>
+              <a:rPr lang="en" b="1"/>
               <a:t>False Positive</a:t>
             </a:r>
             <a:endParaRPr b="1"/>
           </a:p>
           <a:p>
-            <a:pPr indent="0" lvl="0" marL="0" rtl="0" algn="l">
+            <a:pPr marL="0" lvl="0" indent="0" algn="l" rtl="0">
               <a:spcBef>
                 <a:spcPts val="1200"/>
               </a:spcBef>
@@ -9446,13 +9702,10 @@
               </a:spcAft>
               <a:buNone/>
             </a:pPr>
-            <a:r>
-              <a:t/>
-            </a:r>
-            <a:endParaRPr/>
-          </a:p>
-          <a:p>
-            <a:pPr indent="0" lvl="0" marL="0" rtl="0" algn="l">
+            <a:endParaRPr/>
+          </a:p>
+          <a:p>
+            <a:pPr marL="0" lvl="0" indent="0" algn="l" rtl="0">
               <a:spcBef>
                 <a:spcPts val="1200"/>
               </a:spcBef>
@@ -9468,7 +9721,7 @@
             <a:endParaRPr/>
           </a:p>
           <a:p>
-            <a:pPr indent="0" lvl="0" marL="0" rtl="0" algn="l">
+            <a:pPr marL="0" lvl="0" indent="0" algn="l" rtl="0">
               <a:spcBef>
                 <a:spcPts val="1200"/>
               </a:spcBef>
@@ -9479,12 +9732,8 @@
             </a:pPr>
             <a:r>
               <a:rPr lang="en"/>
-              <a:t>Effects</a:t>
+              <a:t>Effects: Loss of money to the lending company in the amount of the loan</a:t>
             </a:r>
-            <a:r>
-              <a:rPr lang="en"/>
-              <a:t>: Loss of money to the lending company in the amount of the loan</a:t>
-            </a:r>
             <a:endParaRPr/>
           </a:p>
         </p:txBody>
@@ -9492,9 +9741,11 @@
       <p:sp>
         <p:nvSpPr>
           <p:cNvPr id="69" name="Google Shape;69;p15"/>
-          <p:cNvSpPr txBox="1"/>
+          <p:cNvSpPr txBox="1">
+            <a:spLocks noGrp="1"/>
+          </p:cNvSpPr>
           <p:nvPr>
-            <p:ph idx="2" type="body"/>
+            <p:ph type="body" idx="2"/>
           </p:nvPr>
         </p:nvSpPr>
         <p:spPr>
@@ -9507,12 +9758,12 @@
           </a:prstGeom>
         </p:spPr>
         <p:txBody>
-          <a:bodyPr anchorCtr="0" anchor="t" bIns="91425" lIns="91425" spcFirstLastPara="1" rIns="91425" wrap="square" tIns="91425">
+          <a:bodyPr spcFirstLastPara="1" wrap="square" lIns="91425" tIns="91425" rIns="91425" bIns="91425" anchor="t" anchorCtr="0">
             <a:normAutofit/>
           </a:bodyPr>
           <a:lstStyle/>
           <a:p>
-            <a:pPr indent="0" lvl="0" marL="0" rtl="0" algn="l">
+            <a:pPr marL="0" lvl="0" indent="0" algn="l" rtl="0">
               <a:spcBef>
                 <a:spcPts val="0"/>
               </a:spcBef>
@@ -9522,13 +9773,13 @@
               <a:buNone/>
             </a:pPr>
             <a:r>
-              <a:rPr b="1" lang="en"/>
+              <a:rPr lang="en" b="1"/>
               <a:t>False Negative</a:t>
             </a:r>
             <a:endParaRPr b="1"/>
           </a:p>
           <a:p>
-            <a:pPr indent="0" lvl="0" marL="0" rtl="0" algn="l">
+            <a:pPr marL="0" lvl="0" indent="0" algn="l" rtl="0">
               <a:spcBef>
                 <a:spcPts val="1200"/>
               </a:spcBef>
@@ -9537,13 +9788,10 @@
               </a:spcAft>
               <a:buNone/>
             </a:pPr>
-            <a:r>
-              <a:t/>
-            </a:r>
-            <a:endParaRPr/>
-          </a:p>
-          <a:p>
-            <a:pPr indent="0" lvl="0" marL="0" rtl="0" algn="l">
+            <a:endParaRPr/>
+          </a:p>
+          <a:p>
+            <a:pPr marL="0" lvl="0" indent="0" algn="l" rtl="0">
               <a:spcBef>
                 <a:spcPts val="1200"/>
               </a:spcBef>
@@ -9559,7 +9807,7 @@
             <a:endParaRPr/>
           </a:p>
           <a:p>
-            <a:pPr indent="0" lvl="0" marL="0" rtl="0" algn="l">
+            <a:pPr marL="0" lvl="0" indent="0" algn="l" rtl="0">
               <a:spcBef>
                 <a:spcPts val="1200"/>
               </a:spcBef>
@@ -9585,11 +9833,11 @@
 </file>
 
 <file path=ppt/slides/slide4.xml><?xml version="1.0" encoding="utf-8"?>
-<p:sld xmlns:a="http://schemas.openxmlformats.org/drawingml/2006/main" xmlns:r="http://schemas.openxmlformats.org/officeDocument/2006/relationships" xmlns:mc="http://schemas.openxmlformats.org/markup-compatibility/2006" xmlns:mv="urn:schemas-microsoft-com:mac:vml" xmlns:p="http://schemas.openxmlformats.org/presentationml/2006/main" xmlns:c="http://schemas.openxmlformats.org/drawingml/2006/chart" xmlns:dgm="http://schemas.openxmlformats.org/drawingml/2006/diagram" xmlns:o="urn:schemas-microsoft-com:office:office" xmlns:v="urn:schemas-microsoft-com:vml" xmlns:pvml="urn:schemas-microsoft-com:office:powerpoint" xmlns:com="http://schemas.openxmlformats.org/drawingml/2006/compatibility" xmlns:p14="http://schemas.microsoft.com/office/powerpoint/2010/main" xmlns:p15="http://schemas.microsoft.com/office/powerpoint/2012/main" xmlns:ahyp="http://schemas.microsoft.com/office/drawing/2018/hyperlinkcolor">
+<p:sld xmlns:a="http://schemas.openxmlformats.org/drawingml/2006/main" xmlns:r="http://schemas.openxmlformats.org/officeDocument/2006/relationships" xmlns:p="http://schemas.openxmlformats.org/presentationml/2006/main">
   <p:cSld>
     <p:spTree>
       <p:nvGrpSpPr>
-        <p:cNvPr id="73" name="Shape 73"/>
+        <p:cNvPr id="1" name="Shape 73"/>
         <p:cNvGrpSpPr/>
         <p:nvPr/>
       </p:nvGrpSpPr>
@@ -9604,7 +9852,9 @@
       <p:sp>
         <p:nvSpPr>
           <p:cNvPr id="74" name="Google Shape;74;p16"/>
-          <p:cNvSpPr txBox="1"/>
+          <p:cNvSpPr txBox="1">
+            <a:spLocks noGrp="1"/>
+          </p:cNvSpPr>
           <p:nvPr>
             <p:ph type="title"/>
           </p:nvPr>
@@ -9619,12 +9869,12 @@
           </a:prstGeom>
         </p:spPr>
         <p:txBody>
-          <a:bodyPr anchorCtr="0" anchor="t" bIns="91425" lIns="91425" spcFirstLastPara="1" rIns="91425" wrap="square" tIns="91425">
+          <a:bodyPr spcFirstLastPara="1" wrap="square" lIns="91425" tIns="91425" rIns="91425" bIns="91425" anchor="t" anchorCtr="0">
             <a:normAutofit fontScale="90000"/>
           </a:bodyPr>
           <a:lstStyle/>
           <a:p>
-            <a:pPr indent="0" lvl="0" marL="0" rtl="0" algn="l">
+            <a:pPr marL="0" lvl="0" indent="0" algn="l" rtl="0">
               <a:spcBef>
                 <a:spcPts val="0"/>
               </a:spcBef>
@@ -9644,9 +9894,11 @@
       <p:sp>
         <p:nvSpPr>
           <p:cNvPr id="75" name="Google Shape;75;p16"/>
-          <p:cNvSpPr txBox="1"/>
+          <p:cNvSpPr txBox="1">
+            <a:spLocks noGrp="1"/>
+          </p:cNvSpPr>
           <p:nvPr>
-            <p:ph idx="1" type="body"/>
+            <p:ph type="body" idx="1"/>
           </p:nvPr>
         </p:nvSpPr>
         <p:spPr>
@@ -9659,12 +9911,12 @@
           </a:prstGeom>
         </p:spPr>
         <p:txBody>
-          <a:bodyPr anchorCtr="0" anchor="t" bIns="91425" lIns="91425" spcFirstLastPara="1" rIns="91425" wrap="square" tIns="91425">
+          <a:bodyPr spcFirstLastPara="1" wrap="square" lIns="91425" tIns="91425" rIns="91425" bIns="91425" anchor="t" anchorCtr="0">
             <a:normAutofit/>
           </a:bodyPr>
           <a:lstStyle/>
           <a:p>
-            <a:pPr indent="0" lvl="0" marL="0" rtl="0" algn="l">
+            <a:pPr marL="0" lvl="0" indent="0" algn="l" rtl="0">
               <a:spcBef>
                 <a:spcPts val="0"/>
               </a:spcBef>
@@ -9680,7 +9932,7 @@
             <a:endParaRPr/>
           </a:p>
           <a:p>
-            <a:pPr indent="0" lvl="0" marL="0" rtl="0" algn="l">
+            <a:pPr marL="0" lvl="0" indent="0" algn="l" rtl="0">
               <a:spcBef>
                 <a:spcPts val="1200"/>
               </a:spcBef>
@@ -9696,7 +9948,7 @@
             <a:endParaRPr/>
           </a:p>
           <a:p>
-            <a:pPr indent="0" lvl="0" marL="0" rtl="0" algn="l">
+            <a:pPr marL="0" lvl="0" indent="0" algn="l" rtl="0">
               <a:spcBef>
                 <a:spcPts val="1200"/>
               </a:spcBef>
@@ -9712,7 +9964,7 @@
             <a:endParaRPr/>
           </a:p>
           <a:p>
-            <a:pPr indent="0" lvl="0" marL="0" rtl="0" algn="l">
+            <a:pPr marL="0" lvl="0" indent="0" algn="l" rtl="0">
               <a:spcBef>
                 <a:spcPts val="1200"/>
               </a:spcBef>
@@ -9728,7 +9980,7 @@
             <a:endParaRPr/>
           </a:p>
           <a:p>
-            <a:pPr indent="0" lvl="0" marL="0" rtl="0" algn="l">
+            <a:pPr marL="0" lvl="0" indent="0" algn="l" rtl="0">
               <a:spcBef>
                 <a:spcPts val="1200"/>
               </a:spcBef>
@@ -9744,7 +9996,7 @@
             <a:endParaRPr/>
           </a:p>
           <a:p>
-            <a:pPr indent="0" lvl="0" marL="0" rtl="0" algn="l">
+            <a:pPr marL="0" lvl="0" indent="0" algn="l" rtl="0">
               <a:spcBef>
                 <a:spcPts val="1200"/>
               </a:spcBef>
@@ -9770,11 +10022,11 @@
 </file>
 
 <file path=ppt/slides/slide5.xml><?xml version="1.0" encoding="utf-8"?>
-<p:sld xmlns:a="http://schemas.openxmlformats.org/drawingml/2006/main" xmlns:r="http://schemas.openxmlformats.org/officeDocument/2006/relationships" xmlns:mc="http://schemas.openxmlformats.org/markup-compatibility/2006" xmlns:mv="urn:schemas-microsoft-com:mac:vml" xmlns:p="http://schemas.openxmlformats.org/presentationml/2006/main" xmlns:c="http://schemas.openxmlformats.org/drawingml/2006/chart" xmlns:dgm="http://schemas.openxmlformats.org/drawingml/2006/diagram" xmlns:o="urn:schemas-microsoft-com:office:office" xmlns:v="urn:schemas-microsoft-com:vml" xmlns:pvml="urn:schemas-microsoft-com:office:powerpoint" xmlns:com="http://schemas.openxmlformats.org/drawingml/2006/compatibility" xmlns:p14="http://schemas.microsoft.com/office/powerpoint/2010/main" xmlns:p15="http://schemas.microsoft.com/office/powerpoint/2012/main" xmlns:ahyp="http://schemas.microsoft.com/office/drawing/2018/hyperlinkcolor">
+<p:sld xmlns:a="http://schemas.openxmlformats.org/drawingml/2006/main" xmlns:r="http://schemas.openxmlformats.org/officeDocument/2006/relationships" xmlns:p="http://schemas.openxmlformats.org/presentationml/2006/main">
   <p:cSld>
     <p:spTree>
       <p:nvGrpSpPr>
-        <p:cNvPr id="79" name="Shape 79"/>
+        <p:cNvPr id="1" name="Shape 79"/>
         <p:cNvGrpSpPr/>
         <p:nvPr/>
       </p:nvGrpSpPr>
@@ -9789,7 +10041,9 @@
       <p:sp>
         <p:nvSpPr>
           <p:cNvPr id="80" name="Google Shape;80;p17"/>
-          <p:cNvSpPr txBox="1"/>
+          <p:cNvSpPr txBox="1">
+            <a:spLocks noGrp="1"/>
+          </p:cNvSpPr>
           <p:nvPr>
             <p:ph type="title"/>
           </p:nvPr>
@@ -9804,12 +10058,12 @@
           </a:prstGeom>
         </p:spPr>
         <p:txBody>
-          <a:bodyPr anchorCtr="0" anchor="t" bIns="91425" lIns="91425" spcFirstLastPara="1" rIns="91425" wrap="square" tIns="91425">
+          <a:bodyPr spcFirstLastPara="1" wrap="square" lIns="91425" tIns="91425" rIns="91425" bIns="91425" anchor="t" anchorCtr="0">
             <a:normAutofit fontScale="90000"/>
           </a:bodyPr>
           <a:lstStyle/>
           <a:p>
-            <a:pPr indent="0" lvl="0" marL="0" rtl="0" algn="l">
+            <a:pPr marL="0" lvl="0" indent="0" algn="l" rtl="0">
               <a:spcBef>
                 <a:spcPts val="0"/>
               </a:spcBef>
@@ -9846,12 +10100,12 @@
           </a:ln>
         </p:spPr>
         <p:txBody>
-          <a:bodyPr anchorCtr="0" anchor="t" bIns="91425" lIns="91425" spcFirstLastPara="1" rIns="91425" wrap="square" tIns="91425">
+          <a:bodyPr spcFirstLastPara="1" wrap="square" lIns="91425" tIns="91425" rIns="91425" bIns="91425" anchor="t" anchorCtr="0">
             <a:spAutoFit/>
           </a:bodyPr>
           <a:lstStyle/>
           <a:p>
-            <a:pPr indent="-317500" lvl="0" marL="457200" rtl="0" algn="l">
+            <a:pPr marL="457200" lvl="0" indent="-317500" algn="l" rtl="0">
               <a:spcBef>
                 <a:spcPts val="0"/>
               </a:spcBef>
@@ -9868,7 +10122,7 @@
             <a:endParaRPr/>
           </a:p>
           <a:p>
-            <a:pPr indent="-317500" lvl="0" marL="457200" rtl="0" algn="l">
+            <a:pPr marL="457200" lvl="0" indent="-317500" algn="l" rtl="0">
               <a:spcBef>
                 <a:spcPts val="0"/>
               </a:spcBef>
@@ -9885,7 +10139,7 @@
             <a:endParaRPr/>
           </a:p>
           <a:p>
-            <a:pPr indent="-317500" lvl="0" marL="457200" rtl="0" algn="l">
+            <a:pPr marL="457200" lvl="0" indent="-317500" algn="l" rtl="0">
               <a:spcBef>
                 <a:spcPts val="0"/>
               </a:spcBef>
@@ -9902,7 +10156,7 @@
             <a:endParaRPr/>
           </a:p>
           <a:p>
-            <a:pPr indent="-317500" lvl="0" marL="457200" rtl="0" algn="l">
+            <a:pPr marL="457200" lvl="0" indent="-317500" algn="l" rtl="0">
               <a:spcBef>
                 <a:spcPts val="0"/>
               </a:spcBef>
@@ -9919,7 +10173,7 @@
             <a:endParaRPr/>
           </a:p>
           <a:p>
-            <a:pPr indent="-317500" lvl="0" marL="457200" rtl="0" algn="l">
+            <a:pPr marL="457200" lvl="0" indent="-317500" algn="l" rtl="0">
               <a:spcBef>
                 <a:spcPts val="0"/>
               </a:spcBef>
@@ -9936,7 +10190,7 @@
             <a:endParaRPr/>
           </a:p>
           <a:p>
-            <a:pPr indent="-317500" lvl="0" marL="457200" rtl="0" algn="l">
+            <a:pPr marL="457200" lvl="0" indent="-317500" algn="l" rtl="0">
               <a:spcBef>
                 <a:spcPts val="0"/>
               </a:spcBef>
@@ -9953,7 +10207,7 @@
             <a:endParaRPr/>
           </a:p>
           <a:p>
-            <a:pPr indent="-317500" lvl="0" marL="457200" rtl="0" algn="l">
+            <a:pPr marL="457200" lvl="0" indent="-317500" algn="l" rtl="0">
               <a:spcBef>
                 <a:spcPts val="0"/>
               </a:spcBef>
@@ -9970,7 +10224,7 @@
             <a:endParaRPr/>
           </a:p>
           <a:p>
-            <a:pPr indent="-317500" lvl="0" marL="457200" rtl="0" algn="l">
+            <a:pPr marL="457200" lvl="0" indent="-317500" algn="l" rtl="0">
               <a:spcBef>
                 <a:spcPts val="0"/>
               </a:spcBef>
@@ -9987,7 +10241,7 @@
             <a:endParaRPr/>
           </a:p>
           <a:p>
-            <a:pPr indent="-317500" lvl="0" marL="457200" rtl="0" algn="l">
+            <a:pPr marL="457200" lvl="0" indent="-317500" algn="l" rtl="0">
               <a:spcBef>
                 <a:spcPts val="0"/>
               </a:spcBef>
@@ -10004,7 +10258,7 @@
             <a:endParaRPr/>
           </a:p>
           <a:p>
-            <a:pPr indent="-317500" lvl="0" marL="457200" rtl="0" algn="l">
+            <a:pPr marL="457200" lvl="0" indent="-317500" algn="l" rtl="0">
               <a:spcBef>
                 <a:spcPts val="0"/>
               </a:spcBef>
@@ -10021,7 +10275,7 @@
             <a:endParaRPr/>
           </a:p>
           <a:p>
-            <a:pPr indent="-317500" lvl="0" marL="457200" rtl="0" algn="l">
+            <a:pPr marL="457200" lvl="0" indent="-317500" algn="l" rtl="0">
               <a:spcBef>
                 <a:spcPts val="0"/>
               </a:spcBef>
@@ -10038,7 +10292,7 @@
             <a:endParaRPr/>
           </a:p>
           <a:p>
-            <a:pPr indent="-317500" lvl="0" marL="457200" rtl="0" algn="l">
+            <a:pPr marL="457200" lvl="0" indent="-317500" algn="l" rtl="0">
               <a:spcBef>
                 <a:spcPts val="0"/>
               </a:spcBef>
@@ -10055,7 +10309,7 @@
             <a:endParaRPr/>
           </a:p>
           <a:p>
-            <a:pPr indent="-317500" lvl="0" marL="457200" rtl="0" algn="l">
+            <a:pPr marL="457200" lvl="0" indent="-317500" algn="l" rtl="0">
               <a:spcBef>
                 <a:spcPts val="0"/>
               </a:spcBef>
@@ -10067,20 +10321,12 @@
             </a:pPr>
             <a:r>
               <a:rPr lang="en"/>
-              <a:t>pub.rec - the number of </a:t>
+              <a:t>pub.rec - the number of derogatory public records of the borrower</a:t>
             </a:r>
-            <a:r>
-              <a:rPr lang="en"/>
-              <a:t>derogatory</a:t>
-            </a:r>
-            <a:r>
-              <a:rPr lang="en"/>
-              <a:t> public records of the borrower</a:t>
-            </a:r>
-            <a:endParaRPr/>
-          </a:p>
-          <a:p>
-            <a:pPr indent="-317500" lvl="0" marL="457200" rtl="0" algn="l">
+            <a:endParaRPr/>
+          </a:p>
+          <a:p>
+            <a:pPr marL="457200" lvl="0" indent="-317500" algn="l" rtl="0">
               <a:spcBef>
                 <a:spcPts val="0"/>
               </a:spcBef>
@@ -10097,18 +10343,15 @@
             <a:endParaRPr/>
           </a:p>
           <a:p>
-            <a:pPr indent="0" lvl="0" marL="0" rtl="0" algn="l">
-              <a:spcBef>
-                <a:spcPts val="0"/>
-              </a:spcBef>
-              <a:spcAft>
-                <a:spcPts val="0"/>
-              </a:spcAft>
-              <a:buNone/>
-            </a:pPr>
-            <a:r>
-              <a:t/>
-            </a:r>
+            <a:pPr marL="0" lvl="0" indent="0" algn="l" rtl="0">
+              <a:spcBef>
+                <a:spcPts val="0"/>
+              </a:spcBef>
+              <a:spcAft>
+                <a:spcPts val="0"/>
+              </a:spcAft>
+              <a:buNone/>
+            </a:pPr>
             <a:endParaRPr/>
           </a:p>
         </p:txBody>
@@ -10122,11 +10365,11 @@
 </file>
 
 <file path=ppt/slides/slide6.xml><?xml version="1.0" encoding="utf-8"?>
-<p:sld xmlns:a="http://schemas.openxmlformats.org/drawingml/2006/main" xmlns:r="http://schemas.openxmlformats.org/officeDocument/2006/relationships" xmlns:mc="http://schemas.openxmlformats.org/markup-compatibility/2006" xmlns:mv="urn:schemas-microsoft-com:mac:vml" xmlns:p="http://schemas.openxmlformats.org/presentationml/2006/main" xmlns:c="http://schemas.openxmlformats.org/drawingml/2006/chart" xmlns:dgm="http://schemas.openxmlformats.org/drawingml/2006/diagram" xmlns:o="urn:schemas-microsoft-com:office:office" xmlns:v="urn:schemas-microsoft-com:vml" xmlns:pvml="urn:schemas-microsoft-com:office:powerpoint" xmlns:com="http://schemas.openxmlformats.org/drawingml/2006/compatibility" xmlns:p14="http://schemas.microsoft.com/office/powerpoint/2010/main" xmlns:p15="http://schemas.microsoft.com/office/powerpoint/2012/main" xmlns:ahyp="http://schemas.microsoft.com/office/drawing/2018/hyperlinkcolor">
+<p:sld xmlns:a="http://schemas.openxmlformats.org/drawingml/2006/main" xmlns:r="http://schemas.openxmlformats.org/officeDocument/2006/relationships" xmlns:p="http://schemas.openxmlformats.org/presentationml/2006/main">
   <p:cSld>
     <p:spTree>
       <p:nvGrpSpPr>
-        <p:cNvPr id="85" name="Shape 85"/>
+        <p:cNvPr id="1" name="Shape 85"/>
         <p:cNvGrpSpPr/>
         <p:nvPr/>
       </p:nvGrpSpPr>
@@ -10141,7 +10384,9 @@
       <p:sp>
         <p:nvSpPr>
           <p:cNvPr id="86" name="Google Shape;86;p18"/>
-          <p:cNvSpPr txBox="1"/>
+          <p:cNvSpPr txBox="1">
+            <a:spLocks noGrp="1"/>
+          </p:cNvSpPr>
           <p:nvPr>
             <p:ph type="title"/>
           </p:nvPr>
@@ -10156,12 +10401,12 @@
           </a:prstGeom>
         </p:spPr>
         <p:txBody>
-          <a:bodyPr anchorCtr="0" anchor="t" bIns="91425" lIns="91425" spcFirstLastPara="1" rIns="91425" wrap="square" tIns="91425">
+          <a:bodyPr spcFirstLastPara="1" wrap="square" lIns="91425" tIns="91425" rIns="91425" bIns="91425" anchor="t" anchorCtr="0">
             <a:normAutofit fontScale="90000"/>
           </a:bodyPr>
           <a:lstStyle/>
           <a:p>
-            <a:pPr indent="0" lvl="0" marL="0" rtl="0" algn="l">
+            <a:pPr marL="0" lvl="0" indent="0" algn="l" rtl="0">
               <a:spcBef>
                 <a:spcPts val="0"/>
               </a:spcBef>
@@ -10181,9 +10426,11 @@
       <p:sp>
         <p:nvSpPr>
           <p:cNvPr id="87" name="Google Shape;87;p18"/>
-          <p:cNvSpPr txBox="1"/>
+          <p:cNvSpPr txBox="1">
+            <a:spLocks noGrp="1"/>
+          </p:cNvSpPr>
           <p:nvPr>
-            <p:ph idx="1" type="body"/>
+            <p:ph type="body" idx="1"/>
           </p:nvPr>
         </p:nvSpPr>
         <p:spPr>
@@ -10196,12 +10443,12 @@
           </a:prstGeom>
         </p:spPr>
         <p:txBody>
-          <a:bodyPr anchorCtr="0" anchor="t" bIns="91425" lIns="91425" spcFirstLastPara="1" rIns="91425" wrap="square" tIns="91425">
+          <a:bodyPr spcFirstLastPara="1" wrap="square" lIns="91425" tIns="91425" rIns="91425" bIns="91425" anchor="t" anchorCtr="0">
             <a:normAutofit/>
           </a:bodyPr>
           <a:lstStyle/>
           <a:p>
-            <a:pPr indent="0" lvl="0" marL="0" rtl="0" algn="l">
+            <a:pPr marL="0" lvl="0" indent="0" algn="l" rtl="0">
               <a:spcBef>
                 <a:spcPts val="0"/>
               </a:spcBef>
@@ -10217,7 +10464,7 @@
             <a:endParaRPr/>
           </a:p>
           <a:p>
-            <a:pPr indent="0" lvl="0" marL="0" rtl="0" algn="l">
+            <a:pPr marL="0" lvl="0" indent="0" algn="l" rtl="0">
               <a:spcBef>
                 <a:spcPts val="1200"/>
               </a:spcBef>
@@ -10243,11 +10490,11 @@
 </file>
 
 <file path=ppt/slides/slide7.xml><?xml version="1.0" encoding="utf-8"?>
-<p:sld xmlns:a="http://schemas.openxmlformats.org/drawingml/2006/main" xmlns:r="http://schemas.openxmlformats.org/officeDocument/2006/relationships" xmlns:mc="http://schemas.openxmlformats.org/markup-compatibility/2006" xmlns:mv="urn:schemas-microsoft-com:mac:vml" xmlns:p="http://schemas.openxmlformats.org/presentationml/2006/main" xmlns:c="http://schemas.openxmlformats.org/drawingml/2006/chart" xmlns:dgm="http://schemas.openxmlformats.org/drawingml/2006/diagram" xmlns:o="urn:schemas-microsoft-com:office:office" xmlns:v="urn:schemas-microsoft-com:vml" xmlns:pvml="urn:schemas-microsoft-com:office:powerpoint" xmlns:com="http://schemas.openxmlformats.org/drawingml/2006/compatibility" xmlns:p14="http://schemas.microsoft.com/office/powerpoint/2010/main" xmlns:p15="http://schemas.microsoft.com/office/powerpoint/2012/main" xmlns:ahyp="http://schemas.microsoft.com/office/drawing/2018/hyperlinkcolor">
+<p:sld xmlns:a="http://schemas.openxmlformats.org/drawingml/2006/main" xmlns:r="http://schemas.openxmlformats.org/officeDocument/2006/relationships" xmlns:p="http://schemas.openxmlformats.org/presentationml/2006/main">
   <p:cSld>
     <p:spTree>
       <p:nvGrpSpPr>
-        <p:cNvPr id="91" name="Shape 91"/>
+        <p:cNvPr id="1" name="Shape 91"/>
         <p:cNvGrpSpPr/>
         <p:nvPr/>
       </p:nvGrpSpPr>
@@ -10262,7 +10509,9 @@
       <p:sp>
         <p:nvSpPr>
           <p:cNvPr id="92" name="Google Shape;92;p19"/>
-          <p:cNvSpPr txBox="1"/>
+          <p:cNvSpPr txBox="1">
+            <a:spLocks noGrp="1"/>
+          </p:cNvSpPr>
           <p:nvPr>
             <p:ph type="title"/>
           </p:nvPr>
@@ -10277,12 +10526,12 @@
           </a:prstGeom>
         </p:spPr>
         <p:txBody>
-          <a:bodyPr anchorCtr="0" anchor="t" bIns="91425" lIns="91425" spcFirstLastPara="1" rIns="91425" wrap="square" tIns="91425">
+          <a:bodyPr spcFirstLastPara="1" wrap="square" lIns="91425" tIns="91425" rIns="91425" bIns="91425" anchor="t" anchorCtr="0">
             <a:normAutofit/>
           </a:bodyPr>
           <a:lstStyle/>
           <a:p>
-            <a:pPr indent="0" lvl="0" marL="0" rtl="0" algn="l">
+            <a:pPr marL="0" lvl="0" indent="0" algn="l" rtl="0">
               <a:spcBef>
                 <a:spcPts val="0"/>
               </a:spcBef>
@@ -10298,7 +10547,7 @@
             <a:endParaRPr/>
           </a:p>
           <a:p>
-            <a:pPr indent="0" lvl="0" marL="0" rtl="0" algn="l">
+            <a:pPr marL="0" lvl="0" indent="0" algn="l" rtl="0">
               <a:spcBef>
                 <a:spcPts val="0"/>
               </a:spcBef>
@@ -10352,11 +10601,11 @@
 </file>
 
 <file path=ppt/slides/slide8.xml><?xml version="1.0" encoding="utf-8"?>
-<p:sld xmlns:a="http://schemas.openxmlformats.org/drawingml/2006/main" xmlns:r="http://schemas.openxmlformats.org/officeDocument/2006/relationships" xmlns:mc="http://schemas.openxmlformats.org/markup-compatibility/2006" xmlns:mv="urn:schemas-microsoft-com:mac:vml" xmlns:p="http://schemas.openxmlformats.org/presentationml/2006/main" xmlns:c="http://schemas.openxmlformats.org/drawingml/2006/chart" xmlns:dgm="http://schemas.openxmlformats.org/drawingml/2006/diagram" xmlns:o="urn:schemas-microsoft-com:office:office" xmlns:v="urn:schemas-microsoft-com:vml" xmlns:pvml="urn:schemas-microsoft-com:office:powerpoint" xmlns:com="http://schemas.openxmlformats.org/drawingml/2006/compatibility" xmlns:p14="http://schemas.microsoft.com/office/powerpoint/2010/main" xmlns:p15="http://schemas.microsoft.com/office/powerpoint/2012/main" xmlns:ahyp="http://schemas.microsoft.com/office/drawing/2018/hyperlinkcolor">
+<p:sld xmlns:a="http://schemas.openxmlformats.org/drawingml/2006/main" xmlns:r="http://schemas.openxmlformats.org/officeDocument/2006/relationships" xmlns:p="http://schemas.openxmlformats.org/presentationml/2006/main">
   <p:cSld>
     <p:spTree>
       <p:nvGrpSpPr>
-        <p:cNvPr id="97" name="Shape 97"/>
+        <p:cNvPr id="1" name="Shape 97"/>
         <p:cNvGrpSpPr/>
         <p:nvPr/>
       </p:nvGrpSpPr>
@@ -10371,7 +10620,9 @@
       <p:sp>
         <p:nvSpPr>
           <p:cNvPr id="98" name="Google Shape;98;p20"/>
-          <p:cNvSpPr txBox="1"/>
+          <p:cNvSpPr txBox="1">
+            <a:spLocks noGrp="1"/>
+          </p:cNvSpPr>
           <p:nvPr>
             <p:ph type="title"/>
           </p:nvPr>
@@ -10386,12 +10637,12 @@
           </a:prstGeom>
         </p:spPr>
         <p:txBody>
-          <a:bodyPr anchorCtr="0" anchor="t" bIns="91425" lIns="91425" spcFirstLastPara="1" rIns="91425" wrap="square" tIns="91425">
+          <a:bodyPr spcFirstLastPara="1" wrap="square" lIns="91425" tIns="91425" rIns="91425" bIns="91425" anchor="t" anchorCtr="0">
             <a:normAutofit fontScale="90000"/>
           </a:bodyPr>
           <a:lstStyle/>
           <a:p>
-            <a:pPr indent="0" lvl="0" marL="0" rtl="0" algn="l">
+            <a:pPr marL="0" lvl="0" indent="0" algn="l" rtl="0">
               <a:spcBef>
                 <a:spcPts val="0"/>
               </a:spcBef>
@@ -10411,9 +10662,11 @@
       <p:sp>
         <p:nvSpPr>
           <p:cNvPr id="99" name="Google Shape;99;p20"/>
-          <p:cNvSpPr txBox="1"/>
+          <p:cNvSpPr txBox="1">
+            <a:spLocks noGrp="1"/>
+          </p:cNvSpPr>
           <p:nvPr>
-            <p:ph idx="1" type="body"/>
+            <p:ph type="body" idx="1"/>
           </p:nvPr>
         </p:nvSpPr>
         <p:spPr>
@@ -10426,12 +10679,12 @@
           </a:prstGeom>
         </p:spPr>
         <p:txBody>
-          <a:bodyPr anchorCtr="0" anchor="t" bIns="91425" lIns="91425" spcFirstLastPara="1" rIns="91425" wrap="square" tIns="91425">
+          <a:bodyPr spcFirstLastPara="1" wrap="square" lIns="91425" tIns="91425" rIns="91425" bIns="91425" anchor="t" anchorCtr="0">
             <a:normAutofit/>
           </a:bodyPr>
           <a:lstStyle/>
           <a:p>
-            <a:pPr indent="-342900" lvl="0" marL="457200" rtl="0" algn="l">
+            <a:pPr marL="457200" lvl="0" indent="-342900" algn="l" rtl="0">
               <a:spcBef>
                 <a:spcPts val="0"/>
               </a:spcBef>
@@ -10448,7 +10701,7 @@
             <a:endParaRPr/>
           </a:p>
           <a:p>
-            <a:pPr indent="-342900" lvl="0" marL="457200" rtl="0" algn="l">
+            <a:pPr marL="457200" lvl="0" indent="-342900" algn="l" rtl="0">
               <a:spcBef>
                 <a:spcPts val="0"/>
               </a:spcBef>
@@ -10465,7 +10718,7 @@
             <a:endParaRPr/>
           </a:p>
           <a:p>
-            <a:pPr indent="-342900" lvl="0" marL="457200" rtl="0" algn="l">
+            <a:pPr marL="457200" lvl="0" indent="-342900" algn="l" rtl="0">
               <a:spcBef>
                 <a:spcPts val="0"/>
               </a:spcBef>
@@ -10482,7 +10735,7 @@
             <a:endParaRPr/>
           </a:p>
           <a:p>
-            <a:pPr indent="-342900" lvl="0" marL="457200" rtl="0" algn="l">
+            <a:pPr marL="457200" lvl="0" indent="-342900" algn="l" rtl="0">
               <a:spcBef>
                 <a:spcPts val="0"/>
               </a:spcBef>
@@ -10509,11 +10762,11 @@
 </file>
 
 <file path=ppt/slides/slide9.xml><?xml version="1.0" encoding="utf-8"?>
-<p:sld xmlns:a="http://schemas.openxmlformats.org/drawingml/2006/main" xmlns:r="http://schemas.openxmlformats.org/officeDocument/2006/relationships" xmlns:mc="http://schemas.openxmlformats.org/markup-compatibility/2006" xmlns:mv="urn:schemas-microsoft-com:mac:vml" xmlns:p="http://schemas.openxmlformats.org/presentationml/2006/main" xmlns:c="http://schemas.openxmlformats.org/drawingml/2006/chart" xmlns:dgm="http://schemas.openxmlformats.org/drawingml/2006/diagram" xmlns:o="urn:schemas-microsoft-com:office:office" xmlns:v="urn:schemas-microsoft-com:vml" xmlns:pvml="urn:schemas-microsoft-com:office:powerpoint" xmlns:com="http://schemas.openxmlformats.org/drawingml/2006/compatibility" xmlns:p14="http://schemas.microsoft.com/office/powerpoint/2010/main" xmlns:p15="http://schemas.microsoft.com/office/powerpoint/2012/main" xmlns:ahyp="http://schemas.microsoft.com/office/drawing/2018/hyperlinkcolor">
+<p:sld xmlns:a="http://schemas.openxmlformats.org/drawingml/2006/main" xmlns:r="http://schemas.openxmlformats.org/officeDocument/2006/relationships" xmlns:p="http://schemas.openxmlformats.org/presentationml/2006/main">
   <p:cSld>
     <p:spTree>
       <p:nvGrpSpPr>
-        <p:cNvPr id="103" name="Shape 103"/>
+        <p:cNvPr id="1" name="Shape 103"/>
         <p:cNvGrpSpPr/>
         <p:nvPr/>
       </p:nvGrpSpPr>
@@ -10528,72 +10781,72 @@
       <p:sp>
         <p:nvSpPr>
           <p:cNvPr id="104" name="Google Shape;104;p21"/>
-          <p:cNvSpPr txBox="1"/>
+          <p:cNvSpPr txBox="1">
+            <a:spLocks noGrp="1"/>
+          </p:cNvSpPr>
           <p:nvPr>
             <p:ph type="title"/>
           </p:nvPr>
         </p:nvSpPr>
         <p:spPr>
           <a:xfrm>
-            <a:off x="311700" y="445025"/>
-            <a:ext cx="8520600" cy="572700"/>
-          </a:xfrm>
-          <a:prstGeom prst="rect">
-            <a:avLst/>
-          </a:prstGeom>
+            <a:off x="314361" y="1631043"/>
+            <a:ext cx="4045200" cy="1482300"/>
+          </a:xfrm>
         </p:spPr>
         <p:txBody>
-          <a:bodyPr anchorCtr="0" anchor="t" bIns="91425" lIns="91425" spcFirstLastPara="1" rIns="91425" wrap="square" tIns="91425">
-            <a:normAutofit fontScale="90000"/>
-          </a:bodyPr>
-          <a:lstStyle/>
-          <a:p>
-            <a:pPr indent="0" lvl="0" marL="0" rtl="0" algn="l">
-              <a:spcBef>
-                <a:spcPts val="0"/>
-              </a:spcBef>
-              <a:spcAft>
-                <a:spcPts val="0"/>
-              </a:spcAft>
-              <a:buNone/>
-            </a:pPr>
-            <a:r>
-              <a:rPr lang="en"/>
-              <a:t>Machine Learning Algorithms Tested</a:t>
-            </a:r>
-            <a:endParaRPr/>
-          </a:p>
-        </p:txBody>
-      </p:sp>
-      <p:sp>
-        <p:nvSpPr>
-          <p:cNvPr id="105" name="Google Shape;105;p21"/>
-          <p:cNvSpPr txBox="1"/>
-          <p:nvPr>
-            <p:ph idx="1" type="body"/>
-          </p:nvPr>
-        </p:nvSpPr>
-        <p:spPr>
-          <a:xfrm>
-            <a:off x="311700" y="1152475"/>
-            <a:ext cx="8520600" cy="3416400"/>
-          </a:xfrm>
-          <a:prstGeom prst="rect">
-            <a:avLst/>
-          </a:prstGeom>
-        </p:spPr>
-        <p:txBody>
-          <a:bodyPr anchorCtr="0" anchor="t" bIns="91425" lIns="91425" spcFirstLastPara="1" rIns="91425" wrap="square" tIns="91425">
+          <a:bodyPr spcFirstLastPara="1" wrap="square" lIns="91425" tIns="91425" rIns="91425" bIns="91425" anchor="b" anchorCtr="0">
             <a:normAutofit/>
           </a:bodyPr>
           <a:lstStyle/>
           <a:p>
-            <a:pPr indent="-342900" lvl="0" marL="457200" rtl="0" algn="l">
-              <a:spcBef>
-                <a:spcPts val="0"/>
-              </a:spcBef>
-              <a:spcAft>
-                <a:spcPts val="0"/>
+            <a:pPr marL="0" lvl="0" indent="0" rtl="0">
+              <a:lnSpc>
+                <a:spcPct val="90000"/>
+              </a:lnSpc>
+              <a:spcBef>
+                <a:spcPts val="0"/>
+              </a:spcBef>
+              <a:spcAft>
+                <a:spcPts val="0"/>
+              </a:spcAft>
+              <a:buNone/>
+            </a:pPr>
+            <a:r>
+              <a:rPr lang="en-US" sz="3600" dirty="0"/>
+              <a:t>Machine Learning Algorithms Tested</a:t>
+            </a:r>
+          </a:p>
+        </p:txBody>
+      </p:sp>
+      <p:sp>
+        <p:nvSpPr>
+          <p:cNvPr id="105" name="Google Shape;105;p21"/>
+          <p:cNvSpPr txBox="1">
+            <a:spLocks noGrp="1"/>
+          </p:cNvSpPr>
+          <p:nvPr>
+            <p:ph type="body" idx="2"/>
+          </p:nvPr>
+        </p:nvSpPr>
+        <p:spPr>
+          <a:xfrm>
+            <a:off x="4939500" y="724075"/>
+            <a:ext cx="3837000" cy="3695100"/>
+          </a:xfrm>
+        </p:spPr>
+        <p:txBody>
+          <a:bodyPr spcFirstLastPara="1" wrap="square" lIns="91425" tIns="91425" rIns="91425" bIns="91425" anchor="ctr" anchorCtr="0">
+            <a:normAutofit/>
+          </a:bodyPr>
+          <a:lstStyle/>
+          <a:p>
+            <a:pPr marL="457200" lvl="0" indent="-342900" rtl="0">
+              <a:spcBef>
+                <a:spcPts val="0"/>
+              </a:spcBef>
+              <a:spcAft>
+                <a:spcPts val="600"/>
               </a:spcAft>
               <a:buSzPts val="1800"/>
               <a:buChar char="●"/>
@@ -10602,15 +10855,15 @@
               <a:rPr lang="en"/>
               <a:t>K Nearest Neighbors</a:t>
             </a:r>
-            <a:endParaRPr/>
-          </a:p>
-          <a:p>
-            <a:pPr indent="-342900" lvl="0" marL="457200" rtl="0" algn="l">
-              <a:spcBef>
-                <a:spcPts val="0"/>
-              </a:spcBef>
-              <a:spcAft>
-                <a:spcPts val="0"/>
+            <a:endParaRPr lang="en-US"/>
+          </a:p>
+          <a:p>
+            <a:pPr marL="457200" lvl="0" indent="-342900" rtl="0">
+              <a:spcBef>
+                <a:spcPts val="0"/>
+              </a:spcBef>
+              <a:spcAft>
+                <a:spcPts val="600"/>
               </a:spcAft>
               <a:buSzPts val="1800"/>
               <a:buChar char="●"/>
@@ -10619,15 +10872,15 @@
               <a:rPr lang="en"/>
               <a:t>Random Forest</a:t>
             </a:r>
-            <a:endParaRPr/>
-          </a:p>
-          <a:p>
-            <a:pPr indent="-342900" lvl="0" marL="457200" rtl="0" algn="l">
-              <a:spcBef>
-                <a:spcPts val="0"/>
-              </a:spcBef>
-              <a:spcAft>
-                <a:spcPts val="0"/>
+            <a:endParaRPr lang="en-US"/>
+          </a:p>
+          <a:p>
+            <a:pPr marL="457200" lvl="0" indent="-342900" rtl="0">
+              <a:spcBef>
+                <a:spcPts val="0"/>
+              </a:spcBef>
+              <a:spcAft>
+                <a:spcPts val="600"/>
               </a:spcAft>
               <a:buSzPts val="1800"/>
               <a:buChar char="●"/>
@@ -10636,7 +10889,7 @@
               <a:rPr lang="en"/>
               <a:t>Logistic Regression</a:t>
             </a:r>
-            <a:endParaRPr/>
+            <a:endParaRPr lang="en-US"/>
           </a:p>
         </p:txBody>
       </p:sp>
@@ -10649,7 +10902,288 @@
 </file>
 
 <file path=ppt/theme/theme1.xml><?xml version="1.0" encoding="utf-8"?>
-<a:theme xmlns:a="http://schemas.openxmlformats.org/drawingml/2006/main" xmlns:r="http://schemas.openxmlformats.org/officeDocument/2006/relationships">
+<a:theme xmlns:a="http://schemas.openxmlformats.org/drawingml/2006/main" name="Simple Light">
+  <a:themeElements>
+    <a:clrScheme name="Simple Light">
+      <a:dk1>
+        <a:srgbClr val="000000"/>
+      </a:dk1>
+      <a:lt1>
+        <a:srgbClr val="FFFFFF"/>
+      </a:lt1>
+      <a:dk2>
+        <a:srgbClr val="595959"/>
+      </a:dk2>
+      <a:lt2>
+        <a:srgbClr val="EEEEEE"/>
+      </a:lt2>
+      <a:accent1>
+        <a:srgbClr val="4285F4"/>
+      </a:accent1>
+      <a:accent2>
+        <a:srgbClr val="212121"/>
+      </a:accent2>
+      <a:accent3>
+        <a:srgbClr val="78909C"/>
+      </a:accent3>
+      <a:accent4>
+        <a:srgbClr val="FFAB40"/>
+      </a:accent4>
+      <a:accent5>
+        <a:srgbClr val="0097A7"/>
+      </a:accent5>
+      <a:accent6>
+        <a:srgbClr val="EEFF41"/>
+      </a:accent6>
+      <a:hlink>
+        <a:srgbClr val="0097A7"/>
+      </a:hlink>
+      <a:folHlink>
+        <a:srgbClr val="0097A7"/>
+      </a:folHlink>
+    </a:clrScheme>
+    <a:fontScheme name="Office">
+      <a:majorFont>
+        <a:latin typeface="Arial"/>
+        <a:ea typeface=""/>
+        <a:cs typeface=""/>
+        <a:font script="Jpan" typeface="ＭＳ Ｐゴシック"/>
+        <a:font script="Hang" typeface="맑은 고딕"/>
+        <a:font script="Hans" typeface="宋体"/>
+        <a:font script="Hant" typeface="新細明體"/>
+        <a:font script="Arab" typeface="Times New Roman"/>
+        <a:font script="Hebr" typeface="Times New Roman"/>
+        <a:font script="Thai" typeface="Angsana New"/>
+        <a:font script="Ethi" typeface="Nyala"/>
+        <a:font script="Beng" typeface="Vrinda"/>
+        <a:font script="Gujr" typeface="Shruti"/>
+        <a:font script="Khmr" typeface="MoolBoran"/>
+        <a:font script="Knda" typeface="Tunga"/>
+        <a:font script="Guru" typeface="Raavi"/>
+        <a:font script="Cans" typeface="Euphemia"/>
+        <a:font script="Cher" typeface="Plantagenet Cherokee"/>
+        <a:font script="Yiii" typeface="Microsoft Yi Baiti"/>
+        <a:font script="Tibt" typeface="Microsoft Himalaya"/>
+        <a:font script="Thaa" typeface="MV Boli"/>
+        <a:font script="Deva" typeface="Mangal"/>
+        <a:font script="Telu" typeface="Gautami"/>
+        <a:font script="Taml" typeface="Latha"/>
+        <a:font script="Syrc" typeface="Estrangelo Edessa"/>
+        <a:font script="Orya" typeface="Kalinga"/>
+        <a:font script="Mlym" typeface="Kartika"/>
+        <a:font script="Laoo" typeface="DokChampa"/>
+        <a:font script="Sinh" typeface="Iskoola Pota"/>
+        <a:font script="Mong" typeface="Mongolian Baiti"/>
+        <a:font script="Viet" typeface="Times New Roman"/>
+        <a:font script="Uigh" typeface="Microsoft Uighur"/>
+        <a:font script="Geor" typeface="Sylfaen"/>
+      </a:majorFont>
+      <a:minorFont>
+        <a:latin typeface="Arial"/>
+        <a:ea typeface=""/>
+        <a:cs typeface=""/>
+        <a:font script="Jpan" typeface="ＭＳ Ｐゴシック"/>
+        <a:font script="Hang" typeface="맑은 고딕"/>
+        <a:font script="Hans" typeface="宋体"/>
+        <a:font script="Hant" typeface="新細明體"/>
+        <a:font script="Arab" typeface="Arial"/>
+        <a:font script="Hebr" typeface="Arial"/>
+        <a:font script="Thai" typeface="Cordia New"/>
+        <a:font script="Ethi" typeface="Nyala"/>
+        <a:font script="Beng" typeface="Vrinda"/>
+        <a:font script="Gujr" typeface="Shruti"/>
+        <a:font script="Khmr" typeface="DaunPenh"/>
+        <a:font script="Knda" typeface="Tunga"/>
+        <a:font script="Guru" typeface="Raavi"/>
+        <a:font script="Cans" typeface="Euphemia"/>
+        <a:font script="Cher" typeface="Plantagenet Cherokee"/>
+        <a:font script="Yiii" typeface="Microsoft Yi Baiti"/>
+        <a:font script="Tibt" typeface="Microsoft Himalaya"/>
+        <a:font script="Thaa" typeface="MV Boli"/>
+        <a:font script="Deva" typeface="Mangal"/>
+        <a:font script="Telu" typeface="Gautami"/>
+        <a:font script="Taml" typeface="Latha"/>
+        <a:font script="Syrc" typeface="Estrangelo Edessa"/>
+        <a:font script="Orya" typeface="Kalinga"/>
+        <a:font script="Mlym" typeface="Kartika"/>
+        <a:font script="Laoo" typeface="DokChampa"/>
+        <a:font script="Sinh" typeface="Iskoola Pota"/>
+        <a:font script="Mong" typeface="Mongolian Baiti"/>
+        <a:font script="Viet" typeface="Arial"/>
+        <a:font script="Uigh" typeface="Microsoft Uighur"/>
+        <a:font script="Geor" typeface="Sylfaen"/>
+      </a:minorFont>
+    </a:fontScheme>
+    <a:fmtScheme name="Office">
+      <a:fillStyleLst>
+        <a:solidFill>
+          <a:schemeClr val="phClr"/>
+        </a:solidFill>
+        <a:gradFill rotWithShape="1">
+          <a:gsLst>
+            <a:gs pos="0">
+              <a:schemeClr val="phClr">
+                <a:tint val="50000"/>
+                <a:satMod val="300000"/>
+              </a:schemeClr>
+            </a:gs>
+            <a:gs pos="35000">
+              <a:schemeClr val="phClr">
+                <a:tint val="37000"/>
+                <a:satMod val="300000"/>
+              </a:schemeClr>
+            </a:gs>
+            <a:gs pos="100000">
+              <a:schemeClr val="phClr">
+                <a:tint val="15000"/>
+                <a:satMod val="350000"/>
+              </a:schemeClr>
+            </a:gs>
+          </a:gsLst>
+          <a:lin ang="16200000" scaled="1"/>
+        </a:gradFill>
+        <a:gradFill rotWithShape="1">
+          <a:gsLst>
+            <a:gs pos="0">
+              <a:schemeClr val="phClr">
+                <a:tint val="100000"/>
+                <a:shade val="100000"/>
+                <a:satMod val="130000"/>
+              </a:schemeClr>
+            </a:gs>
+            <a:gs pos="100000">
+              <a:schemeClr val="phClr">
+                <a:tint val="50000"/>
+                <a:shade val="100000"/>
+                <a:satMod val="350000"/>
+              </a:schemeClr>
+            </a:gs>
+          </a:gsLst>
+          <a:lin ang="16200000" scaled="0"/>
+        </a:gradFill>
+      </a:fillStyleLst>
+      <a:lnStyleLst>
+        <a:ln w="9525" cap="flat" cmpd="sng" algn="ctr">
+          <a:solidFill>
+            <a:schemeClr val="phClr">
+              <a:shade val="95000"/>
+              <a:satMod val="105000"/>
+            </a:schemeClr>
+          </a:solidFill>
+          <a:prstDash val="solid"/>
+        </a:ln>
+        <a:ln w="25400" cap="flat" cmpd="sng" algn="ctr">
+          <a:solidFill>
+            <a:schemeClr val="phClr"/>
+          </a:solidFill>
+          <a:prstDash val="solid"/>
+        </a:ln>
+        <a:ln w="38100" cap="flat" cmpd="sng" algn="ctr">
+          <a:solidFill>
+            <a:schemeClr val="phClr"/>
+          </a:solidFill>
+          <a:prstDash val="solid"/>
+        </a:ln>
+      </a:lnStyleLst>
+      <a:effectStyleLst>
+        <a:effectStyle>
+          <a:effectLst>
+            <a:outerShdw blurRad="40000" dist="20000" dir="5400000" rotWithShape="0">
+              <a:srgbClr val="000000">
+                <a:alpha val="38000"/>
+              </a:srgbClr>
+            </a:outerShdw>
+          </a:effectLst>
+        </a:effectStyle>
+        <a:effectStyle>
+          <a:effectLst>
+            <a:outerShdw blurRad="40000" dist="23000" dir="5400000" rotWithShape="0">
+              <a:srgbClr val="000000">
+                <a:alpha val="35000"/>
+              </a:srgbClr>
+            </a:outerShdw>
+          </a:effectLst>
+        </a:effectStyle>
+        <a:effectStyle>
+          <a:effectLst>
+            <a:outerShdw blurRad="40000" dist="23000" dir="5400000" rotWithShape="0">
+              <a:srgbClr val="000000">
+                <a:alpha val="35000"/>
+              </a:srgbClr>
+            </a:outerShdw>
+          </a:effectLst>
+          <a:scene3d>
+            <a:camera prst="orthographicFront">
+              <a:rot lat="0" lon="0" rev="0"/>
+            </a:camera>
+            <a:lightRig rig="threePt" dir="t">
+              <a:rot lat="0" lon="0" rev="1200000"/>
+            </a:lightRig>
+          </a:scene3d>
+          <a:sp3d>
+            <a:bevelT w="63500" h="25400"/>
+          </a:sp3d>
+        </a:effectStyle>
+      </a:effectStyleLst>
+      <a:bgFillStyleLst>
+        <a:solidFill>
+          <a:schemeClr val="phClr"/>
+        </a:solidFill>
+        <a:gradFill rotWithShape="1">
+          <a:gsLst>
+            <a:gs pos="0">
+              <a:schemeClr val="phClr">
+                <a:tint val="40000"/>
+                <a:satMod val="350000"/>
+              </a:schemeClr>
+            </a:gs>
+            <a:gs pos="40000">
+              <a:schemeClr val="phClr">
+                <a:tint val="45000"/>
+                <a:shade val="99000"/>
+                <a:satMod val="350000"/>
+              </a:schemeClr>
+            </a:gs>
+            <a:gs pos="100000">
+              <a:schemeClr val="phClr">
+                <a:shade val="20000"/>
+                <a:satMod val="255000"/>
+              </a:schemeClr>
+            </a:gs>
+          </a:gsLst>
+          <a:path path="circle">
+            <a:fillToRect l="50000" t="-80000" r="50000" b="180000"/>
+          </a:path>
+        </a:gradFill>
+        <a:gradFill rotWithShape="1">
+          <a:gsLst>
+            <a:gs pos="0">
+              <a:schemeClr val="phClr">
+                <a:tint val="80000"/>
+                <a:satMod val="300000"/>
+              </a:schemeClr>
+            </a:gs>
+            <a:gs pos="100000">
+              <a:schemeClr val="phClr">
+                <a:shade val="30000"/>
+                <a:satMod val="200000"/>
+              </a:schemeClr>
+            </a:gs>
+          </a:gsLst>
+          <a:path path="circle">
+            <a:fillToRect l="50000" t="50000" r="50000" b="50000"/>
+          </a:path>
+        </a:gradFill>
+      </a:bgFillStyleLst>
+    </a:fmtScheme>
+  </a:themeElements>
+  <a:objectDefaults/>
+  <a:extraClrSchemeLst/>
+</a:theme>
+</file>
+
+<file path=ppt/theme/theme2.xml><?xml version="1.0" encoding="utf-8"?>
+<a:theme xmlns:a="http://schemas.openxmlformats.org/drawingml/2006/main">
   <a:themeElements>
     <a:clrScheme name="Default">
       <a:dk1>
@@ -10924,284 +11458,7 @@
       </a:bgFillStyleLst>
     </a:fmtScheme>
   </a:themeElements>
-</a:theme>
-</file>
-
-<file path=ppt/theme/theme2.xml><?xml version="1.0" encoding="utf-8"?>
-<a:theme xmlns:a="http://schemas.openxmlformats.org/drawingml/2006/main" xmlns:r="http://schemas.openxmlformats.org/officeDocument/2006/relationships" name="Simple Light">
-  <a:themeElements>
-    <a:clrScheme name="Simple Light">
-      <a:dk1>
-        <a:srgbClr val="000000"/>
-      </a:dk1>
-      <a:lt1>
-        <a:srgbClr val="FFFFFF"/>
-      </a:lt1>
-      <a:dk2>
-        <a:srgbClr val="595959"/>
-      </a:dk2>
-      <a:lt2>
-        <a:srgbClr val="EEEEEE"/>
-      </a:lt2>
-      <a:accent1>
-        <a:srgbClr val="4285F4"/>
-      </a:accent1>
-      <a:accent2>
-        <a:srgbClr val="212121"/>
-      </a:accent2>
-      <a:accent3>
-        <a:srgbClr val="78909C"/>
-      </a:accent3>
-      <a:accent4>
-        <a:srgbClr val="FFAB40"/>
-      </a:accent4>
-      <a:accent5>
-        <a:srgbClr val="0097A7"/>
-      </a:accent5>
-      <a:accent6>
-        <a:srgbClr val="EEFF41"/>
-      </a:accent6>
-      <a:hlink>
-        <a:srgbClr val="0097A7"/>
-      </a:hlink>
-      <a:folHlink>
-        <a:srgbClr val="0097A7"/>
-      </a:folHlink>
-    </a:clrScheme>
-    <a:fontScheme name="Office">
-      <a:majorFont>
-        <a:latin typeface="Arial"/>
-        <a:ea typeface=""/>
-        <a:cs typeface=""/>
-        <a:font script="Jpan" typeface="ＭＳ Ｐゴシック"/>
-        <a:font script="Hang" typeface="맑은 고딕"/>
-        <a:font script="Hans" typeface="宋体"/>
-        <a:font script="Hant" typeface="新細明體"/>
-        <a:font script="Arab" typeface="Times New Roman"/>
-        <a:font script="Hebr" typeface="Times New Roman"/>
-        <a:font script="Thai" typeface="Angsana New"/>
-        <a:font script="Ethi" typeface="Nyala"/>
-        <a:font script="Beng" typeface="Vrinda"/>
-        <a:font script="Gujr" typeface="Shruti"/>
-        <a:font script="Khmr" typeface="MoolBoran"/>
-        <a:font script="Knda" typeface="Tunga"/>
-        <a:font script="Guru" typeface="Raavi"/>
-        <a:font script="Cans" typeface="Euphemia"/>
-        <a:font script="Cher" typeface="Plantagenet Cherokee"/>
-        <a:font script="Yiii" typeface="Microsoft Yi Baiti"/>
-        <a:font script="Tibt" typeface="Microsoft Himalaya"/>
-        <a:font script="Thaa" typeface="MV Boli"/>
-        <a:font script="Deva" typeface="Mangal"/>
-        <a:font script="Telu" typeface="Gautami"/>
-        <a:font script="Taml" typeface="Latha"/>
-        <a:font script="Syrc" typeface="Estrangelo Edessa"/>
-        <a:font script="Orya" typeface="Kalinga"/>
-        <a:font script="Mlym" typeface="Kartika"/>
-        <a:font script="Laoo" typeface="DokChampa"/>
-        <a:font script="Sinh" typeface="Iskoola Pota"/>
-        <a:font script="Mong" typeface="Mongolian Baiti"/>
-        <a:font script="Viet" typeface="Times New Roman"/>
-        <a:font script="Uigh" typeface="Microsoft Uighur"/>
-        <a:font script="Geor" typeface="Sylfaen"/>
-      </a:majorFont>
-      <a:minorFont>
-        <a:latin typeface="Arial"/>
-        <a:ea typeface=""/>
-        <a:cs typeface=""/>
-        <a:font script="Jpan" typeface="ＭＳ Ｐゴシック"/>
-        <a:font script="Hang" typeface="맑은 고딕"/>
-        <a:font script="Hans" typeface="宋体"/>
-        <a:font script="Hant" typeface="新細明體"/>
-        <a:font script="Arab" typeface="Arial"/>
-        <a:font script="Hebr" typeface="Arial"/>
-        <a:font script="Thai" typeface="Cordia New"/>
-        <a:font script="Ethi" typeface="Nyala"/>
-        <a:font script="Beng" typeface="Vrinda"/>
-        <a:font script="Gujr" typeface="Shruti"/>
-        <a:font script="Khmr" typeface="DaunPenh"/>
-        <a:font script="Knda" typeface="Tunga"/>
-        <a:font script="Guru" typeface="Raavi"/>
-        <a:font script="Cans" typeface="Euphemia"/>
-        <a:font script="Cher" typeface="Plantagenet Cherokee"/>
-        <a:font script="Yiii" typeface="Microsoft Yi Baiti"/>
-        <a:font script="Tibt" typeface="Microsoft Himalaya"/>
-        <a:font script="Thaa" typeface="MV Boli"/>
-        <a:font script="Deva" typeface="Mangal"/>
-        <a:font script="Telu" typeface="Gautami"/>
-        <a:font script="Taml" typeface="Latha"/>
-        <a:font script="Syrc" typeface="Estrangelo Edessa"/>
-        <a:font script="Orya" typeface="Kalinga"/>
-        <a:font script="Mlym" typeface="Kartika"/>
-        <a:font script="Laoo" typeface="DokChampa"/>
-        <a:font script="Sinh" typeface="Iskoola Pota"/>
-        <a:font script="Mong" typeface="Mongolian Baiti"/>
-        <a:font script="Viet" typeface="Arial"/>
-        <a:font script="Uigh" typeface="Microsoft Uighur"/>
-        <a:font script="Geor" typeface="Sylfaen"/>
-      </a:minorFont>
-    </a:fontScheme>
-    <a:fmtScheme name="Office">
-      <a:fillStyleLst>
-        <a:solidFill>
-          <a:schemeClr val="phClr"/>
-        </a:solidFill>
-        <a:gradFill rotWithShape="1">
-          <a:gsLst>
-            <a:gs pos="0">
-              <a:schemeClr val="phClr">
-                <a:tint val="50000"/>
-                <a:satMod val="300000"/>
-              </a:schemeClr>
-            </a:gs>
-            <a:gs pos="35000">
-              <a:schemeClr val="phClr">
-                <a:tint val="37000"/>
-                <a:satMod val="300000"/>
-              </a:schemeClr>
-            </a:gs>
-            <a:gs pos="100000">
-              <a:schemeClr val="phClr">
-                <a:tint val="15000"/>
-                <a:satMod val="350000"/>
-              </a:schemeClr>
-            </a:gs>
-          </a:gsLst>
-          <a:lin ang="16200000" scaled="1"/>
-        </a:gradFill>
-        <a:gradFill rotWithShape="1">
-          <a:gsLst>
-            <a:gs pos="0">
-              <a:schemeClr val="phClr">
-                <a:tint val="100000"/>
-                <a:shade val="100000"/>
-                <a:satMod val="130000"/>
-              </a:schemeClr>
-            </a:gs>
-            <a:gs pos="100000">
-              <a:schemeClr val="phClr">
-                <a:tint val="50000"/>
-                <a:shade val="100000"/>
-                <a:satMod val="350000"/>
-              </a:schemeClr>
-            </a:gs>
-          </a:gsLst>
-          <a:lin ang="16200000" scaled="0"/>
-        </a:gradFill>
-      </a:fillStyleLst>
-      <a:lnStyleLst>
-        <a:ln w="9525" cap="flat" cmpd="sng" algn="ctr">
-          <a:solidFill>
-            <a:schemeClr val="phClr">
-              <a:shade val="95000"/>
-              <a:satMod val="105000"/>
-            </a:schemeClr>
-          </a:solidFill>
-          <a:prstDash val="solid"/>
-        </a:ln>
-        <a:ln w="25400" cap="flat" cmpd="sng" algn="ctr">
-          <a:solidFill>
-            <a:schemeClr val="phClr"/>
-          </a:solidFill>
-          <a:prstDash val="solid"/>
-        </a:ln>
-        <a:ln w="38100" cap="flat" cmpd="sng" algn="ctr">
-          <a:solidFill>
-            <a:schemeClr val="phClr"/>
-          </a:solidFill>
-          <a:prstDash val="solid"/>
-        </a:ln>
-      </a:lnStyleLst>
-      <a:effectStyleLst>
-        <a:effectStyle>
-          <a:effectLst>
-            <a:outerShdw blurRad="40000" dist="20000" dir="5400000" rotWithShape="0">
-              <a:srgbClr val="000000">
-                <a:alpha val="38000"/>
-              </a:srgbClr>
-            </a:outerShdw>
-          </a:effectLst>
-        </a:effectStyle>
-        <a:effectStyle>
-          <a:effectLst>
-            <a:outerShdw blurRad="40000" dist="23000" dir="5400000" rotWithShape="0">
-              <a:srgbClr val="000000">
-                <a:alpha val="35000"/>
-              </a:srgbClr>
-            </a:outerShdw>
-          </a:effectLst>
-        </a:effectStyle>
-        <a:effectStyle>
-          <a:effectLst>
-            <a:outerShdw blurRad="40000" dist="23000" dir="5400000" rotWithShape="0">
-              <a:srgbClr val="000000">
-                <a:alpha val="35000"/>
-              </a:srgbClr>
-            </a:outerShdw>
-          </a:effectLst>
-          <a:scene3d>
-            <a:camera prst="orthographicFront">
-              <a:rot lat="0" lon="0" rev="0"/>
-            </a:camera>
-            <a:lightRig rig="threePt" dir="t">
-              <a:rot lat="0" lon="0" rev="1200000"/>
-            </a:lightRig>
-          </a:scene3d>
-          <a:sp3d>
-            <a:bevelT w="63500" h="25400"/>
-          </a:sp3d>
-        </a:effectStyle>
-      </a:effectStyleLst>
-      <a:bgFillStyleLst>
-        <a:solidFill>
-          <a:schemeClr val="phClr"/>
-        </a:solidFill>
-        <a:gradFill rotWithShape="1">
-          <a:gsLst>
-            <a:gs pos="0">
-              <a:schemeClr val="phClr">
-                <a:tint val="40000"/>
-                <a:satMod val="350000"/>
-              </a:schemeClr>
-            </a:gs>
-            <a:gs pos="40000">
-              <a:schemeClr val="phClr">
-                <a:tint val="45000"/>
-                <a:shade val="99000"/>
-                <a:satMod val="350000"/>
-              </a:schemeClr>
-            </a:gs>
-            <a:gs pos="100000">
-              <a:schemeClr val="phClr">
-                <a:shade val="20000"/>
-                <a:satMod val="255000"/>
-              </a:schemeClr>
-            </a:gs>
-          </a:gsLst>
-          <a:path path="circle">
-            <a:fillToRect l="50000" t="-80000" r="50000" b="180000"/>
-          </a:path>
-        </a:gradFill>
-        <a:gradFill rotWithShape="1">
-          <a:gsLst>
-            <a:gs pos="0">
-              <a:schemeClr val="phClr">
-                <a:tint val="80000"/>
-                <a:satMod val="300000"/>
-              </a:schemeClr>
-            </a:gs>
-            <a:gs pos="100000">
-              <a:schemeClr val="phClr">
-                <a:shade val="30000"/>
-                <a:satMod val="200000"/>
-              </a:schemeClr>
-            </a:gs>
-          </a:gsLst>
-          <a:path path="circle">
-            <a:fillToRect l="50000" t="50000" r="50000" b="50000"/>
-          </a:path>
-        </a:gradFill>
-      </a:bgFillStyleLst>
-    </a:fmtScheme>
-  </a:themeElements>
+  <a:objectDefaults/>
+  <a:extraClrSchemeLst/>
 </a:theme>
 </file>